--- a/SPP-prezentace.pptx
+++ b/SPP-prezentace.pptx
@@ -6,15 +6,32 @@
     <p:sldMasterId id="2147483713" r:id="rId5"/>
   </p:sldMasterIdLst>
   <p:notesMasterIdLst>
-    <p:notesMasterId r:id="rId9"/>
+    <p:notesMasterId r:id="rId26"/>
   </p:notesMasterIdLst>
   <p:handoutMasterIdLst>
-    <p:handoutMasterId r:id="rId10"/>
+    <p:handoutMasterId r:id="rId27"/>
   </p:handoutMasterIdLst>
   <p:sldIdLst>
     <p:sldId id="256" r:id="rId6"/>
     <p:sldId id="258" r:id="rId7"/>
-    <p:sldId id="257" r:id="rId8"/>
+    <p:sldId id="259" r:id="rId8"/>
+    <p:sldId id="261" r:id="rId9"/>
+    <p:sldId id="262" r:id="rId10"/>
+    <p:sldId id="263" r:id="rId11"/>
+    <p:sldId id="264" r:id="rId12"/>
+    <p:sldId id="275" r:id="rId13"/>
+    <p:sldId id="265" r:id="rId14"/>
+    <p:sldId id="266" r:id="rId15"/>
+    <p:sldId id="267" r:id="rId16"/>
+    <p:sldId id="272" r:id="rId17"/>
+    <p:sldId id="273" r:id="rId18"/>
+    <p:sldId id="268" r:id="rId19"/>
+    <p:sldId id="270" r:id="rId20"/>
+    <p:sldId id="269" r:id="rId21"/>
+    <p:sldId id="271" r:id="rId22"/>
+    <p:sldId id="274" r:id="rId23"/>
+    <p:sldId id="260" r:id="rId24"/>
+    <p:sldId id="257" r:id="rId25"/>
   </p:sldIdLst>
   <p:sldSz cx="12192000" cy="6858000"/>
   <p:notesSz cx="6858000" cy="9144000"/>
@@ -4104,7 +4121,7 @@
               <a:pPr/>
               <a:t>‹#›</a:t>
             </a:fld>
-            <a:endParaRPr lang="en-US" altLang="cs-CZ"/>
+            <a:endParaRPr lang="en-US" altLang="cs-CZ" dirty="0"/>
           </a:p>
         </p:txBody>
       </p:sp>
@@ -4394,12 +4411,41 @@
           </a:lstStyle>
           <a:p>
             <a:r>
+              <a:rPr lang="cs-CZ" b="1" dirty="0" err="1"/>
+              <a:t>Cyclic</a:t>
+            </a:r>
+            <a:r>
               <a:rPr lang="cs-CZ" b="1" dirty="0"/>
-              <a:t>Využití opakujících se podstruktur pro efektivní reprezentaci automatů</a:t>
-            </a:r>
-            <a:endParaRPr lang="en-US" altLang="cs-CZ" dirty="0"/>
-          </a:p>
-          <a:p>
+              <a:t> </a:t>
+            </a:r>
+            <a:r>
+              <a:rPr lang="cs-CZ" b="1" dirty="0" err="1"/>
+              <a:t>Redundancy</a:t>
+            </a:r>
+            <a:r>
+              <a:rPr lang="cs-CZ" b="1" dirty="0"/>
+              <a:t> </a:t>
+            </a:r>
+            <a:r>
+              <a:rPr lang="cs-CZ" b="1" dirty="0" err="1"/>
+              <a:t>Checks</a:t>
+            </a:r>
+            <a:r>
+              <a:rPr lang="cs-CZ" b="1" dirty="0"/>
+              <a:t> and </a:t>
+            </a:r>
+            <a:r>
+              <a:rPr lang="cs-CZ" b="1" dirty="0" err="1"/>
+              <a:t>Error</a:t>
+            </a:r>
+            <a:r>
+              <a:rPr lang="cs-CZ" b="1" dirty="0"/>
+              <a:t> </a:t>
+            </a:r>
+            <a:r>
+              <a:rPr lang="cs-CZ" b="1" dirty="0" err="1"/>
+              <a:t>Detection</a:t>
+            </a:r>
             <a:endParaRPr lang="en-US" altLang="cs-CZ" dirty="0"/>
           </a:p>
         </p:txBody>
@@ -4432,8 +4478,13 @@
             </a:fld>
             <a:r>
               <a:rPr lang="en-US" altLang="cs-CZ" dirty="0"/>
-              <a:t>/15</a:t>
-            </a:r>
+              <a:t>/</a:t>
+            </a:r>
+            <a:r>
+              <a:rPr lang="cs-CZ" altLang="cs-CZ" dirty="0"/>
+              <a:t>19</a:t>
+            </a:r>
+            <a:endParaRPr lang="en-US" altLang="cs-CZ" dirty="0"/>
           </a:p>
         </p:txBody>
       </p:sp>
@@ -4956,8 +5007,40 @@
           </a:lstStyle>
           <a:p>
             <a:r>
+              <a:rPr lang="cs-CZ" b="1" dirty="0" err="1"/>
+              <a:t>Cyclic</a:t>
+            </a:r>
+            <a:r>
               <a:rPr lang="cs-CZ" b="1" dirty="0"/>
-              <a:t>Využití opakujících se podstruktur pro efektivní reprezentaci automatů</a:t>
+              <a:t> </a:t>
+            </a:r>
+            <a:r>
+              <a:rPr lang="cs-CZ" b="1" dirty="0" err="1"/>
+              <a:t>Redundancy</a:t>
+            </a:r>
+            <a:r>
+              <a:rPr lang="cs-CZ" b="1" dirty="0"/>
+              <a:t> </a:t>
+            </a:r>
+            <a:r>
+              <a:rPr lang="cs-CZ" b="1" dirty="0" err="1"/>
+              <a:t>Checks</a:t>
+            </a:r>
+            <a:r>
+              <a:rPr lang="cs-CZ" b="1" dirty="0"/>
+              <a:t> and </a:t>
+            </a:r>
+            <a:r>
+              <a:rPr lang="cs-CZ" b="1" dirty="0" err="1"/>
+              <a:t>Error</a:t>
+            </a:r>
+            <a:r>
+              <a:rPr lang="cs-CZ" b="1" dirty="0"/>
+              <a:t> </a:t>
+            </a:r>
+            <a:r>
+              <a:rPr lang="cs-CZ" b="1" dirty="0" err="1"/>
+              <a:t>Detection</a:t>
             </a:r>
             <a:endParaRPr lang="en-US" altLang="cs-CZ" dirty="0"/>
           </a:p>
@@ -4985,11 +5068,15 @@
           </a:lstStyle>
           <a:p>
             <a:fld id="{E94AC346-A157-4EF4-A06B-3AB421B38C20}" type="slidenum">
-              <a:rPr lang="en-US" altLang="cs-CZ"/>
+              <a:rPr lang="en-US" altLang="cs-CZ" smtClean="0"/>
               <a:pPr/>
               <a:t>‹#›</a:t>
             </a:fld>
-            <a:endParaRPr lang="en-US" altLang="cs-CZ"/>
+            <a:r>
+              <a:rPr lang="cs-CZ" altLang="cs-CZ" dirty="0"/>
+              <a:t>/???</a:t>
+            </a:r>
+            <a:endParaRPr lang="en-US" altLang="cs-CZ" dirty="0"/>
           </a:p>
         </p:txBody>
       </p:sp>
@@ -5345,8 +5432,40 @@
           </a:lstStyle>
           <a:p>
             <a:r>
+              <a:rPr lang="cs-CZ" b="1" dirty="0" err="1"/>
+              <a:t>Cyclic</a:t>
+            </a:r>
+            <a:r>
               <a:rPr lang="cs-CZ" b="1" dirty="0"/>
-              <a:t>Využití opakujících se podstruktur pro efektivní reprezentaci automatů</a:t>
+              <a:t> </a:t>
+            </a:r>
+            <a:r>
+              <a:rPr lang="cs-CZ" b="1" dirty="0" err="1"/>
+              <a:t>Redundancy</a:t>
+            </a:r>
+            <a:r>
+              <a:rPr lang="cs-CZ" b="1" dirty="0"/>
+              <a:t> </a:t>
+            </a:r>
+            <a:r>
+              <a:rPr lang="cs-CZ" b="1" dirty="0" err="1"/>
+              <a:t>Checks</a:t>
+            </a:r>
+            <a:r>
+              <a:rPr lang="cs-CZ" b="1" dirty="0"/>
+              <a:t> and </a:t>
+            </a:r>
+            <a:r>
+              <a:rPr lang="cs-CZ" b="1" dirty="0" err="1"/>
+              <a:t>Error</a:t>
+            </a:r>
+            <a:r>
+              <a:rPr lang="cs-CZ" b="1" dirty="0"/>
+              <a:t> </a:t>
+            </a:r>
+            <a:r>
+              <a:rPr lang="cs-CZ" b="1" dirty="0" err="1"/>
+              <a:t>Detection</a:t>
             </a:r>
             <a:endParaRPr lang="en-US" altLang="cs-CZ" dirty="0"/>
           </a:p>
@@ -5374,11 +5493,15 @@
           </a:lstStyle>
           <a:p>
             <a:fld id="{4944FB18-8EAF-4DED-A64D-DB11D411D2B0}" type="slidenum">
-              <a:rPr lang="en-US" altLang="cs-CZ"/>
+              <a:rPr lang="en-US" altLang="cs-CZ" smtClean="0"/>
               <a:pPr/>
               <a:t>‹#›</a:t>
             </a:fld>
-            <a:endParaRPr lang="en-US" altLang="cs-CZ"/>
+            <a:r>
+              <a:rPr lang="cs-CZ" altLang="cs-CZ" dirty="0"/>
+              <a:t>/???</a:t>
+            </a:r>
+            <a:endParaRPr lang="en-US" altLang="cs-CZ" dirty="0"/>
           </a:p>
         </p:txBody>
       </p:sp>
@@ -5501,8 +5624,40 @@
           </a:lstStyle>
           <a:p>
             <a:r>
+              <a:rPr lang="cs-CZ" b="1" dirty="0" err="1"/>
+              <a:t>Cyclic</a:t>
+            </a:r>
+            <a:r>
               <a:rPr lang="cs-CZ" b="1" dirty="0"/>
-              <a:t>Využití opakujících se podstruktur pro efektivní reprezentaci automatů</a:t>
+              <a:t> </a:t>
+            </a:r>
+            <a:r>
+              <a:rPr lang="cs-CZ" b="1" dirty="0" err="1"/>
+              <a:t>Redundancy</a:t>
+            </a:r>
+            <a:r>
+              <a:rPr lang="cs-CZ" b="1" dirty="0"/>
+              <a:t> </a:t>
+            </a:r>
+            <a:r>
+              <a:rPr lang="cs-CZ" b="1" dirty="0" err="1"/>
+              <a:t>Checks</a:t>
+            </a:r>
+            <a:r>
+              <a:rPr lang="cs-CZ" b="1" dirty="0"/>
+              <a:t> and </a:t>
+            </a:r>
+            <a:r>
+              <a:rPr lang="cs-CZ" b="1" dirty="0" err="1"/>
+              <a:t>Error</a:t>
+            </a:r>
+            <a:r>
+              <a:rPr lang="cs-CZ" b="1" dirty="0"/>
+              <a:t> </a:t>
+            </a:r>
+            <a:r>
+              <a:rPr lang="cs-CZ" b="1" dirty="0" err="1"/>
+              <a:t>Detection</a:t>
             </a:r>
             <a:endParaRPr lang="en-US" altLang="cs-CZ" dirty="0"/>
           </a:p>
@@ -5530,11 +5685,15 @@
           </a:lstStyle>
           <a:p>
             <a:fld id="{73D9E105-8003-4962-AFA0-54D4ABFA0C7D}" type="slidenum">
-              <a:rPr lang="en-US" altLang="cs-CZ"/>
+              <a:rPr lang="en-US" altLang="cs-CZ" smtClean="0"/>
               <a:pPr/>
               <a:t>‹#›</a:t>
             </a:fld>
-            <a:endParaRPr lang="en-US" altLang="cs-CZ"/>
+            <a:r>
+              <a:rPr lang="cs-CZ" altLang="cs-CZ" dirty="0"/>
+              <a:t>/???</a:t>
+            </a:r>
+            <a:endParaRPr lang="en-US" altLang="cs-CZ" dirty="0"/>
           </a:p>
         </p:txBody>
       </p:sp>
@@ -6042,8 +6201,40 @@
           </a:lstStyle>
           <a:p>
             <a:r>
+              <a:rPr lang="cs-CZ" b="1" dirty="0" err="1"/>
+              <a:t>Cyclic</a:t>
+            </a:r>
+            <a:r>
               <a:rPr lang="cs-CZ" b="1" dirty="0"/>
-              <a:t>Využití opakujících se podstruktur pro efektivní reprezentaci automatů</a:t>
+              <a:t> </a:t>
+            </a:r>
+            <a:r>
+              <a:rPr lang="cs-CZ" b="1" dirty="0" err="1"/>
+              <a:t>Redundancy</a:t>
+            </a:r>
+            <a:r>
+              <a:rPr lang="cs-CZ" b="1" dirty="0"/>
+              <a:t> </a:t>
+            </a:r>
+            <a:r>
+              <a:rPr lang="cs-CZ" b="1" dirty="0" err="1"/>
+              <a:t>Checks</a:t>
+            </a:r>
+            <a:r>
+              <a:rPr lang="cs-CZ" b="1" dirty="0"/>
+              <a:t> and </a:t>
+            </a:r>
+            <a:r>
+              <a:rPr lang="cs-CZ" b="1" dirty="0" err="1"/>
+              <a:t>Error</a:t>
+            </a:r>
+            <a:r>
+              <a:rPr lang="cs-CZ" b="1" dirty="0"/>
+              <a:t> </a:t>
+            </a:r>
+            <a:r>
+              <a:rPr lang="cs-CZ" b="1" dirty="0" err="1"/>
+              <a:t>Detection</a:t>
             </a:r>
             <a:endParaRPr lang="en-US" altLang="cs-CZ" dirty="0"/>
           </a:p>
@@ -6069,11 +6260,15 @@
           </a:lstStyle>
           <a:p>
             <a:fld id="{8B9C9DCE-74AD-40A2-919B-1CC767854C98}" type="slidenum">
-              <a:rPr lang="en-US" altLang="cs-CZ"/>
+              <a:rPr lang="en-US" altLang="cs-CZ" smtClean="0"/>
               <a:pPr/>
               <a:t>‹#›</a:t>
             </a:fld>
-            <a:endParaRPr lang="en-US" altLang="cs-CZ"/>
+            <a:r>
+              <a:rPr lang="cs-CZ" altLang="cs-CZ" dirty="0"/>
+              <a:t>/???</a:t>
+            </a:r>
+            <a:endParaRPr lang="en-US" altLang="cs-CZ" dirty="0"/>
           </a:p>
         </p:txBody>
       </p:sp>
@@ -6562,8 +6757,40 @@
           </a:lstStyle>
           <a:p>
             <a:r>
+              <a:rPr lang="cs-CZ" b="1" dirty="0" err="1"/>
+              <a:t>Cyclic</a:t>
+            </a:r>
+            <a:r>
               <a:rPr lang="cs-CZ" b="1" dirty="0"/>
-              <a:t>Využití opakujících se podstruktur pro efektivní reprezentaci automatů</a:t>
+              <a:t> </a:t>
+            </a:r>
+            <a:r>
+              <a:rPr lang="cs-CZ" b="1" dirty="0" err="1"/>
+              <a:t>Redundancy</a:t>
+            </a:r>
+            <a:r>
+              <a:rPr lang="cs-CZ" b="1" dirty="0"/>
+              <a:t> </a:t>
+            </a:r>
+            <a:r>
+              <a:rPr lang="cs-CZ" b="1" dirty="0" err="1"/>
+              <a:t>Checks</a:t>
+            </a:r>
+            <a:r>
+              <a:rPr lang="cs-CZ" b="1" dirty="0"/>
+              <a:t> and </a:t>
+            </a:r>
+            <a:r>
+              <a:rPr lang="cs-CZ" b="1" dirty="0" err="1"/>
+              <a:t>Error</a:t>
+            </a:r>
+            <a:r>
+              <a:rPr lang="cs-CZ" b="1" dirty="0"/>
+              <a:t> </a:t>
+            </a:r>
+            <a:r>
+              <a:rPr lang="cs-CZ" b="1" dirty="0" err="1"/>
+              <a:t>Detection</a:t>
             </a:r>
             <a:endParaRPr lang="en-US" altLang="cs-CZ" dirty="0"/>
           </a:p>
@@ -6589,11 +6816,15 @@
           </a:lstStyle>
           <a:p>
             <a:fld id="{5F6DA920-88DF-466E-B7A8-39DA64F1E1EB}" type="slidenum">
-              <a:rPr lang="en-US" altLang="cs-CZ"/>
+              <a:rPr lang="en-US" altLang="cs-CZ" smtClean="0"/>
               <a:pPr/>
               <a:t>‹#›</a:t>
             </a:fld>
-            <a:endParaRPr lang="en-US" altLang="cs-CZ"/>
+            <a:r>
+              <a:rPr lang="cs-CZ" altLang="cs-CZ" dirty="0"/>
+              <a:t>/???</a:t>
+            </a:r>
+            <a:endParaRPr lang="en-US" altLang="cs-CZ" dirty="0"/>
           </a:p>
         </p:txBody>
       </p:sp>
@@ -8647,8 +8878,8 @@
         </p:nvSpPr>
         <p:spPr>
           <a:xfrm>
-            <a:off x="1982347" y="1929944"/>
-            <a:ext cx="6210677" cy="1254125"/>
+            <a:off x="2625539" y="1786697"/>
+            <a:ext cx="6497681" cy="1254125"/>
           </a:xfrm>
         </p:spPr>
         <p:txBody>
@@ -8709,8 +8940,8 @@
         </p:nvSpPr>
         <p:spPr>
           <a:xfrm>
-            <a:off x="2388192" y="4045619"/>
-            <a:ext cx="6803136" cy="664797"/>
+            <a:off x="4818648" y="4036504"/>
+            <a:ext cx="4304572" cy="1551194"/>
           </a:xfrm>
           <a:prstGeom prst="rect">
             <a:avLst/>
@@ -8775,6 +9006,56 @@
               </a:rPr>
               <a:t>Jepsen</a:t>
             </a:r>
+            <a:endParaRPr lang="cs-CZ" sz="1600" b="0" dirty="0">
+              <a:solidFill>
+                <a:schemeClr val="bg2"/>
+              </a:solidFill>
+              <a:latin typeface="+mn-lt"/>
+              <a:ea typeface="Calibri" panose="020F0502020204030204" pitchFamily="34" charset="0"/>
+              <a:cs typeface="Calibri" pitchFamily="34" charset="0"/>
+            </a:endParaRPr>
+          </a:p>
+          <a:p>
+            <a:pPr algn="r">
+              <a:buNone/>
+            </a:pPr>
+            <a:r>
+              <a:rPr lang="cs-CZ" sz="1600" b="0" dirty="0">
+                <a:solidFill>
+                  <a:schemeClr val="bg2"/>
+                </a:solidFill>
+                <a:latin typeface="+mn-lt"/>
+                <a:ea typeface="Calibri" panose="020F0502020204030204" pitchFamily="34" charset="0"/>
+                <a:cs typeface="Calibri" pitchFamily="34" charset="0"/>
+              </a:rPr>
+              <a:t>Systémy odolné proti poruchám – téma č. 5</a:t>
+            </a:r>
+            <a:endParaRPr lang="cs-CZ" sz="1600" dirty="0">
+              <a:solidFill>
+                <a:schemeClr val="tx1"/>
+              </a:solidFill>
+              <a:latin typeface="+mn-lt"/>
+              <a:ea typeface="Calibri" panose="020F0502020204030204" pitchFamily="34" charset="0"/>
+              <a:cs typeface="Calibri" pitchFamily="34" charset="0"/>
+            </a:endParaRPr>
+          </a:p>
+          <a:p>
+            <a:pPr algn="r">
+              <a:buNone/>
+            </a:pPr>
+            <a:endParaRPr lang="cs-CZ" sz="1600" b="0" dirty="0">
+              <a:solidFill>
+                <a:schemeClr val="tx1"/>
+              </a:solidFill>
+              <a:latin typeface="+mn-lt"/>
+              <a:ea typeface="Calibri" panose="020F0502020204030204" pitchFamily="34" charset="0"/>
+              <a:cs typeface="Calibri" pitchFamily="34" charset="0"/>
+            </a:endParaRPr>
+          </a:p>
+          <a:p>
+            <a:pPr algn="r">
+              <a:buNone/>
+            </a:pPr>
             <a:endParaRPr lang="cs-CZ" sz="1600" b="0" dirty="0">
               <a:solidFill>
                 <a:schemeClr val="bg2"/>
@@ -8814,8 +9095,8 @@
         </p:blipFill>
         <p:spPr>
           <a:xfrm>
-            <a:off x="8193024" y="5469083"/>
-            <a:ext cx="3249252" cy="721255"/>
+            <a:off x="8277985" y="5456352"/>
+            <a:ext cx="3393644" cy="753306"/>
           </a:xfrm>
           <a:prstGeom prst="rect">
             <a:avLst/>
@@ -8823,6 +9104,2481 @@
         </p:spPr>
       </p:pic>
     </p:spTree>
+  </p:cSld>
+  <p:clrMapOvr>
+    <a:masterClrMapping/>
+  </p:clrMapOvr>
+</p:sld>
+</file>
+
+<file path=ppt/slides/slide10.xml><?xml version="1.0" encoding="utf-8"?>
+<p:sld xmlns:a="http://schemas.openxmlformats.org/drawingml/2006/main" xmlns:r="http://schemas.openxmlformats.org/officeDocument/2006/relationships" xmlns:p="http://schemas.openxmlformats.org/presentationml/2006/main">
+  <p:cSld>
+    <p:spTree>
+      <p:nvGrpSpPr>
+        <p:cNvPr id="1" name=""/>
+        <p:cNvGrpSpPr/>
+        <p:nvPr/>
+      </p:nvGrpSpPr>
+      <p:grpSpPr>
+        <a:xfrm>
+          <a:off x="0" y="0"/>
+          <a:ext cx="0" cy="0"/>
+          <a:chOff x="0" y="0"/>
+          <a:chExt cx="0" cy="0"/>
+        </a:xfrm>
+      </p:grpSpPr>
+      <p:sp>
+        <p:nvSpPr>
+          <p:cNvPr id="2" name="Zástupný obsah 1">
+            <a:extLst>
+              <a:ext uri="{FF2B5EF4-FFF2-40B4-BE49-F238E27FC236}">
+                <a16:creationId xmlns:a16="http://schemas.microsoft.com/office/drawing/2014/main" id="{49898EB5-A5FD-FDD0-8D95-6A81137C33E6}"/>
+              </a:ext>
+            </a:extLst>
+          </p:cNvPr>
+          <p:cNvSpPr>
+            <a:spLocks noGrp="1"/>
+          </p:cNvSpPr>
+          <p:nvPr>
+            <p:ph idx="1"/>
+          </p:nvPr>
+        </p:nvSpPr>
+        <p:spPr/>
+        <p:txBody>
+          <a:bodyPr/>
+          <a:lstStyle/>
+          <a:p>
+            <a:pPr algn="just"/>
+            <a:r>
+              <a:rPr lang="cs-CZ" sz="2400" dirty="0"/>
+              <a:t>CRC (65552, 65536)</a:t>
+            </a:r>
+          </a:p>
+          <a:p>
+            <a:pPr algn="just"/>
+            <a:r>
+              <a:rPr lang="cs-CZ" sz="2400" dirty="0"/>
+              <a:t>727552 poškozených paketů</a:t>
+            </a:r>
+          </a:p>
+          <a:p>
+            <a:pPr algn="just"/>
+            <a:r>
+              <a:rPr lang="cs-CZ" sz="2400" dirty="0"/>
+              <a:t>27 různých generujících polynomů stupně 16</a:t>
+            </a:r>
+          </a:p>
+          <a:p>
+            <a:pPr lvl="1" algn="just"/>
+            <a:r>
+              <a:rPr lang="cs-CZ" sz="2200" b="1" dirty="0"/>
+              <a:t>Primitive in GF2</a:t>
+            </a:r>
+          </a:p>
+          <a:p>
+            <a:pPr lvl="2" algn="just"/>
+            <a:r>
+              <a:rPr lang="cs-CZ" sz="2000" dirty="0"/>
+              <a:t>5 primitivních polynomů stupně 16 </a:t>
+            </a:r>
+          </a:p>
+          <a:p>
+            <a:pPr lvl="1" algn="just"/>
+            <a:r>
+              <a:rPr lang="cs-CZ" sz="2200" b="1" dirty="0"/>
+              <a:t>Primitive 15 in GF2(x+1)</a:t>
+            </a:r>
+          </a:p>
+          <a:p>
+            <a:pPr lvl="2" algn="just"/>
+            <a:r>
+              <a:rPr lang="cs-CZ" sz="2000" dirty="0"/>
+              <a:t>5 polynomů stupně 15 vynásobených (x+1)</a:t>
+            </a:r>
+          </a:p>
+          <a:p>
+            <a:pPr lvl="1" algn="just"/>
+            <a:r>
+              <a:rPr lang="cs-CZ" sz="2200" b="1" dirty="0" err="1"/>
+              <a:t>Ireducible</a:t>
+            </a:r>
+            <a:r>
+              <a:rPr lang="cs-CZ" sz="2200" b="1" dirty="0"/>
+              <a:t> GF2 </a:t>
+            </a:r>
+            <a:r>
+              <a:rPr lang="cs-CZ" sz="2200" b="1" dirty="0" err="1"/>
+              <a:t>Orbiter</a:t>
+            </a:r>
+            <a:endParaRPr lang="cs-CZ" sz="2200" b="1" dirty="0"/>
+          </a:p>
+          <a:p>
+            <a:pPr lvl="2" algn="just"/>
+            <a:r>
+              <a:rPr lang="cs-CZ" sz="2000" dirty="0"/>
+              <a:t>10 ireducibilních polynomů stupně 16 zvolených nástrojem </a:t>
+            </a:r>
+            <a:r>
+              <a:rPr lang="cs-CZ" sz="2000" dirty="0" err="1"/>
+              <a:t>Orbiter</a:t>
+            </a:r>
+            <a:endParaRPr lang="cs-CZ" sz="2000" dirty="0"/>
+          </a:p>
+          <a:p>
+            <a:pPr lvl="1" algn="just"/>
+            <a:r>
+              <a:rPr lang="cs-CZ" sz="2200" b="1" dirty="0" err="1"/>
+              <a:t>From</a:t>
+            </a:r>
+            <a:r>
+              <a:rPr lang="cs-CZ" sz="2200" b="1" dirty="0"/>
+              <a:t> Program</a:t>
+            </a:r>
+          </a:p>
+          <a:p>
+            <a:pPr lvl="2" algn="just"/>
+            <a:r>
+              <a:rPr lang="cs-CZ" sz="2000" dirty="0"/>
+              <a:t>5 nejlepších polynomů pro detekci dvoubitové chyby</a:t>
+            </a:r>
+          </a:p>
+          <a:p>
+            <a:pPr lvl="2" algn="just"/>
+            <a:r>
+              <a:rPr lang="cs-CZ" sz="2000" dirty="0"/>
+              <a:t>polynom CCITT využívaný v X.25, V:41, Bluetooth, SD</a:t>
+            </a:r>
+          </a:p>
+          <a:p>
+            <a:pPr lvl="2" algn="just"/>
+            <a:r>
+              <a:rPr lang="cs-CZ" sz="2000" dirty="0"/>
+              <a:t>polynom CRC-16 od IBM využívaný v USB, ANSI X3.28, </a:t>
+            </a:r>
+            <a:r>
+              <a:rPr lang="cs-CZ" sz="2000" dirty="0" err="1"/>
+              <a:t>Bisinc</a:t>
+            </a:r>
+            <a:r>
+              <a:rPr lang="cs-CZ" sz="2000" dirty="0"/>
+              <a:t>, </a:t>
+            </a:r>
+            <a:r>
+              <a:rPr lang="cs-CZ" sz="2000" dirty="0" err="1"/>
+              <a:t>Modbus</a:t>
+            </a:r>
+            <a:endParaRPr lang="cs-CZ" sz="2000" dirty="0"/>
+          </a:p>
+          <a:p>
+            <a:pPr lvl="1" algn="just"/>
+            <a:endParaRPr lang="cs-CZ" sz="2200" dirty="0"/>
+          </a:p>
+        </p:txBody>
+      </p:sp>
+      <p:sp>
+        <p:nvSpPr>
+          <p:cNvPr id="3" name="Zástupný symbol pro zápatí 2">
+            <a:extLst>
+              <a:ext uri="{FF2B5EF4-FFF2-40B4-BE49-F238E27FC236}">
+                <a16:creationId xmlns:a16="http://schemas.microsoft.com/office/drawing/2014/main" id="{06B21ADA-C7E0-4B1C-81E1-B07EEBBA926A}"/>
+              </a:ext>
+            </a:extLst>
+          </p:cNvPr>
+          <p:cNvSpPr>
+            <a:spLocks noGrp="1"/>
+          </p:cNvSpPr>
+          <p:nvPr>
+            <p:ph type="ftr" sz="quarter" idx="10"/>
+          </p:nvPr>
+        </p:nvSpPr>
+        <p:spPr/>
+        <p:txBody>
+          <a:bodyPr/>
+          <a:lstStyle/>
+          <a:p>
+            <a:r>
+              <a:rPr lang="cs-CZ" b="1"/>
+              <a:t>Cyclic Redundancy Checks and Error Detection</a:t>
+            </a:r>
+            <a:endParaRPr lang="en-US" altLang="cs-CZ" dirty="0"/>
+          </a:p>
+        </p:txBody>
+      </p:sp>
+      <p:sp>
+        <p:nvSpPr>
+          <p:cNvPr id="4" name="Zástupný symbol pro číslo snímku 3">
+            <a:extLst>
+              <a:ext uri="{FF2B5EF4-FFF2-40B4-BE49-F238E27FC236}">
+                <a16:creationId xmlns:a16="http://schemas.microsoft.com/office/drawing/2014/main" id="{D99AC554-8EF7-3495-BB7A-96AADDFE778A}"/>
+              </a:ext>
+            </a:extLst>
+          </p:cNvPr>
+          <p:cNvSpPr>
+            <a:spLocks noGrp="1"/>
+          </p:cNvSpPr>
+          <p:nvPr>
+            <p:ph type="sldNum" sz="quarter" idx="11"/>
+          </p:nvPr>
+        </p:nvSpPr>
+        <p:spPr/>
+        <p:txBody>
+          <a:bodyPr/>
+          <a:lstStyle/>
+          <a:p>
+            <a:fld id="{7C839148-7006-41C4-ABC2-D2A9F4595A63}" type="slidenum">
+              <a:rPr lang="en-US" altLang="cs-CZ" smtClean="0"/>
+              <a:pPr/>
+              <a:t>10</a:t>
+            </a:fld>
+            <a:r>
+              <a:rPr lang="en-US" altLang="cs-CZ" dirty="0"/>
+              <a:t>/</a:t>
+            </a:r>
+            <a:r>
+              <a:rPr lang="cs-CZ" altLang="cs-CZ" dirty="0"/>
+              <a:t>20</a:t>
+            </a:r>
+            <a:endParaRPr lang="en-US" altLang="cs-CZ" dirty="0"/>
+          </a:p>
+        </p:txBody>
+      </p:sp>
+      <p:sp>
+        <p:nvSpPr>
+          <p:cNvPr id="5" name="Nadpis 4">
+            <a:extLst>
+              <a:ext uri="{FF2B5EF4-FFF2-40B4-BE49-F238E27FC236}">
+                <a16:creationId xmlns:a16="http://schemas.microsoft.com/office/drawing/2014/main" id="{8937F00C-545C-15CF-F41E-E230CEE04B43}"/>
+              </a:ext>
+            </a:extLst>
+          </p:cNvPr>
+          <p:cNvSpPr>
+            <a:spLocks noGrp="1"/>
+          </p:cNvSpPr>
+          <p:nvPr>
+            <p:ph type="title"/>
+          </p:nvPr>
+        </p:nvSpPr>
+        <p:spPr/>
+        <p:txBody>
+          <a:bodyPr/>
+          <a:lstStyle/>
+          <a:p>
+            <a:r>
+              <a:rPr lang="cs-CZ" dirty="0"/>
+              <a:t>Testování</a:t>
+            </a:r>
+          </a:p>
+        </p:txBody>
+      </p:sp>
+    </p:spTree>
+    <p:extLst>
+      <p:ext uri="{BB962C8B-B14F-4D97-AF65-F5344CB8AC3E}">
+        <p14:creationId xmlns:p14="http://schemas.microsoft.com/office/powerpoint/2010/main" val="3647122054"/>
+      </p:ext>
+    </p:extLst>
+  </p:cSld>
+  <p:clrMapOvr>
+    <a:masterClrMapping/>
+  </p:clrMapOvr>
+</p:sld>
+</file>
+
+<file path=ppt/slides/slide11.xml><?xml version="1.0" encoding="utf-8"?>
+<p:sld xmlns:a="http://schemas.openxmlformats.org/drawingml/2006/main" xmlns:r="http://schemas.openxmlformats.org/officeDocument/2006/relationships" xmlns:p="http://schemas.openxmlformats.org/presentationml/2006/main">
+  <p:cSld>
+    <p:spTree>
+      <p:nvGrpSpPr>
+        <p:cNvPr id="1" name=""/>
+        <p:cNvGrpSpPr/>
+        <p:nvPr/>
+      </p:nvGrpSpPr>
+      <p:grpSpPr>
+        <a:xfrm>
+          <a:off x="0" y="0"/>
+          <a:ext cx="0" cy="0"/>
+          <a:chOff x="0" y="0"/>
+          <a:chExt cx="0" cy="0"/>
+        </a:xfrm>
+      </p:grpSpPr>
+      <p:pic>
+        <p:nvPicPr>
+          <p:cNvPr id="7" name="Zástupný obsah 6">
+            <a:extLst>
+              <a:ext uri="{FF2B5EF4-FFF2-40B4-BE49-F238E27FC236}">
+                <a16:creationId xmlns:a16="http://schemas.microsoft.com/office/drawing/2014/main" id="{C727B062-19C1-B377-034F-36B474315AB2}"/>
+              </a:ext>
+            </a:extLst>
+          </p:cNvPr>
+          <p:cNvPicPr>
+            <a:picLocks noGrp="1" noChangeAspect="1"/>
+          </p:cNvPicPr>
+          <p:nvPr>
+            <p:ph idx="1"/>
+          </p:nvPr>
+        </p:nvPicPr>
+        <p:blipFill rotWithShape="1">
+          <a:blip r:embed="rId2"/>
+          <a:srcRect l="600" t="1425" r="5825" b="1425"/>
+          <a:stretch/>
+        </p:blipFill>
+        <p:spPr>
+          <a:xfrm>
+            <a:off x="621250" y="620713"/>
+            <a:ext cx="10826742" cy="5731961"/>
+          </a:xfrm>
+        </p:spPr>
+      </p:pic>
+      <p:sp>
+        <p:nvSpPr>
+          <p:cNvPr id="3" name="Zástupný symbol pro zápatí 2">
+            <a:extLst>
+              <a:ext uri="{FF2B5EF4-FFF2-40B4-BE49-F238E27FC236}">
+                <a16:creationId xmlns:a16="http://schemas.microsoft.com/office/drawing/2014/main" id="{CDA90827-851E-8B32-81B9-D08973AEC053}"/>
+              </a:ext>
+            </a:extLst>
+          </p:cNvPr>
+          <p:cNvSpPr>
+            <a:spLocks noGrp="1"/>
+          </p:cNvSpPr>
+          <p:nvPr>
+            <p:ph type="ftr" sz="quarter" idx="10"/>
+          </p:nvPr>
+        </p:nvSpPr>
+        <p:spPr/>
+        <p:txBody>
+          <a:bodyPr/>
+          <a:lstStyle/>
+          <a:p>
+            <a:r>
+              <a:rPr lang="cs-CZ" b="1"/>
+              <a:t>Cyclic Redundancy Checks and Error Detection</a:t>
+            </a:r>
+            <a:endParaRPr lang="en-US" altLang="cs-CZ" dirty="0"/>
+          </a:p>
+        </p:txBody>
+      </p:sp>
+      <p:sp>
+        <p:nvSpPr>
+          <p:cNvPr id="4" name="Zástupný symbol pro číslo snímku 3">
+            <a:extLst>
+              <a:ext uri="{FF2B5EF4-FFF2-40B4-BE49-F238E27FC236}">
+                <a16:creationId xmlns:a16="http://schemas.microsoft.com/office/drawing/2014/main" id="{BE60DA7E-54E1-EDD8-1E60-9F5FDA40317B}"/>
+              </a:ext>
+            </a:extLst>
+          </p:cNvPr>
+          <p:cNvSpPr>
+            <a:spLocks noGrp="1"/>
+          </p:cNvSpPr>
+          <p:nvPr>
+            <p:ph type="sldNum" sz="quarter" idx="11"/>
+          </p:nvPr>
+        </p:nvSpPr>
+        <p:spPr/>
+        <p:txBody>
+          <a:bodyPr/>
+          <a:lstStyle/>
+          <a:p>
+            <a:fld id="{7C839148-7006-41C4-ABC2-D2A9F4595A63}" type="slidenum">
+              <a:rPr lang="en-US" altLang="cs-CZ" smtClean="0"/>
+              <a:pPr/>
+              <a:t>11</a:t>
+            </a:fld>
+            <a:r>
+              <a:rPr lang="en-US" altLang="cs-CZ" dirty="0"/>
+              <a:t>/</a:t>
+            </a:r>
+            <a:r>
+              <a:rPr lang="cs-CZ" altLang="cs-CZ" dirty="0"/>
+              <a:t>20</a:t>
+            </a:r>
+            <a:endParaRPr lang="en-US" altLang="cs-CZ" dirty="0"/>
+          </a:p>
+        </p:txBody>
+      </p:sp>
+      <p:sp>
+        <p:nvSpPr>
+          <p:cNvPr id="5" name="Nadpis 4">
+            <a:extLst>
+              <a:ext uri="{FF2B5EF4-FFF2-40B4-BE49-F238E27FC236}">
+                <a16:creationId xmlns:a16="http://schemas.microsoft.com/office/drawing/2014/main" id="{F2F4B380-0C55-B4D6-5CF6-622479ECF60B}"/>
+              </a:ext>
+            </a:extLst>
+          </p:cNvPr>
+          <p:cNvSpPr>
+            <a:spLocks noGrp="1"/>
+          </p:cNvSpPr>
+          <p:nvPr>
+            <p:ph type="title"/>
+          </p:nvPr>
+        </p:nvSpPr>
+        <p:spPr/>
+        <p:txBody>
+          <a:bodyPr/>
+          <a:lstStyle/>
+          <a:p>
+            <a:r>
+              <a:rPr lang="cs-CZ" dirty="0"/>
+              <a:t>Nezachycené chyby podle generátorů</a:t>
+            </a:r>
+          </a:p>
+        </p:txBody>
+      </p:sp>
+      <p:sp>
+        <p:nvSpPr>
+          <p:cNvPr id="8" name="Obdélník 7">
+            <a:extLst>
+              <a:ext uri="{FF2B5EF4-FFF2-40B4-BE49-F238E27FC236}">
+                <a16:creationId xmlns:a16="http://schemas.microsoft.com/office/drawing/2014/main" id="{DBCA6AA1-3941-F9A8-758B-874A23900DB5}"/>
+              </a:ext>
+            </a:extLst>
+          </p:cNvPr>
+          <p:cNvSpPr/>
+          <p:nvPr/>
+        </p:nvSpPr>
+        <p:spPr bwMode="auto">
+          <a:xfrm>
+            <a:off x="11245850" y="6016881"/>
+            <a:ext cx="444500" cy="421774"/>
+          </a:xfrm>
+          <a:prstGeom prst="rect">
+            <a:avLst/>
+          </a:prstGeom>
+          <a:ln w="19050">
+            <a:solidFill>
+              <a:schemeClr val="bg1"/>
+            </a:solidFill>
+            <a:headEnd type="none" w="med" len="med"/>
+            <a:tailEnd type="none" w="med" len="med"/>
+          </a:ln>
+        </p:spPr>
+        <p:style>
+          <a:lnRef idx="2">
+            <a:schemeClr val="accent1"/>
+          </a:lnRef>
+          <a:fillRef idx="1">
+            <a:schemeClr val="lt1"/>
+          </a:fillRef>
+          <a:effectRef idx="0">
+            <a:schemeClr val="accent1"/>
+          </a:effectRef>
+          <a:fontRef idx="minor">
+            <a:schemeClr val="dk1"/>
+          </a:fontRef>
+        </p:style>
+        <p:txBody>
+          <a:bodyPr vert="horz" wrap="square" lIns="91440" tIns="45720" rIns="91440" bIns="45720" numCol="1" rtlCol="0" anchor="t" anchorCtr="0" compatLnSpc="1">
+            <a:prstTxWarp prst="textNoShape">
+              <a:avLst/>
+            </a:prstTxWarp>
+          </a:bodyPr>
+          <a:lstStyle/>
+          <a:p>
+            <a:pPr marL="342900" marR="0" indent="-342900" algn="l" defTabSz="914400" rtl="0" eaLnBrk="1" fontAlgn="base" latinLnBrk="0" hangingPunct="1">
+              <a:lnSpc>
+                <a:spcPct val="100000"/>
+              </a:lnSpc>
+              <a:spcBef>
+                <a:spcPct val="20000"/>
+              </a:spcBef>
+              <a:spcAft>
+                <a:spcPct val="0"/>
+              </a:spcAft>
+              <a:buClrTx/>
+              <a:buSzTx/>
+              <a:buFontTx/>
+              <a:buChar char="•"/>
+              <a:tabLst/>
+            </a:pPr>
+            <a:endParaRPr kumimoji="0" lang="cs-CZ" sz="2400" b="1" i="0" u="none" strike="noStrike" cap="none" normalizeH="0" baseline="0">
+              <a:ln>
+                <a:noFill/>
+              </a:ln>
+              <a:solidFill>
+                <a:srgbClr val="B9000C"/>
+              </a:solidFill>
+              <a:effectLst/>
+              <a:latin typeface="Tahoma" pitchFamily="34" charset="0"/>
+            </a:endParaRPr>
+          </a:p>
+        </p:txBody>
+      </p:sp>
+    </p:spTree>
+    <p:extLst>
+      <p:ext uri="{BB962C8B-B14F-4D97-AF65-F5344CB8AC3E}">
+        <p14:creationId xmlns:p14="http://schemas.microsoft.com/office/powerpoint/2010/main" val="480980980"/>
+      </p:ext>
+    </p:extLst>
+  </p:cSld>
+  <p:clrMapOvr>
+    <a:masterClrMapping/>
+  </p:clrMapOvr>
+</p:sld>
+</file>
+
+<file path=ppt/slides/slide12.xml><?xml version="1.0" encoding="utf-8"?>
+<p:sld xmlns:a="http://schemas.openxmlformats.org/drawingml/2006/main" xmlns:r="http://schemas.openxmlformats.org/officeDocument/2006/relationships" xmlns:p="http://schemas.openxmlformats.org/presentationml/2006/main">
+  <p:cSld>
+    <p:spTree>
+      <p:nvGrpSpPr>
+        <p:cNvPr id="1" name=""/>
+        <p:cNvGrpSpPr/>
+        <p:nvPr/>
+      </p:nvGrpSpPr>
+      <p:grpSpPr>
+        <a:xfrm>
+          <a:off x="0" y="0"/>
+          <a:ext cx="0" cy="0"/>
+          <a:chOff x="0" y="0"/>
+          <a:chExt cx="0" cy="0"/>
+        </a:xfrm>
+      </p:grpSpPr>
+      <p:sp>
+        <p:nvSpPr>
+          <p:cNvPr id="2" name="Zástupný obsah 1">
+            <a:extLst>
+              <a:ext uri="{FF2B5EF4-FFF2-40B4-BE49-F238E27FC236}">
+                <a16:creationId xmlns:a16="http://schemas.microsoft.com/office/drawing/2014/main" id="{8DC7F6C2-B297-FFC7-D188-F21B930A4E6E}"/>
+              </a:ext>
+            </a:extLst>
+          </p:cNvPr>
+          <p:cNvSpPr>
+            <a:spLocks noGrp="1"/>
+          </p:cNvSpPr>
+          <p:nvPr>
+            <p:ph idx="1"/>
+          </p:nvPr>
+        </p:nvSpPr>
+        <p:spPr>
+          <a:xfrm>
+            <a:off x="431808" y="1149746"/>
+            <a:ext cx="11521017" cy="4558507"/>
+          </a:xfrm>
+        </p:spPr>
+        <p:txBody>
+          <a:bodyPr/>
+          <a:lstStyle/>
+          <a:p>
+            <a:pPr>
+              <a:buSzPct val="85000"/>
+            </a:pPr>
+            <a:r>
+              <a:rPr lang="cs-CZ" dirty="0"/>
+              <a:t>0x136C3</a:t>
+            </a:r>
+          </a:p>
+          <a:p>
+            <a:pPr lvl="1">
+              <a:buSzPct val="85000"/>
+            </a:pPr>
+            <a:r>
+              <a:rPr lang="cs-CZ" dirty="0"/>
+              <a:t>Primitivní polynom stupně 16.</a:t>
+            </a:r>
+          </a:p>
+          <a:p>
+            <a:pPr lvl="1">
+              <a:buSzPct val="85000"/>
+            </a:pPr>
+            <a:r>
+              <a:rPr lang="cs-CZ" dirty="0"/>
+              <a:t>Pouze 4-krát neodhalil chybu.</a:t>
+            </a:r>
+          </a:p>
+          <a:p>
+            <a:pPr lvl="1">
+              <a:buSzPct val="85000"/>
+            </a:pPr>
+            <a:r>
+              <a:rPr lang="cs-CZ" b="0" dirty="0"/>
+              <a:t>Očekávalo se</a:t>
+            </a:r>
+            <a:r>
+              <a:rPr lang="cs-CZ" dirty="0"/>
+              <a:t>, že bude dávat dobré výsledky.</a:t>
+            </a:r>
+          </a:p>
+          <a:p>
+            <a:pPr lvl="1">
+              <a:buSzPct val="85000"/>
+            </a:pPr>
+            <a:endParaRPr lang="cs-CZ" b="0" dirty="0"/>
+          </a:p>
+          <a:p>
+            <a:pPr>
+              <a:buSzPct val="85000"/>
+            </a:pPr>
+            <a:r>
+              <a:rPr lang="cs-CZ" b="0" dirty="0"/>
+              <a:t>0x15FFF</a:t>
+            </a:r>
+          </a:p>
+          <a:p>
+            <a:pPr lvl="1">
+              <a:buSzPct val="85000"/>
+            </a:pPr>
+            <a:r>
+              <a:rPr lang="cs-CZ" dirty="0"/>
+              <a:t>Polynom stupně 16 vybraný z nejlepších pro detekci dvoubitových chyb.</a:t>
+            </a:r>
+          </a:p>
+          <a:p>
+            <a:pPr lvl="1">
+              <a:buSzPct val="85000"/>
+            </a:pPr>
+            <a:r>
+              <a:rPr lang="cs-CZ" b="0" dirty="0"/>
+              <a:t>Po</a:t>
+            </a:r>
+            <a:r>
+              <a:rPr lang="cs-CZ" dirty="0"/>
+              <a:t>uze 5-krát neodhalil chybu.</a:t>
+            </a:r>
+          </a:p>
+          <a:p>
+            <a:pPr lvl="1">
+              <a:buSzPct val="85000"/>
+            </a:pPr>
+            <a:r>
+              <a:rPr lang="cs-CZ" dirty="0"/>
+              <a:t>Není ireducibilní.</a:t>
+            </a:r>
+          </a:p>
+          <a:p>
+            <a:pPr lvl="1">
+              <a:buSzPct val="85000"/>
+            </a:pPr>
+            <a:r>
+              <a:rPr lang="cs-CZ" b="0" dirty="0"/>
+              <a:t>Neočekávaly se tak dobré výsledky.</a:t>
+            </a:r>
+          </a:p>
+          <a:p>
+            <a:endParaRPr lang="cs-CZ" b="0" dirty="0"/>
+          </a:p>
+        </p:txBody>
+      </p:sp>
+      <p:sp>
+        <p:nvSpPr>
+          <p:cNvPr id="3" name="Zástupný symbol pro zápatí 2">
+            <a:extLst>
+              <a:ext uri="{FF2B5EF4-FFF2-40B4-BE49-F238E27FC236}">
+                <a16:creationId xmlns:a16="http://schemas.microsoft.com/office/drawing/2014/main" id="{6BB8B15B-E34F-D477-FF28-9444D5C0FCF2}"/>
+              </a:ext>
+            </a:extLst>
+          </p:cNvPr>
+          <p:cNvSpPr>
+            <a:spLocks noGrp="1"/>
+          </p:cNvSpPr>
+          <p:nvPr>
+            <p:ph type="ftr" sz="quarter" idx="10"/>
+          </p:nvPr>
+        </p:nvSpPr>
+        <p:spPr/>
+        <p:txBody>
+          <a:bodyPr/>
+          <a:lstStyle/>
+          <a:p>
+            <a:r>
+              <a:rPr lang="cs-CZ" b="1"/>
+              <a:t>Cyclic Redundancy Checks and Error Detection</a:t>
+            </a:r>
+            <a:endParaRPr lang="en-US" altLang="cs-CZ" dirty="0"/>
+          </a:p>
+        </p:txBody>
+      </p:sp>
+      <p:sp>
+        <p:nvSpPr>
+          <p:cNvPr id="4" name="Zástupný symbol pro číslo snímku 3">
+            <a:extLst>
+              <a:ext uri="{FF2B5EF4-FFF2-40B4-BE49-F238E27FC236}">
+                <a16:creationId xmlns:a16="http://schemas.microsoft.com/office/drawing/2014/main" id="{1CC232E0-C64B-B7EC-D845-B1E7D554F605}"/>
+              </a:ext>
+            </a:extLst>
+          </p:cNvPr>
+          <p:cNvSpPr>
+            <a:spLocks noGrp="1"/>
+          </p:cNvSpPr>
+          <p:nvPr>
+            <p:ph type="sldNum" sz="quarter" idx="11"/>
+          </p:nvPr>
+        </p:nvSpPr>
+        <p:spPr/>
+        <p:txBody>
+          <a:bodyPr/>
+          <a:lstStyle/>
+          <a:p>
+            <a:fld id="{7C839148-7006-41C4-ABC2-D2A9F4595A63}" type="slidenum">
+              <a:rPr lang="en-US" altLang="cs-CZ" smtClean="0"/>
+              <a:pPr/>
+              <a:t>12</a:t>
+            </a:fld>
+            <a:r>
+              <a:rPr lang="en-US" altLang="cs-CZ" dirty="0"/>
+              <a:t>/</a:t>
+            </a:r>
+            <a:r>
+              <a:rPr lang="cs-CZ" altLang="cs-CZ" dirty="0"/>
+              <a:t>20</a:t>
+            </a:r>
+            <a:endParaRPr lang="en-US" altLang="cs-CZ" dirty="0"/>
+          </a:p>
+        </p:txBody>
+      </p:sp>
+      <p:sp>
+        <p:nvSpPr>
+          <p:cNvPr id="5" name="Nadpis 4">
+            <a:extLst>
+              <a:ext uri="{FF2B5EF4-FFF2-40B4-BE49-F238E27FC236}">
+                <a16:creationId xmlns:a16="http://schemas.microsoft.com/office/drawing/2014/main" id="{48F2D033-63BD-C23F-B325-3E51AE6FCCC3}"/>
+              </a:ext>
+            </a:extLst>
+          </p:cNvPr>
+          <p:cNvSpPr>
+            <a:spLocks noGrp="1"/>
+          </p:cNvSpPr>
+          <p:nvPr>
+            <p:ph type="title"/>
+          </p:nvPr>
+        </p:nvSpPr>
+        <p:spPr/>
+        <p:txBody>
+          <a:bodyPr/>
+          <a:lstStyle/>
+          <a:p>
+            <a:r>
+              <a:rPr lang="cs-CZ" dirty="0"/>
+              <a:t>Nejlepší generátory</a:t>
+            </a:r>
+          </a:p>
+        </p:txBody>
+      </p:sp>
+    </p:spTree>
+    <p:extLst>
+      <p:ext uri="{BB962C8B-B14F-4D97-AF65-F5344CB8AC3E}">
+        <p14:creationId xmlns:p14="http://schemas.microsoft.com/office/powerpoint/2010/main" val="452394178"/>
+      </p:ext>
+    </p:extLst>
+  </p:cSld>
+  <p:clrMapOvr>
+    <a:masterClrMapping/>
+  </p:clrMapOvr>
+</p:sld>
+</file>
+
+<file path=ppt/slides/slide13.xml><?xml version="1.0" encoding="utf-8"?>
+<p:sld xmlns:a="http://schemas.openxmlformats.org/drawingml/2006/main" xmlns:r="http://schemas.openxmlformats.org/officeDocument/2006/relationships" xmlns:p="http://schemas.openxmlformats.org/presentationml/2006/main">
+  <p:cSld>
+    <p:spTree>
+      <p:nvGrpSpPr>
+        <p:cNvPr id="1" name=""/>
+        <p:cNvGrpSpPr/>
+        <p:nvPr/>
+      </p:nvGrpSpPr>
+      <p:grpSpPr>
+        <a:xfrm>
+          <a:off x="0" y="0"/>
+          <a:ext cx="0" cy="0"/>
+          <a:chOff x="0" y="0"/>
+          <a:chExt cx="0" cy="0"/>
+        </a:xfrm>
+      </p:grpSpPr>
+      <p:sp>
+        <p:nvSpPr>
+          <p:cNvPr id="2" name="Zástupný obsah 1">
+            <a:extLst>
+              <a:ext uri="{FF2B5EF4-FFF2-40B4-BE49-F238E27FC236}">
+                <a16:creationId xmlns:a16="http://schemas.microsoft.com/office/drawing/2014/main" id="{D833E290-41AD-314A-8FCD-955B836BA92E}"/>
+              </a:ext>
+            </a:extLst>
+          </p:cNvPr>
+          <p:cNvSpPr>
+            <a:spLocks noGrp="1"/>
+          </p:cNvSpPr>
+          <p:nvPr>
+            <p:ph idx="1"/>
+          </p:nvPr>
+        </p:nvSpPr>
+        <p:spPr>
+          <a:xfrm>
+            <a:off x="431808" y="1246187"/>
+            <a:ext cx="11521017" cy="4365625"/>
+          </a:xfrm>
+        </p:spPr>
+        <p:txBody>
+          <a:bodyPr/>
+          <a:lstStyle/>
+          <a:p>
+            <a:r>
+              <a:rPr lang="cs-CZ" dirty="0"/>
+              <a:t>0x18005</a:t>
+            </a:r>
+          </a:p>
+          <a:p>
+            <a:pPr lvl="1"/>
+            <a:r>
+              <a:rPr lang="cs-CZ" dirty="0"/>
+              <a:t>Polynom CRC-16 používaný IBM v mnoha protokolech (zarážející).</a:t>
+            </a:r>
+          </a:p>
+          <a:p>
+            <a:pPr lvl="1"/>
+            <a:r>
+              <a:rPr lang="cs-CZ" dirty="0"/>
+              <a:t>Nejhorší testovaný generátor.</a:t>
+            </a:r>
+          </a:p>
+          <a:p>
+            <a:pPr lvl="1"/>
+            <a:r>
+              <a:rPr lang="cs-CZ" dirty="0"/>
+              <a:t>Neodhalil 28 chybných paketů.</a:t>
+            </a:r>
+          </a:p>
+          <a:p>
+            <a:pPr lvl="1"/>
+            <a:endParaRPr lang="cs-CZ" dirty="0"/>
+          </a:p>
+          <a:p>
+            <a:r>
+              <a:rPr lang="cs-CZ" dirty="0"/>
+              <a:t>0x14AA7</a:t>
+            </a:r>
+          </a:p>
+          <a:p>
+            <a:pPr lvl="1"/>
+            <a:r>
+              <a:rPr lang="cs-CZ" dirty="0"/>
+              <a:t>Ireducibilní polynom stupně 16 vybraný nástrojem </a:t>
+            </a:r>
+            <a:r>
+              <a:rPr lang="cs-CZ" dirty="0" err="1"/>
+              <a:t>Orbiter</a:t>
+            </a:r>
+            <a:r>
+              <a:rPr lang="cs-CZ" dirty="0"/>
+              <a:t>.</a:t>
+            </a:r>
+          </a:p>
+          <a:p>
+            <a:pPr lvl="1"/>
+            <a:r>
+              <a:rPr lang="cs-CZ" dirty="0"/>
+              <a:t>Neodhalil 16 chybných paketů.</a:t>
+            </a:r>
+          </a:p>
+          <a:p>
+            <a:pPr lvl="1"/>
+            <a:r>
+              <a:rPr lang="cs-CZ" dirty="0"/>
+              <a:t>Ne všechny ireducibilní polynomy reagují dobře na náhodné shlukové chyby.</a:t>
+            </a:r>
+          </a:p>
+        </p:txBody>
+      </p:sp>
+      <p:sp>
+        <p:nvSpPr>
+          <p:cNvPr id="3" name="Zástupný symbol pro zápatí 2">
+            <a:extLst>
+              <a:ext uri="{FF2B5EF4-FFF2-40B4-BE49-F238E27FC236}">
+                <a16:creationId xmlns:a16="http://schemas.microsoft.com/office/drawing/2014/main" id="{9A60D1A6-3EFB-6AD8-F6BF-39608AFFECDD}"/>
+              </a:ext>
+            </a:extLst>
+          </p:cNvPr>
+          <p:cNvSpPr>
+            <a:spLocks noGrp="1"/>
+          </p:cNvSpPr>
+          <p:nvPr>
+            <p:ph type="ftr" sz="quarter" idx="10"/>
+          </p:nvPr>
+        </p:nvSpPr>
+        <p:spPr/>
+        <p:txBody>
+          <a:bodyPr/>
+          <a:lstStyle/>
+          <a:p>
+            <a:r>
+              <a:rPr lang="cs-CZ" b="1"/>
+              <a:t>Cyclic Redundancy Checks and Error Detection</a:t>
+            </a:r>
+            <a:endParaRPr lang="en-US" altLang="cs-CZ" dirty="0"/>
+          </a:p>
+        </p:txBody>
+      </p:sp>
+      <p:sp>
+        <p:nvSpPr>
+          <p:cNvPr id="4" name="Zástupný symbol pro číslo snímku 3">
+            <a:extLst>
+              <a:ext uri="{FF2B5EF4-FFF2-40B4-BE49-F238E27FC236}">
+                <a16:creationId xmlns:a16="http://schemas.microsoft.com/office/drawing/2014/main" id="{DC2D2B3C-507E-55F8-E0EB-41C5DBC45B1D}"/>
+              </a:ext>
+            </a:extLst>
+          </p:cNvPr>
+          <p:cNvSpPr>
+            <a:spLocks noGrp="1"/>
+          </p:cNvSpPr>
+          <p:nvPr>
+            <p:ph type="sldNum" sz="quarter" idx="11"/>
+          </p:nvPr>
+        </p:nvSpPr>
+        <p:spPr/>
+        <p:txBody>
+          <a:bodyPr/>
+          <a:lstStyle/>
+          <a:p>
+            <a:fld id="{7C839148-7006-41C4-ABC2-D2A9F4595A63}" type="slidenum">
+              <a:rPr lang="en-US" altLang="cs-CZ" smtClean="0"/>
+              <a:pPr/>
+              <a:t>13</a:t>
+            </a:fld>
+            <a:r>
+              <a:rPr lang="en-US" altLang="cs-CZ" dirty="0"/>
+              <a:t>/</a:t>
+            </a:r>
+            <a:r>
+              <a:rPr lang="cs-CZ" altLang="cs-CZ" dirty="0"/>
+              <a:t>20</a:t>
+            </a:r>
+            <a:endParaRPr lang="en-US" altLang="cs-CZ" dirty="0"/>
+          </a:p>
+        </p:txBody>
+      </p:sp>
+      <p:sp>
+        <p:nvSpPr>
+          <p:cNvPr id="5" name="Nadpis 4">
+            <a:extLst>
+              <a:ext uri="{FF2B5EF4-FFF2-40B4-BE49-F238E27FC236}">
+                <a16:creationId xmlns:a16="http://schemas.microsoft.com/office/drawing/2014/main" id="{9A428EB5-B2E7-7CB8-8A42-01FB2AA6A743}"/>
+              </a:ext>
+            </a:extLst>
+          </p:cNvPr>
+          <p:cNvSpPr>
+            <a:spLocks noGrp="1"/>
+          </p:cNvSpPr>
+          <p:nvPr>
+            <p:ph type="title"/>
+          </p:nvPr>
+        </p:nvSpPr>
+        <p:spPr/>
+        <p:txBody>
+          <a:bodyPr/>
+          <a:lstStyle/>
+          <a:p>
+            <a:r>
+              <a:rPr lang="cs-CZ" dirty="0"/>
+              <a:t>Nejhorší generátory</a:t>
+            </a:r>
+          </a:p>
+        </p:txBody>
+      </p:sp>
+    </p:spTree>
+    <p:extLst>
+      <p:ext uri="{BB962C8B-B14F-4D97-AF65-F5344CB8AC3E}">
+        <p14:creationId xmlns:p14="http://schemas.microsoft.com/office/powerpoint/2010/main" val="1760143540"/>
+      </p:ext>
+    </p:extLst>
+  </p:cSld>
+  <p:clrMapOvr>
+    <a:masterClrMapping/>
+  </p:clrMapOvr>
+</p:sld>
+</file>
+
+<file path=ppt/slides/slide14.xml><?xml version="1.0" encoding="utf-8"?>
+<p:sld xmlns:a="http://schemas.openxmlformats.org/drawingml/2006/main" xmlns:r="http://schemas.openxmlformats.org/officeDocument/2006/relationships" xmlns:p="http://schemas.openxmlformats.org/presentationml/2006/main">
+  <p:cSld>
+    <p:spTree>
+      <p:nvGrpSpPr>
+        <p:cNvPr id="1" name=""/>
+        <p:cNvGrpSpPr/>
+        <p:nvPr/>
+      </p:nvGrpSpPr>
+      <p:grpSpPr>
+        <a:xfrm>
+          <a:off x="0" y="0"/>
+          <a:ext cx="0" cy="0"/>
+          <a:chOff x="0" y="0"/>
+          <a:chExt cx="0" cy="0"/>
+        </a:xfrm>
+      </p:grpSpPr>
+      <p:pic>
+        <p:nvPicPr>
+          <p:cNvPr id="7" name="Zástupný obsah 6">
+            <a:extLst>
+              <a:ext uri="{FF2B5EF4-FFF2-40B4-BE49-F238E27FC236}">
+                <a16:creationId xmlns:a16="http://schemas.microsoft.com/office/drawing/2014/main" id="{B152EE3F-4263-C044-ABA7-8578CCDD7335}"/>
+              </a:ext>
+            </a:extLst>
+          </p:cNvPr>
+          <p:cNvPicPr>
+            <a:picLocks noGrp="1" noChangeAspect="1"/>
+          </p:cNvPicPr>
+          <p:nvPr>
+            <p:ph idx="1"/>
+          </p:nvPr>
+        </p:nvPicPr>
+        <p:blipFill rotWithShape="1">
+          <a:blip r:embed="rId2"/>
+          <a:srcRect l="796" t="2287" r="1668" b="1475"/>
+          <a:stretch/>
+        </p:blipFill>
+        <p:spPr>
+          <a:xfrm>
+            <a:off x="664143" y="628400"/>
+            <a:ext cx="11038767" cy="5782025"/>
+          </a:xfrm>
+        </p:spPr>
+      </p:pic>
+      <p:sp>
+        <p:nvSpPr>
+          <p:cNvPr id="3" name="Zástupný symbol pro zápatí 2">
+            <a:extLst>
+              <a:ext uri="{FF2B5EF4-FFF2-40B4-BE49-F238E27FC236}">
+                <a16:creationId xmlns:a16="http://schemas.microsoft.com/office/drawing/2014/main" id="{DF5441A4-7A3F-1FA5-0222-CFF017030EC6}"/>
+              </a:ext>
+            </a:extLst>
+          </p:cNvPr>
+          <p:cNvSpPr>
+            <a:spLocks noGrp="1"/>
+          </p:cNvSpPr>
+          <p:nvPr>
+            <p:ph type="ftr" sz="quarter" idx="10"/>
+          </p:nvPr>
+        </p:nvSpPr>
+        <p:spPr/>
+        <p:txBody>
+          <a:bodyPr/>
+          <a:lstStyle/>
+          <a:p>
+            <a:r>
+              <a:rPr lang="cs-CZ" b="1"/>
+              <a:t>Cyclic Redundancy Checks and Error Detection</a:t>
+            </a:r>
+            <a:endParaRPr lang="en-US" altLang="cs-CZ" dirty="0"/>
+          </a:p>
+        </p:txBody>
+      </p:sp>
+      <p:sp>
+        <p:nvSpPr>
+          <p:cNvPr id="4" name="Zástupný symbol pro číslo snímku 3">
+            <a:extLst>
+              <a:ext uri="{FF2B5EF4-FFF2-40B4-BE49-F238E27FC236}">
+                <a16:creationId xmlns:a16="http://schemas.microsoft.com/office/drawing/2014/main" id="{B4D00092-7F90-4B6C-3439-0B26785FF45A}"/>
+              </a:ext>
+            </a:extLst>
+          </p:cNvPr>
+          <p:cNvSpPr>
+            <a:spLocks noGrp="1"/>
+          </p:cNvSpPr>
+          <p:nvPr>
+            <p:ph type="sldNum" sz="quarter" idx="11"/>
+          </p:nvPr>
+        </p:nvSpPr>
+        <p:spPr/>
+        <p:txBody>
+          <a:bodyPr/>
+          <a:lstStyle/>
+          <a:p>
+            <a:fld id="{7C839148-7006-41C4-ABC2-D2A9F4595A63}" type="slidenum">
+              <a:rPr lang="en-US" altLang="cs-CZ" smtClean="0"/>
+              <a:pPr/>
+              <a:t>14</a:t>
+            </a:fld>
+            <a:r>
+              <a:rPr lang="en-US" altLang="cs-CZ" dirty="0"/>
+              <a:t>/</a:t>
+            </a:r>
+            <a:r>
+              <a:rPr lang="cs-CZ" altLang="cs-CZ" dirty="0"/>
+              <a:t>20</a:t>
+            </a:r>
+            <a:endParaRPr lang="en-US" altLang="cs-CZ" dirty="0"/>
+          </a:p>
+        </p:txBody>
+      </p:sp>
+      <p:sp>
+        <p:nvSpPr>
+          <p:cNvPr id="5" name="Nadpis 4">
+            <a:extLst>
+              <a:ext uri="{FF2B5EF4-FFF2-40B4-BE49-F238E27FC236}">
+                <a16:creationId xmlns:a16="http://schemas.microsoft.com/office/drawing/2014/main" id="{A8A3CEC9-6865-876E-0699-396C935C7754}"/>
+              </a:ext>
+            </a:extLst>
+          </p:cNvPr>
+          <p:cNvSpPr>
+            <a:spLocks noGrp="1"/>
+          </p:cNvSpPr>
+          <p:nvPr>
+            <p:ph type="title"/>
+          </p:nvPr>
+        </p:nvSpPr>
+        <p:spPr/>
+        <p:txBody>
+          <a:bodyPr/>
+          <a:lstStyle/>
+          <a:p>
+            <a:r>
+              <a:rPr lang="cs-CZ" dirty="0"/>
+              <a:t>Průměrná chyba skupiny generátorů</a:t>
+            </a:r>
+          </a:p>
+        </p:txBody>
+      </p:sp>
+    </p:spTree>
+    <p:extLst>
+      <p:ext uri="{BB962C8B-B14F-4D97-AF65-F5344CB8AC3E}">
+        <p14:creationId xmlns:p14="http://schemas.microsoft.com/office/powerpoint/2010/main" val="2321894648"/>
+      </p:ext>
+    </p:extLst>
+  </p:cSld>
+  <p:clrMapOvr>
+    <a:masterClrMapping/>
+  </p:clrMapOvr>
+</p:sld>
+</file>
+
+<file path=ppt/slides/slide15.xml><?xml version="1.0" encoding="utf-8"?>
+<p:sld xmlns:a="http://schemas.openxmlformats.org/drawingml/2006/main" xmlns:r="http://schemas.openxmlformats.org/officeDocument/2006/relationships" xmlns:p="http://schemas.openxmlformats.org/presentationml/2006/main">
+  <p:cSld>
+    <p:spTree>
+      <p:nvGrpSpPr>
+        <p:cNvPr id="1" name=""/>
+        <p:cNvGrpSpPr/>
+        <p:nvPr/>
+      </p:nvGrpSpPr>
+      <p:grpSpPr>
+        <a:xfrm>
+          <a:off x="0" y="0"/>
+          <a:ext cx="0" cy="0"/>
+          <a:chOff x="0" y="0"/>
+          <a:chExt cx="0" cy="0"/>
+        </a:xfrm>
+      </p:grpSpPr>
+      <p:sp>
+        <p:nvSpPr>
+          <p:cNvPr id="3" name="Zástupný symbol pro zápatí 2">
+            <a:extLst>
+              <a:ext uri="{FF2B5EF4-FFF2-40B4-BE49-F238E27FC236}">
+                <a16:creationId xmlns:a16="http://schemas.microsoft.com/office/drawing/2014/main" id="{BE5C1821-5746-653A-BF03-8C328C474218}"/>
+              </a:ext>
+            </a:extLst>
+          </p:cNvPr>
+          <p:cNvSpPr>
+            <a:spLocks noGrp="1"/>
+          </p:cNvSpPr>
+          <p:nvPr>
+            <p:ph type="ftr" sz="quarter" idx="10"/>
+          </p:nvPr>
+        </p:nvSpPr>
+        <p:spPr/>
+        <p:txBody>
+          <a:bodyPr/>
+          <a:lstStyle/>
+          <a:p>
+            <a:r>
+              <a:rPr lang="cs-CZ" b="1"/>
+              <a:t>Cyclic Redundancy Checks and Error Detection</a:t>
+            </a:r>
+            <a:endParaRPr lang="en-US" altLang="cs-CZ" dirty="0"/>
+          </a:p>
+        </p:txBody>
+      </p:sp>
+      <p:sp>
+        <p:nvSpPr>
+          <p:cNvPr id="4" name="Zástupný symbol pro číslo snímku 3">
+            <a:extLst>
+              <a:ext uri="{FF2B5EF4-FFF2-40B4-BE49-F238E27FC236}">
+                <a16:creationId xmlns:a16="http://schemas.microsoft.com/office/drawing/2014/main" id="{E92B8B50-B98A-DAF2-6D1A-F322AEE2C85E}"/>
+              </a:ext>
+            </a:extLst>
+          </p:cNvPr>
+          <p:cNvSpPr>
+            <a:spLocks noGrp="1"/>
+          </p:cNvSpPr>
+          <p:nvPr>
+            <p:ph type="sldNum" sz="quarter" idx="11"/>
+          </p:nvPr>
+        </p:nvSpPr>
+        <p:spPr/>
+        <p:txBody>
+          <a:bodyPr/>
+          <a:lstStyle/>
+          <a:p>
+            <a:fld id="{7C839148-7006-41C4-ABC2-D2A9F4595A63}" type="slidenum">
+              <a:rPr lang="en-US" altLang="cs-CZ" smtClean="0"/>
+              <a:pPr/>
+              <a:t>15</a:t>
+            </a:fld>
+            <a:r>
+              <a:rPr lang="en-US" altLang="cs-CZ" dirty="0"/>
+              <a:t>/</a:t>
+            </a:r>
+            <a:r>
+              <a:rPr lang="cs-CZ" altLang="cs-CZ" dirty="0"/>
+              <a:t>20</a:t>
+            </a:r>
+            <a:endParaRPr lang="en-US" altLang="cs-CZ" dirty="0"/>
+          </a:p>
+        </p:txBody>
+      </p:sp>
+      <p:sp>
+        <p:nvSpPr>
+          <p:cNvPr id="5" name="Nadpis 4">
+            <a:extLst>
+              <a:ext uri="{FF2B5EF4-FFF2-40B4-BE49-F238E27FC236}">
+                <a16:creationId xmlns:a16="http://schemas.microsoft.com/office/drawing/2014/main" id="{FE034619-807F-FD1A-50D4-0A6855BC3AD2}"/>
+              </a:ext>
+            </a:extLst>
+          </p:cNvPr>
+          <p:cNvSpPr>
+            <a:spLocks noGrp="1"/>
+          </p:cNvSpPr>
+          <p:nvPr>
+            <p:ph type="title"/>
+          </p:nvPr>
+        </p:nvSpPr>
+        <p:spPr/>
+        <p:txBody>
+          <a:bodyPr/>
+          <a:lstStyle/>
+          <a:p>
+            <a:r>
+              <a:rPr lang="cs-CZ" dirty="0"/>
+              <a:t>Průměrná chyba skupiny generátorů – komentář </a:t>
+            </a:r>
+          </a:p>
+        </p:txBody>
+      </p:sp>
+      <p:pic>
+        <p:nvPicPr>
+          <p:cNvPr id="6" name="Zástupný obsah 6">
+            <a:extLst>
+              <a:ext uri="{FF2B5EF4-FFF2-40B4-BE49-F238E27FC236}">
+                <a16:creationId xmlns:a16="http://schemas.microsoft.com/office/drawing/2014/main" id="{D120702C-FDB3-1F7A-8254-F94C51D3192F}"/>
+              </a:ext>
+            </a:extLst>
+          </p:cNvPr>
+          <p:cNvPicPr>
+            <a:picLocks noGrp="1" noChangeAspect="1"/>
+          </p:cNvPicPr>
+          <p:nvPr>
+            <p:ph idx="1"/>
+          </p:nvPr>
+        </p:nvPicPr>
+        <p:blipFill rotWithShape="1">
+          <a:blip r:embed="rId2"/>
+          <a:srcRect l="796" t="2287" r="1668" b="1475"/>
+          <a:stretch/>
+        </p:blipFill>
+        <p:spPr>
+          <a:xfrm>
+            <a:off x="7575936" y="739774"/>
+            <a:ext cx="4212773" cy="2206626"/>
+          </a:xfrm>
+        </p:spPr>
+      </p:pic>
+      <p:sp>
+        <p:nvSpPr>
+          <p:cNvPr id="7" name="TextovéPole 6">
+            <a:extLst>
+              <a:ext uri="{FF2B5EF4-FFF2-40B4-BE49-F238E27FC236}">
+                <a16:creationId xmlns:a16="http://schemas.microsoft.com/office/drawing/2014/main" id="{CA20203C-B0E4-81E0-257C-20341ED23CFF}"/>
+              </a:ext>
+            </a:extLst>
+          </p:cNvPr>
+          <p:cNvSpPr txBox="1"/>
+          <p:nvPr/>
+        </p:nvSpPr>
+        <p:spPr>
+          <a:xfrm>
+            <a:off x="304801" y="1038274"/>
+            <a:ext cx="6953249" cy="2172903"/>
+          </a:xfrm>
+          <a:prstGeom prst="rect">
+            <a:avLst/>
+          </a:prstGeom>
+          <a:noFill/>
+        </p:spPr>
+        <p:txBody>
+          <a:bodyPr wrap="square" rtlCol="0">
+            <a:spAutoFit/>
+          </a:bodyPr>
+          <a:lstStyle/>
+          <a:p>
+            <a:pPr marL="457200" indent="-457200"/>
+            <a:r>
+              <a:rPr lang="cs-CZ" sz="2600" b="0" dirty="0">
+                <a:solidFill>
+                  <a:schemeClr val="tx1"/>
+                </a:solidFill>
+                <a:latin typeface="+mn-lt"/>
+                <a:ea typeface="Calibri" panose="020F0502020204030204" pitchFamily="34" charset="0"/>
+                <a:cs typeface="Calibri" pitchFamily="34" charset="0"/>
+              </a:rPr>
+              <a:t>Nejhorších výsledků dosahovaly </a:t>
+            </a:r>
+            <a:r>
+              <a:rPr lang="cs-CZ" sz="2600" b="0" dirty="0" err="1">
+                <a:solidFill>
+                  <a:schemeClr val="tx1"/>
+                </a:solidFill>
+                <a:latin typeface="+mn-lt"/>
+                <a:ea typeface="Calibri" panose="020F0502020204030204" pitchFamily="34" charset="0"/>
+                <a:cs typeface="Calibri" pitchFamily="34" charset="0"/>
+              </a:rPr>
+              <a:t>generu-jící</a:t>
+            </a:r>
+            <a:r>
+              <a:rPr lang="cs-CZ" sz="2600" b="0" dirty="0">
+                <a:solidFill>
+                  <a:schemeClr val="tx1"/>
+                </a:solidFill>
+                <a:latin typeface="+mn-lt"/>
+                <a:ea typeface="Calibri" panose="020F0502020204030204" pitchFamily="34" charset="0"/>
+                <a:cs typeface="Calibri" pitchFamily="34" charset="0"/>
+              </a:rPr>
+              <a:t> polynomy stupně 15 vynásobeny (x+1).</a:t>
+            </a:r>
+          </a:p>
+          <a:p>
+            <a:pPr marL="914400" lvl="1" indent="-457200"/>
+            <a:r>
+              <a:rPr lang="cs-CZ" sz="2600" b="0" dirty="0">
+                <a:solidFill>
+                  <a:schemeClr val="tx1"/>
+                </a:solidFill>
+                <a:latin typeface="+mn-lt"/>
+                <a:ea typeface="Calibri" panose="020F0502020204030204" pitchFamily="34" charset="0"/>
+                <a:cs typeface="Calibri" pitchFamily="34" charset="0"/>
+              </a:rPr>
+              <a:t>Toto není překvapující, protože žádný </a:t>
+            </a:r>
+            <a:br>
+              <a:rPr lang="cs-CZ" sz="2600" b="0" dirty="0">
+                <a:solidFill>
+                  <a:schemeClr val="tx1"/>
+                </a:solidFill>
+                <a:latin typeface="+mn-lt"/>
+                <a:ea typeface="Calibri" panose="020F0502020204030204" pitchFamily="34" charset="0"/>
+                <a:cs typeface="Calibri" pitchFamily="34" charset="0"/>
+              </a:rPr>
+            </a:br>
+            <a:r>
+              <a:rPr lang="cs-CZ" sz="2600" b="0" dirty="0">
+                <a:solidFill>
+                  <a:schemeClr val="tx1"/>
+                </a:solidFill>
+                <a:latin typeface="+mn-lt"/>
+                <a:ea typeface="Calibri" panose="020F0502020204030204" pitchFamily="34" charset="0"/>
+                <a:cs typeface="Calibri" pitchFamily="34" charset="0"/>
+              </a:rPr>
+              <a:t>z nich nebyl ireducibilní.</a:t>
+            </a:r>
+          </a:p>
+        </p:txBody>
+      </p:sp>
+      <p:sp>
+        <p:nvSpPr>
+          <p:cNvPr id="8" name="TextovéPole 7">
+            <a:extLst>
+              <a:ext uri="{FF2B5EF4-FFF2-40B4-BE49-F238E27FC236}">
+                <a16:creationId xmlns:a16="http://schemas.microsoft.com/office/drawing/2014/main" id="{1F0D9508-9FC8-0773-93FD-51724D1498D7}"/>
+              </a:ext>
+            </a:extLst>
+          </p:cNvPr>
+          <p:cNvSpPr txBox="1"/>
+          <p:nvPr/>
+        </p:nvSpPr>
+        <p:spPr>
+          <a:xfrm>
+            <a:off x="304801" y="3581400"/>
+            <a:ext cx="11322049" cy="2172903"/>
+          </a:xfrm>
+          <a:prstGeom prst="rect">
+            <a:avLst/>
+          </a:prstGeom>
+          <a:noFill/>
+        </p:spPr>
+        <p:txBody>
+          <a:bodyPr wrap="square" rtlCol="0">
+            <a:spAutoFit/>
+          </a:bodyPr>
+          <a:lstStyle/>
+          <a:p>
+            <a:pPr marL="457200" indent="-457200" algn="just"/>
+            <a:r>
+              <a:rPr lang="cs-CZ" sz="2600" b="0" dirty="0">
+                <a:solidFill>
+                  <a:schemeClr val="tx1"/>
+                </a:solidFill>
+                <a:latin typeface="+mn-lt"/>
+                <a:ea typeface="Calibri" panose="020F0502020204030204" pitchFamily="34" charset="0"/>
+                <a:cs typeface="Calibri" pitchFamily="34" charset="0"/>
+              </a:rPr>
+              <a:t>Průměrně dosáhly nejlepších výsledků polynomy ze skupiny „</a:t>
+            </a:r>
+            <a:r>
+              <a:rPr lang="cs-CZ" sz="2600" b="0" dirty="0" err="1">
+                <a:solidFill>
+                  <a:schemeClr val="tx1"/>
+                </a:solidFill>
+                <a:latin typeface="+mn-lt"/>
+                <a:ea typeface="Calibri" panose="020F0502020204030204" pitchFamily="34" charset="0"/>
+                <a:cs typeface="Calibri" pitchFamily="34" charset="0"/>
+              </a:rPr>
+              <a:t>From</a:t>
+            </a:r>
+            <a:r>
+              <a:rPr lang="cs-CZ" sz="2600" b="0" dirty="0">
+                <a:solidFill>
+                  <a:schemeClr val="tx1"/>
+                </a:solidFill>
+                <a:latin typeface="+mn-lt"/>
+                <a:ea typeface="Calibri" panose="020F0502020204030204" pitchFamily="34" charset="0"/>
+                <a:cs typeface="Calibri" pitchFamily="34" charset="0"/>
+              </a:rPr>
+              <a:t> Program“, které jsou současně polynomy nejlépe detekujícími dvoubitové chyby.</a:t>
+            </a:r>
+          </a:p>
+          <a:p>
+            <a:pPr marL="914400" lvl="1" indent="-457200" algn="just"/>
+            <a:r>
+              <a:rPr lang="cs-CZ" sz="2600" b="0" dirty="0">
+                <a:solidFill>
+                  <a:schemeClr val="tx1"/>
+                </a:solidFill>
+                <a:latin typeface="+mn-lt"/>
+                <a:ea typeface="Calibri" panose="020F0502020204030204" pitchFamily="34" charset="0"/>
+                <a:cs typeface="Calibri" pitchFamily="34" charset="0"/>
+              </a:rPr>
+              <a:t>Tento výsledek byl nečekaný, protože v této skupině nejsou pouze primitivní polynomy.</a:t>
+            </a:r>
+          </a:p>
+        </p:txBody>
+      </p:sp>
+    </p:spTree>
+    <p:extLst>
+      <p:ext uri="{BB962C8B-B14F-4D97-AF65-F5344CB8AC3E}">
+        <p14:creationId xmlns:p14="http://schemas.microsoft.com/office/powerpoint/2010/main" val="1174148373"/>
+      </p:ext>
+    </p:extLst>
+  </p:cSld>
+  <p:clrMapOvr>
+    <a:masterClrMapping/>
+  </p:clrMapOvr>
+</p:sld>
+</file>
+
+<file path=ppt/slides/slide16.xml><?xml version="1.0" encoding="utf-8"?>
+<p:sld xmlns:a="http://schemas.openxmlformats.org/drawingml/2006/main" xmlns:r="http://schemas.openxmlformats.org/officeDocument/2006/relationships" xmlns:p="http://schemas.openxmlformats.org/presentationml/2006/main">
+  <p:cSld>
+    <p:spTree>
+      <p:nvGrpSpPr>
+        <p:cNvPr id="1" name=""/>
+        <p:cNvGrpSpPr/>
+        <p:nvPr/>
+      </p:nvGrpSpPr>
+      <p:grpSpPr>
+        <a:xfrm>
+          <a:off x="0" y="0"/>
+          <a:ext cx="0" cy="0"/>
+          <a:chOff x="0" y="0"/>
+          <a:chExt cx="0" cy="0"/>
+        </a:xfrm>
+      </p:grpSpPr>
+      <p:pic>
+        <p:nvPicPr>
+          <p:cNvPr id="7" name="Zástupný obsah 6">
+            <a:extLst>
+              <a:ext uri="{FF2B5EF4-FFF2-40B4-BE49-F238E27FC236}">
+                <a16:creationId xmlns:a16="http://schemas.microsoft.com/office/drawing/2014/main" id="{0F69E4AB-5BF5-C80C-9711-222FF78453B9}"/>
+              </a:ext>
+            </a:extLst>
+          </p:cNvPr>
+          <p:cNvPicPr>
+            <a:picLocks noGrp="1" noChangeAspect="1"/>
+          </p:cNvPicPr>
+          <p:nvPr>
+            <p:ph idx="1"/>
+          </p:nvPr>
+        </p:nvPicPr>
+        <p:blipFill rotWithShape="1">
+          <a:blip r:embed="rId2"/>
+          <a:srcRect l="282" t="1052" r="1175" b="1904"/>
+          <a:stretch/>
+        </p:blipFill>
+        <p:spPr>
+          <a:xfrm>
+            <a:off x="1625600" y="821267"/>
+            <a:ext cx="9050868" cy="5173133"/>
+          </a:xfrm>
+        </p:spPr>
+      </p:pic>
+      <p:sp>
+        <p:nvSpPr>
+          <p:cNvPr id="3" name="Zástupný symbol pro zápatí 2">
+            <a:extLst>
+              <a:ext uri="{FF2B5EF4-FFF2-40B4-BE49-F238E27FC236}">
+                <a16:creationId xmlns:a16="http://schemas.microsoft.com/office/drawing/2014/main" id="{2B13697F-F2E4-C38A-38D3-8D7601C35810}"/>
+              </a:ext>
+            </a:extLst>
+          </p:cNvPr>
+          <p:cNvSpPr>
+            <a:spLocks noGrp="1"/>
+          </p:cNvSpPr>
+          <p:nvPr>
+            <p:ph type="ftr" sz="quarter" idx="10"/>
+          </p:nvPr>
+        </p:nvSpPr>
+        <p:spPr/>
+        <p:txBody>
+          <a:bodyPr/>
+          <a:lstStyle/>
+          <a:p>
+            <a:r>
+              <a:rPr lang="cs-CZ" b="1"/>
+              <a:t>Cyclic Redundancy Checks and Error Detection</a:t>
+            </a:r>
+            <a:endParaRPr lang="en-US" altLang="cs-CZ" dirty="0"/>
+          </a:p>
+        </p:txBody>
+      </p:sp>
+      <p:sp>
+        <p:nvSpPr>
+          <p:cNvPr id="4" name="Zástupný symbol pro číslo snímku 3">
+            <a:extLst>
+              <a:ext uri="{FF2B5EF4-FFF2-40B4-BE49-F238E27FC236}">
+                <a16:creationId xmlns:a16="http://schemas.microsoft.com/office/drawing/2014/main" id="{EB4F069A-CBC4-53F8-6D3D-D5A01F65DFFB}"/>
+              </a:ext>
+            </a:extLst>
+          </p:cNvPr>
+          <p:cNvSpPr>
+            <a:spLocks noGrp="1"/>
+          </p:cNvSpPr>
+          <p:nvPr>
+            <p:ph type="sldNum" sz="quarter" idx="11"/>
+          </p:nvPr>
+        </p:nvSpPr>
+        <p:spPr/>
+        <p:txBody>
+          <a:bodyPr/>
+          <a:lstStyle/>
+          <a:p>
+            <a:fld id="{7C839148-7006-41C4-ABC2-D2A9F4595A63}" type="slidenum">
+              <a:rPr lang="en-US" altLang="cs-CZ" smtClean="0"/>
+              <a:pPr/>
+              <a:t>16</a:t>
+            </a:fld>
+            <a:r>
+              <a:rPr lang="en-US" altLang="cs-CZ" dirty="0"/>
+              <a:t>/</a:t>
+            </a:r>
+            <a:r>
+              <a:rPr lang="cs-CZ" altLang="cs-CZ" dirty="0"/>
+              <a:t>20</a:t>
+            </a:r>
+            <a:endParaRPr lang="en-US" altLang="cs-CZ" dirty="0"/>
+          </a:p>
+        </p:txBody>
+      </p:sp>
+      <p:sp>
+        <p:nvSpPr>
+          <p:cNvPr id="5" name="Nadpis 4">
+            <a:extLst>
+              <a:ext uri="{FF2B5EF4-FFF2-40B4-BE49-F238E27FC236}">
+                <a16:creationId xmlns:a16="http://schemas.microsoft.com/office/drawing/2014/main" id="{F59DD0C1-6E87-BBBB-A2DF-7405FFA1EECB}"/>
+              </a:ext>
+            </a:extLst>
+          </p:cNvPr>
+          <p:cNvSpPr>
+            <a:spLocks noGrp="1"/>
+          </p:cNvSpPr>
+          <p:nvPr>
+            <p:ph type="title"/>
+          </p:nvPr>
+        </p:nvSpPr>
+        <p:spPr/>
+        <p:txBody>
+          <a:bodyPr/>
+          <a:lstStyle/>
+          <a:p>
+            <a:r>
+              <a:rPr lang="cs-CZ" dirty="0" err="1"/>
+              <a:t>Hammingová</a:t>
+            </a:r>
+            <a:r>
+              <a:rPr lang="cs-CZ" dirty="0"/>
+              <a:t> vzdálenost chyb</a:t>
+            </a:r>
+          </a:p>
+        </p:txBody>
+      </p:sp>
+    </p:spTree>
+    <p:extLst>
+      <p:ext uri="{BB962C8B-B14F-4D97-AF65-F5344CB8AC3E}">
+        <p14:creationId xmlns:p14="http://schemas.microsoft.com/office/powerpoint/2010/main" val="2257249583"/>
+      </p:ext>
+    </p:extLst>
+  </p:cSld>
+  <p:clrMapOvr>
+    <a:masterClrMapping/>
+  </p:clrMapOvr>
+</p:sld>
+</file>
+
+<file path=ppt/slides/slide17.xml><?xml version="1.0" encoding="utf-8"?>
+<p:sld xmlns:a="http://schemas.openxmlformats.org/drawingml/2006/main" xmlns:r="http://schemas.openxmlformats.org/officeDocument/2006/relationships" xmlns:p="http://schemas.openxmlformats.org/presentationml/2006/main">
+  <p:cSld>
+    <p:spTree>
+      <p:nvGrpSpPr>
+        <p:cNvPr id="1" name=""/>
+        <p:cNvGrpSpPr/>
+        <p:nvPr/>
+      </p:nvGrpSpPr>
+      <p:grpSpPr>
+        <a:xfrm>
+          <a:off x="0" y="0"/>
+          <a:ext cx="0" cy="0"/>
+          <a:chOff x="0" y="0"/>
+          <a:chExt cx="0" cy="0"/>
+        </a:xfrm>
+      </p:grpSpPr>
+      <p:sp>
+        <p:nvSpPr>
+          <p:cNvPr id="3" name="Zástupný symbol pro zápatí 2">
+            <a:extLst>
+              <a:ext uri="{FF2B5EF4-FFF2-40B4-BE49-F238E27FC236}">
+                <a16:creationId xmlns:a16="http://schemas.microsoft.com/office/drawing/2014/main" id="{2123DEDE-5BCF-DC85-C0F0-E32B2D328317}"/>
+              </a:ext>
+            </a:extLst>
+          </p:cNvPr>
+          <p:cNvSpPr>
+            <a:spLocks noGrp="1"/>
+          </p:cNvSpPr>
+          <p:nvPr>
+            <p:ph type="ftr" sz="quarter" idx="10"/>
+          </p:nvPr>
+        </p:nvSpPr>
+        <p:spPr/>
+        <p:txBody>
+          <a:bodyPr/>
+          <a:lstStyle/>
+          <a:p>
+            <a:r>
+              <a:rPr lang="cs-CZ" b="1"/>
+              <a:t>Cyclic Redundancy Checks and Error Detection</a:t>
+            </a:r>
+            <a:endParaRPr lang="en-US" altLang="cs-CZ" dirty="0"/>
+          </a:p>
+        </p:txBody>
+      </p:sp>
+      <p:sp>
+        <p:nvSpPr>
+          <p:cNvPr id="4" name="Zástupný symbol pro číslo snímku 3">
+            <a:extLst>
+              <a:ext uri="{FF2B5EF4-FFF2-40B4-BE49-F238E27FC236}">
+                <a16:creationId xmlns:a16="http://schemas.microsoft.com/office/drawing/2014/main" id="{26067B06-ACE9-F556-015A-70ABF52B9ED9}"/>
+              </a:ext>
+            </a:extLst>
+          </p:cNvPr>
+          <p:cNvSpPr>
+            <a:spLocks noGrp="1"/>
+          </p:cNvSpPr>
+          <p:nvPr>
+            <p:ph type="sldNum" sz="quarter" idx="11"/>
+          </p:nvPr>
+        </p:nvSpPr>
+        <p:spPr/>
+        <p:txBody>
+          <a:bodyPr/>
+          <a:lstStyle/>
+          <a:p>
+            <a:fld id="{7C839148-7006-41C4-ABC2-D2A9F4595A63}" type="slidenum">
+              <a:rPr lang="en-US" altLang="cs-CZ" smtClean="0"/>
+              <a:pPr/>
+              <a:t>17</a:t>
+            </a:fld>
+            <a:r>
+              <a:rPr lang="en-US" altLang="cs-CZ" dirty="0"/>
+              <a:t>/</a:t>
+            </a:r>
+            <a:r>
+              <a:rPr lang="cs-CZ" altLang="cs-CZ" dirty="0"/>
+              <a:t>20</a:t>
+            </a:r>
+            <a:endParaRPr lang="en-US" altLang="cs-CZ" dirty="0"/>
+          </a:p>
+        </p:txBody>
+      </p:sp>
+      <p:sp>
+        <p:nvSpPr>
+          <p:cNvPr id="5" name="Nadpis 4">
+            <a:extLst>
+              <a:ext uri="{FF2B5EF4-FFF2-40B4-BE49-F238E27FC236}">
+                <a16:creationId xmlns:a16="http://schemas.microsoft.com/office/drawing/2014/main" id="{7616F0C9-91EC-F121-CA6A-4768BB929D00}"/>
+              </a:ext>
+            </a:extLst>
+          </p:cNvPr>
+          <p:cNvSpPr>
+            <a:spLocks noGrp="1"/>
+          </p:cNvSpPr>
+          <p:nvPr>
+            <p:ph type="title"/>
+          </p:nvPr>
+        </p:nvSpPr>
+        <p:spPr/>
+        <p:txBody>
+          <a:bodyPr/>
+          <a:lstStyle/>
+          <a:p>
+            <a:r>
+              <a:rPr lang="cs-CZ" dirty="0" err="1"/>
+              <a:t>Hammingová</a:t>
+            </a:r>
+            <a:r>
+              <a:rPr lang="cs-CZ" dirty="0"/>
+              <a:t> vzdálenost chyb – komentář </a:t>
+            </a:r>
+            <a:endParaRPr lang="cs-CZ" b="1" dirty="0"/>
+          </a:p>
+        </p:txBody>
+      </p:sp>
+      <p:pic>
+        <p:nvPicPr>
+          <p:cNvPr id="6" name="Zástupný obsah 6">
+            <a:extLst>
+              <a:ext uri="{FF2B5EF4-FFF2-40B4-BE49-F238E27FC236}">
+                <a16:creationId xmlns:a16="http://schemas.microsoft.com/office/drawing/2014/main" id="{34814798-5C73-0B3A-FFDB-DC5548B50117}"/>
+              </a:ext>
+            </a:extLst>
+          </p:cNvPr>
+          <p:cNvPicPr>
+            <a:picLocks noGrp="1" noChangeAspect="1"/>
+          </p:cNvPicPr>
+          <p:nvPr>
+            <p:ph idx="1"/>
+          </p:nvPr>
+        </p:nvPicPr>
+        <p:blipFill rotWithShape="1">
+          <a:blip r:embed="rId2"/>
+          <a:srcRect l="282" t="1052" r="1175" b="1904"/>
+          <a:stretch/>
+        </p:blipFill>
+        <p:spPr>
+          <a:xfrm>
+            <a:off x="7729208" y="993775"/>
+            <a:ext cx="3905024" cy="2232025"/>
+          </a:xfrm>
+        </p:spPr>
+      </p:pic>
+      <p:sp>
+        <p:nvSpPr>
+          <p:cNvPr id="7" name="TextovéPole 6">
+            <a:extLst>
+              <a:ext uri="{FF2B5EF4-FFF2-40B4-BE49-F238E27FC236}">
+                <a16:creationId xmlns:a16="http://schemas.microsoft.com/office/drawing/2014/main" id="{B6C61DA4-C33E-39E2-2255-5057C5D4568C}"/>
+              </a:ext>
+            </a:extLst>
+          </p:cNvPr>
+          <p:cNvSpPr txBox="1"/>
+          <p:nvPr/>
+        </p:nvSpPr>
+        <p:spPr>
+          <a:xfrm>
+            <a:off x="241300" y="928123"/>
+            <a:ext cx="7404100" cy="2456057"/>
+          </a:xfrm>
+          <a:prstGeom prst="rect">
+            <a:avLst/>
+          </a:prstGeom>
+          <a:noFill/>
+        </p:spPr>
+        <p:txBody>
+          <a:bodyPr wrap="square" rtlCol="0">
+            <a:spAutoFit/>
+          </a:bodyPr>
+          <a:lstStyle/>
+          <a:p>
+            <a:pPr marL="457200" indent="-457200"/>
+            <a:r>
+              <a:rPr lang="cs-CZ" b="0" dirty="0">
+                <a:solidFill>
+                  <a:schemeClr val="tx1"/>
+                </a:solidFill>
+                <a:latin typeface="+mn-lt"/>
+                <a:ea typeface="Calibri" panose="020F0502020204030204" pitchFamily="34" charset="0"/>
+                <a:cs typeface="Calibri" pitchFamily="34" charset="0"/>
+              </a:rPr>
+              <a:t>Na základě výsledku Koopmana</a:t>
+            </a:r>
+            <a:r>
+              <a:rPr lang="cs-CZ" b="0" baseline="30000" dirty="0">
+                <a:solidFill>
+                  <a:schemeClr val="tx1"/>
+                </a:solidFill>
+                <a:latin typeface="+mn-lt"/>
+                <a:ea typeface="Calibri" panose="020F0502020204030204" pitchFamily="34" charset="0"/>
+                <a:cs typeface="Calibri" pitchFamily="34" charset="0"/>
+              </a:rPr>
+              <a:t>1</a:t>
+            </a:r>
+            <a:r>
+              <a:rPr lang="cs-CZ" b="0" dirty="0">
+                <a:solidFill>
+                  <a:schemeClr val="tx1"/>
+                </a:solidFill>
+                <a:latin typeface="+mn-lt"/>
+                <a:ea typeface="Calibri" panose="020F0502020204030204" pitchFamily="34" charset="0"/>
+                <a:cs typeface="Calibri" pitchFamily="34" charset="0"/>
+              </a:rPr>
+              <a:t> můžeme zhodnotit </a:t>
+            </a:r>
+            <a:r>
+              <a:rPr lang="cs-CZ" b="0" dirty="0" err="1">
+                <a:solidFill>
+                  <a:schemeClr val="tx1"/>
+                </a:solidFill>
+                <a:latin typeface="+mn-lt"/>
+                <a:ea typeface="Calibri" panose="020F0502020204030204" pitchFamily="34" charset="0"/>
+                <a:cs typeface="Calibri" pitchFamily="34" charset="0"/>
+              </a:rPr>
+              <a:t>hammingovou</a:t>
+            </a:r>
+            <a:r>
+              <a:rPr lang="cs-CZ" b="0" dirty="0">
+                <a:solidFill>
+                  <a:schemeClr val="tx1"/>
+                </a:solidFill>
+                <a:latin typeface="+mn-lt"/>
+                <a:ea typeface="Calibri" panose="020F0502020204030204" pitchFamily="34" charset="0"/>
+                <a:cs typeface="Calibri" pitchFamily="34" charset="0"/>
+              </a:rPr>
+              <a:t> vzdálenost  (HD) nedetekovaných chyb.</a:t>
+            </a:r>
+          </a:p>
+          <a:p>
+            <a:pPr marL="457200" indent="-457200"/>
+            <a:r>
+              <a:rPr lang="cs-CZ" b="0" dirty="0" err="1">
+                <a:solidFill>
+                  <a:schemeClr val="tx1"/>
+                </a:solidFill>
+                <a:latin typeface="+mn-lt"/>
+                <a:ea typeface="Calibri" panose="020F0502020204030204" pitchFamily="34" charset="0"/>
+                <a:cs typeface="Calibri" pitchFamily="34" charset="0"/>
+              </a:rPr>
+              <a:t>Koopman</a:t>
+            </a:r>
+            <a:r>
+              <a:rPr lang="cs-CZ" b="0" dirty="0">
+                <a:solidFill>
+                  <a:schemeClr val="tx1"/>
+                </a:solidFill>
+                <a:latin typeface="+mn-lt"/>
+                <a:ea typeface="Calibri" panose="020F0502020204030204" pitchFamily="34" charset="0"/>
+                <a:cs typeface="Calibri" pitchFamily="34" charset="0"/>
+              </a:rPr>
+              <a:t> uvedl tabulku generujících polynomů různých řádů a jejich HD.</a:t>
+            </a:r>
+          </a:p>
+          <a:p>
+            <a:pPr marL="457200" indent="-457200"/>
+            <a:r>
+              <a:rPr lang="cs-CZ" b="0" dirty="0">
+                <a:solidFill>
+                  <a:schemeClr val="tx1"/>
+                </a:solidFill>
+                <a:latin typeface="+mn-lt"/>
+                <a:ea typeface="Calibri" panose="020F0502020204030204" pitchFamily="34" charset="0"/>
+                <a:cs typeface="Calibri" pitchFamily="34" charset="0"/>
+              </a:rPr>
+              <a:t>Nejsou uvedeny polynomy pro větší HD, než 19.</a:t>
+            </a:r>
+          </a:p>
+        </p:txBody>
+      </p:sp>
+      <p:sp>
+        <p:nvSpPr>
+          <p:cNvPr id="8" name="TextovéPole 7">
+            <a:extLst>
+              <a:ext uri="{FF2B5EF4-FFF2-40B4-BE49-F238E27FC236}">
+                <a16:creationId xmlns:a16="http://schemas.microsoft.com/office/drawing/2014/main" id="{0A65F316-7349-4AA2-CE7F-97D3FA25DDA1}"/>
+              </a:ext>
+            </a:extLst>
+          </p:cNvPr>
+          <p:cNvSpPr txBox="1"/>
+          <p:nvPr/>
+        </p:nvSpPr>
+        <p:spPr>
+          <a:xfrm>
+            <a:off x="241300" y="6237287"/>
+            <a:ext cx="8953500" cy="261610"/>
+          </a:xfrm>
+          <a:prstGeom prst="rect">
+            <a:avLst/>
+          </a:prstGeom>
+          <a:noFill/>
+        </p:spPr>
+        <p:txBody>
+          <a:bodyPr wrap="square" rtlCol="0">
+            <a:spAutoFit/>
+          </a:bodyPr>
+          <a:lstStyle/>
+          <a:p>
+            <a:pPr>
+              <a:buNone/>
+            </a:pPr>
+            <a:r>
+              <a:rPr lang="cs-CZ" sz="1100" b="0" dirty="0">
+                <a:solidFill>
+                  <a:schemeClr val="tx1"/>
+                </a:solidFill>
+                <a:latin typeface="+mn-lt"/>
+                <a:ea typeface="Calibri" panose="020F0502020204030204" pitchFamily="34" charset="0"/>
+                <a:cs typeface="Calibri" pitchFamily="34" charset="0"/>
+              </a:rPr>
+              <a:t>1: http://users.ece.cmu.edu/~koopman/crc/index.html</a:t>
+            </a:r>
+          </a:p>
+        </p:txBody>
+      </p:sp>
+      <p:sp>
+        <p:nvSpPr>
+          <p:cNvPr id="9" name="TextovéPole 8">
+            <a:extLst>
+              <a:ext uri="{FF2B5EF4-FFF2-40B4-BE49-F238E27FC236}">
+                <a16:creationId xmlns:a16="http://schemas.microsoft.com/office/drawing/2014/main" id="{99416BC3-F72C-1F96-8728-1EA2F1C9AB1F}"/>
+              </a:ext>
+            </a:extLst>
+          </p:cNvPr>
+          <p:cNvSpPr txBox="1"/>
+          <p:nvPr/>
+        </p:nvSpPr>
+        <p:spPr>
+          <a:xfrm>
+            <a:off x="305832" y="4060923"/>
+            <a:ext cx="11022568" cy="1274195"/>
+          </a:xfrm>
+          <a:prstGeom prst="rect">
+            <a:avLst/>
+          </a:prstGeom>
+          <a:noFill/>
+        </p:spPr>
+        <p:txBody>
+          <a:bodyPr wrap="square" rtlCol="0">
+            <a:spAutoFit/>
+          </a:bodyPr>
+          <a:lstStyle/>
+          <a:p>
+            <a:pPr marL="457200" indent="-457200"/>
+            <a:r>
+              <a:rPr lang="cs-CZ" b="0" dirty="0">
+                <a:solidFill>
+                  <a:schemeClr val="tx1"/>
+                </a:solidFill>
+                <a:latin typeface="+mn-lt"/>
+                <a:ea typeface="Calibri" panose="020F0502020204030204" pitchFamily="34" charset="0"/>
+                <a:cs typeface="Calibri" pitchFamily="34" charset="0"/>
+              </a:rPr>
+              <a:t>Z grafu lze vidět, že HD reálně se vyskytujících chyb je mnohem větší, než se kterou počítá </a:t>
+            </a:r>
+            <a:r>
+              <a:rPr lang="cs-CZ" b="0" dirty="0" err="1">
+                <a:solidFill>
+                  <a:schemeClr val="tx1"/>
+                </a:solidFill>
+                <a:latin typeface="+mn-lt"/>
+                <a:ea typeface="Calibri" panose="020F0502020204030204" pitchFamily="34" charset="0"/>
+                <a:cs typeface="Calibri" pitchFamily="34" charset="0"/>
+              </a:rPr>
+              <a:t>Koopman</a:t>
+            </a:r>
+            <a:r>
+              <a:rPr lang="cs-CZ" b="0" dirty="0">
+                <a:solidFill>
+                  <a:schemeClr val="tx1"/>
+                </a:solidFill>
+                <a:latin typeface="+mn-lt"/>
+                <a:ea typeface="Calibri" panose="020F0502020204030204" pitchFamily="34" charset="0"/>
+                <a:cs typeface="Calibri" pitchFamily="34" charset="0"/>
+              </a:rPr>
+              <a:t>.</a:t>
+            </a:r>
+          </a:p>
+          <a:p>
+            <a:pPr marL="457200" indent="-457200"/>
+            <a:r>
+              <a:rPr lang="cs-CZ" b="0" dirty="0">
+                <a:solidFill>
+                  <a:schemeClr val="tx1"/>
+                </a:solidFill>
+                <a:latin typeface="+mn-lt"/>
+                <a:ea typeface="Calibri" panose="020F0502020204030204" pitchFamily="34" charset="0"/>
+                <a:cs typeface="Calibri" pitchFamily="34" charset="0"/>
+              </a:rPr>
+              <a:t>Většina nedetekovaných chyb měla HD = 8329,5.</a:t>
+            </a:r>
+          </a:p>
+        </p:txBody>
+      </p:sp>
+    </p:spTree>
+    <p:extLst>
+      <p:ext uri="{BB962C8B-B14F-4D97-AF65-F5344CB8AC3E}">
+        <p14:creationId xmlns:p14="http://schemas.microsoft.com/office/powerpoint/2010/main" val="532144338"/>
+      </p:ext>
+    </p:extLst>
+  </p:cSld>
+  <p:clrMapOvr>
+    <a:masterClrMapping/>
+  </p:clrMapOvr>
+</p:sld>
+</file>
+
+<file path=ppt/slides/slide18.xml><?xml version="1.0" encoding="utf-8"?>
+<p:sld xmlns:a="http://schemas.openxmlformats.org/drawingml/2006/main" xmlns:r="http://schemas.openxmlformats.org/officeDocument/2006/relationships" xmlns:p="http://schemas.openxmlformats.org/presentationml/2006/main">
+  <p:cSld>
+    <p:spTree>
+      <p:nvGrpSpPr>
+        <p:cNvPr id="1" name=""/>
+        <p:cNvGrpSpPr/>
+        <p:nvPr/>
+      </p:nvGrpSpPr>
+      <p:grpSpPr>
+        <a:xfrm>
+          <a:off x="0" y="0"/>
+          <a:ext cx="0" cy="0"/>
+          <a:chOff x="0" y="0"/>
+          <a:chExt cx="0" cy="0"/>
+        </a:xfrm>
+      </p:grpSpPr>
+      <p:sp>
+        <p:nvSpPr>
+          <p:cNvPr id="2" name="Zástupný obsah 1">
+            <a:extLst>
+              <a:ext uri="{FF2B5EF4-FFF2-40B4-BE49-F238E27FC236}">
+                <a16:creationId xmlns:a16="http://schemas.microsoft.com/office/drawing/2014/main" id="{608A58DC-0EB9-A562-EFD1-C2CC610181C3}"/>
+              </a:ext>
+            </a:extLst>
+          </p:cNvPr>
+          <p:cNvSpPr>
+            <a:spLocks noGrp="1"/>
+          </p:cNvSpPr>
+          <p:nvPr>
+            <p:ph idx="1"/>
+          </p:nvPr>
+        </p:nvSpPr>
+        <p:spPr>
+          <a:xfrm>
+            <a:off x="431809" y="2211387"/>
+            <a:ext cx="11239492" cy="2435225"/>
+          </a:xfrm>
+        </p:spPr>
+        <p:txBody>
+          <a:bodyPr/>
+          <a:lstStyle/>
+          <a:p>
+            <a:pPr algn="just"/>
+            <a:r>
+              <a:rPr lang="cs-CZ" dirty="0"/>
+              <a:t>Optimalizace programu na vyhledávání generujících polynomů.</a:t>
+            </a:r>
+          </a:p>
+          <a:p>
+            <a:pPr algn="just"/>
+            <a:r>
+              <a:rPr lang="cs-CZ" dirty="0"/>
+              <a:t>Vyzkoušet generátory řádu 32 a 64.</a:t>
+            </a:r>
+          </a:p>
+          <a:p>
+            <a:pPr algn="just"/>
+            <a:r>
+              <a:rPr lang="cs-CZ" dirty="0"/>
+              <a:t>Prozkoumat rozdílné chybové vzory (mohou se lišit pro různé přeno-</a:t>
+            </a:r>
+            <a:r>
+              <a:rPr lang="cs-CZ" dirty="0" err="1"/>
+              <a:t>sové</a:t>
+            </a:r>
+            <a:r>
+              <a:rPr lang="cs-CZ" dirty="0"/>
+              <a:t> technologie).</a:t>
+            </a:r>
+          </a:p>
+          <a:p>
+            <a:pPr algn="just"/>
+            <a:r>
+              <a:rPr lang="cs-CZ" dirty="0"/>
+              <a:t>Otestovat BCH kódy, opravné kódy založené na CRC</a:t>
+            </a:r>
+          </a:p>
+          <a:p>
+            <a:pPr algn="just"/>
+            <a:endParaRPr lang="cs-CZ" dirty="0"/>
+          </a:p>
+        </p:txBody>
+      </p:sp>
+      <p:sp>
+        <p:nvSpPr>
+          <p:cNvPr id="3" name="Zástupný symbol pro zápatí 2">
+            <a:extLst>
+              <a:ext uri="{FF2B5EF4-FFF2-40B4-BE49-F238E27FC236}">
+                <a16:creationId xmlns:a16="http://schemas.microsoft.com/office/drawing/2014/main" id="{F1BAD8A8-8807-78F4-4DF7-6E84ADCD02D0}"/>
+              </a:ext>
+            </a:extLst>
+          </p:cNvPr>
+          <p:cNvSpPr>
+            <a:spLocks noGrp="1"/>
+          </p:cNvSpPr>
+          <p:nvPr>
+            <p:ph type="ftr" sz="quarter" idx="10"/>
+          </p:nvPr>
+        </p:nvSpPr>
+        <p:spPr/>
+        <p:txBody>
+          <a:bodyPr/>
+          <a:lstStyle/>
+          <a:p>
+            <a:r>
+              <a:rPr lang="cs-CZ" b="1"/>
+              <a:t>Cyclic Redundancy Checks and Error Detection</a:t>
+            </a:r>
+            <a:endParaRPr lang="en-US" altLang="cs-CZ" dirty="0"/>
+          </a:p>
+        </p:txBody>
+      </p:sp>
+      <p:sp>
+        <p:nvSpPr>
+          <p:cNvPr id="4" name="Zástupný symbol pro číslo snímku 3">
+            <a:extLst>
+              <a:ext uri="{FF2B5EF4-FFF2-40B4-BE49-F238E27FC236}">
+                <a16:creationId xmlns:a16="http://schemas.microsoft.com/office/drawing/2014/main" id="{57FB2C2E-D51B-B72F-C53E-715D1B417395}"/>
+              </a:ext>
+            </a:extLst>
+          </p:cNvPr>
+          <p:cNvSpPr>
+            <a:spLocks noGrp="1"/>
+          </p:cNvSpPr>
+          <p:nvPr>
+            <p:ph type="sldNum" sz="quarter" idx="11"/>
+          </p:nvPr>
+        </p:nvSpPr>
+        <p:spPr/>
+        <p:txBody>
+          <a:bodyPr/>
+          <a:lstStyle/>
+          <a:p>
+            <a:fld id="{7C839148-7006-41C4-ABC2-D2A9F4595A63}" type="slidenum">
+              <a:rPr lang="en-US" altLang="cs-CZ" smtClean="0"/>
+              <a:pPr/>
+              <a:t>18</a:t>
+            </a:fld>
+            <a:r>
+              <a:rPr lang="en-US" altLang="cs-CZ" dirty="0"/>
+              <a:t>/</a:t>
+            </a:r>
+            <a:r>
+              <a:rPr lang="cs-CZ" altLang="cs-CZ" dirty="0"/>
+              <a:t>20</a:t>
+            </a:r>
+            <a:endParaRPr lang="en-US" altLang="cs-CZ" dirty="0"/>
+          </a:p>
+        </p:txBody>
+      </p:sp>
+      <p:sp>
+        <p:nvSpPr>
+          <p:cNvPr id="5" name="Nadpis 4">
+            <a:extLst>
+              <a:ext uri="{FF2B5EF4-FFF2-40B4-BE49-F238E27FC236}">
+                <a16:creationId xmlns:a16="http://schemas.microsoft.com/office/drawing/2014/main" id="{16F856B2-903E-0FCD-BDA8-7680104F43F5}"/>
+              </a:ext>
+            </a:extLst>
+          </p:cNvPr>
+          <p:cNvSpPr>
+            <a:spLocks noGrp="1"/>
+          </p:cNvSpPr>
+          <p:nvPr>
+            <p:ph type="title"/>
+          </p:nvPr>
+        </p:nvSpPr>
+        <p:spPr/>
+        <p:txBody>
+          <a:bodyPr/>
+          <a:lstStyle/>
+          <a:p>
+            <a:r>
+              <a:rPr lang="cs-CZ" dirty="0"/>
+              <a:t>Budoucí práce</a:t>
+            </a:r>
+          </a:p>
+        </p:txBody>
+      </p:sp>
+    </p:spTree>
+    <p:extLst>
+      <p:ext uri="{BB962C8B-B14F-4D97-AF65-F5344CB8AC3E}">
+        <p14:creationId xmlns:p14="http://schemas.microsoft.com/office/powerpoint/2010/main" val="2486049375"/>
+      </p:ext>
+    </p:extLst>
+  </p:cSld>
+  <p:clrMapOvr>
+    <a:masterClrMapping/>
+  </p:clrMapOvr>
+</p:sld>
+</file>
+
+<file path=ppt/slides/slide19.xml><?xml version="1.0" encoding="utf-8"?>
+<p:sld xmlns:a="http://schemas.openxmlformats.org/drawingml/2006/main" xmlns:r="http://schemas.openxmlformats.org/officeDocument/2006/relationships" xmlns:p="http://schemas.openxmlformats.org/presentationml/2006/main">
+  <p:cSld>
+    <p:spTree>
+      <p:nvGrpSpPr>
+        <p:cNvPr id="1" name=""/>
+        <p:cNvGrpSpPr/>
+        <p:nvPr/>
+      </p:nvGrpSpPr>
+      <p:grpSpPr>
+        <a:xfrm>
+          <a:off x="0" y="0"/>
+          <a:ext cx="0" cy="0"/>
+          <a:chOff x="0" y="0"/>
+          <a:chExt cx="0" cy="0"/>
+        </a:xfrm>
+      </p:grpSpPr>
+      <p:sp>
+        <p:nvSpPr>
+          <p:cNvPr id="2" name="Zástupný obsah 1">
+            <a:extLst>
+              <a:ext uri="{FF2B5EF4-FFF2-40B4-BE49-F238E27FC236}">
+                <a16:creationId xmlns:a16="http://schemas.microsoft.com/office/drawing/2014/main" id="{BCD48CAB-4C2B-0ACF-BDCE-8D027E814E76}"/>
+              </a:ext>
+            </a:extLst>
+          </p:cNvPr>
+          <p:cNvSpPr>
+            <a:spLocks noGrp="1"/>
+          </p:cNvSpPr>
+          <p:nvPr>
+            <p:ph idx="1"/>
+          </p:nvPr>
+        </p:nvSpPr>
+        <p:spPr>
+          <a:xfrm>
+            <a:off x="478367" y="1887537"/>
+            <a:ext cx="11521017" cy="3082925"/>
+          </a:xfrm>
+        </p:spPr>
+        <p:txBody>
+          <a:bodyPr/>
+          <a:lstStyle/>
+          <a:p>
+            <a:r>
+              <a:rPr lang="en-US" sz="2800" dirty="0"/>
+              <a:t>Jepsen, W. (2022). Cyclic Redundancy Checks and Error Detection. </a:t>
+            </a:r>
+            <a:r>
+              <a:rPr lang="en-US" sz="2800" dirty="0" err="1"/>
+              <a:t>arXiv</a:t>
+            </a:r>
+            <a:r>
+              <a:rPr lang="en-US" sz="2800" dirty="0"/>
+              <a:t>. </a:t>
+            </a:r>
+            <a:r>
+              <a:rPr lang="en-US" sz="2800" dirty="0">
+                <a:hlinkClick r:id="rId2"/>
+              </a:rPr>
+              <a:t>https://doi.org/10.48550/ARXIV.2205.11344</a:t>
+            </a:r>
+            <a:endParaRPr lang="cs-CZ" sz="2800" dirty="0"/>
+          </a:p>
+          <a:p>
+            <a:r>
+              <a:rPr lang="cs-CZ" sz="2800" b="0" dirty="0" err="1">
+                <a:solidFill>
+                  <a:schemeClr val="tx1"/>
+                </a:solidFill>
+                <a:latin typeface="+mn-lt"/>
+                <a:ea typeface="Calibri" panose="020F0502020204030204" pitchFamily="34" charset="0"/>
+                <a:cs typeface="Calibri" pitchFamily="34" charset="0"/>
+              </a:rPr>
+              <a:t>Koopman</a:t>
+            </a:r>
+            <a:r>
+              <a:rPr lang="cs-CZ" sz="2800" dirty="0"/>
+              <a:t>, P. </a:t>
+            </a:r>
+            <a:r>
+              <a:rPr lang="cs-CZ" sz="2800" b="0" dirty="0">
+                <a:solidFill>
+                  <a:schemeClr val="tx1"/>
+                </a:solidFill>
+                <a:latin typeface="+mn-lt"/>
+                <a:ea typeface="Calibri" panose="020F0502020204030204" pitchFamily="34" charset="0"/>
+                <a:cs typeface="Calibri" pitchFamily="34" charset="0"/>
+                <a:hlinkClick r:id="rId3"/>
+              </a:rPr>
+              <a:t>http://users.ece.cmu.edu/~koopman/crc/index.html</a:t>
+            </a:r>
+            <a:endParaRPr lang="cs-CZ" sz="2800" b="0" dirty="0">
+              <a:solidFill>
+                <a:schemeClr val="tx1"/>
+              </a:solidFill>
+              <a:latin typeface="+mn-lt"/>
+              <a:ea typeface="Calibri" panose="020F0502020204030204" pitchFamily="34" charset="0"/>
+              <a:cs typeface="Calibri" pitchFamily="34" charset="0"/>
+            </a:endParaRPr>
+          </a:p>
+          <a:p>
+            <a:r>
+              <a:rPr lang="cs-CZ" sz="2800" dirty="0"/>
+              <a:t>Drábek, V., Bidlo, M. (2023). Systémy odolné proti poruchám: SSP 6. Cyklické kódy</a:t>
+            </a:r>
+          </a:p>
+          <a:p>
+            <a:r>
+              <a:rPr lang="cs-CZ" sz="2800" b="0" dirty="0">
+                <a:solidFill>
+                  <a:schemeClr val="tx1"/>
+                </a:solidFill>
+                <a:latin typeface="+mn-lt"/>
+                <a:ea typeface="Calibri" panose="020F0502020204030204" pitchFamily="34" charset="0"/>
+                <a:cs typeface="Calibri" pitchFamily="34" charset="0"/>
+                <a:hlinkClick r:id="rId4"/>
+              </a:rPr>
+              <a:t>https://github.com/0xJepsen/CRC_Research/tree/master/crclists</a:t>
+            </a:r>
+            <a:endParaRPr lang="cs-CZ" sz="2800" b="0" dirty="0">
+              <a:solidFill>
+                <a:schemeClr val="tx1"/>
+              </a:solidFill>
+              <a:latin typeface="+mn-lt"/>
+              <a:ea typeface="Calibri" panose="020F0502020204030204" pitchFamily="34" charset="0"/>
+              <a:cs typeface="Calibri" pitchFamily="34" charset="0"/>
+            </a:endParaRPr>
+          </a:p>
+          <a:p>
+            <a:pPr marL="0" indent="0">
+              <a:buNone/>
+            </a:pPr>
+            <a:endParaRPr lang="cs-CZ" sz="2800" b="0" dirty="0">
+              <a:solidFill>
+                <a:schemeClr val="tx1"/>
+              </a:solidFill>
+              <a:latin typeface="+mn-lt"/>
+              <a:ea typeface="Calibri" panose="020F0502020204030204" pitchFamily="34" charset="0"/>
+              <a:cs typeface="Calibri" pitchFamily="34" charset="0"/>
+            </a:endParaRPr>
+          </a:p>
+          <a:p>
+            <a:endParaRPr lang="cs-CZ" sz="2800" dirty="0"/>
+          </a:p>
+          <a:p>
+            <a:endParaRPr lang="cs-CZ" sz="2800" dirty="0"/>
+          </a:p>
+          <a:p>
+            <a:endParaRPr lang="cs-CZ" dirty="0"/>
+          </a:p>
+        </p:txBody>
+      </p:sp>
+      <p:sp>
+        <p:nvSpPr>
+          <p:cNvPr id="3" name="Zástupný symbol pro zápatí 2">
+            <a:extLst>
+              <a:ext uri="{FF2B5EF4-FFF2-40B4-BE49-F238E27FC236}">
+                <a16:creationId xmlns:a16="http://schemas.microsoft.com/office/drawing/2014/main" id="{EE895C24-0B30-FDB1-8895-C04CF91A0F63}"/>
+              </a:ext>
+            </a:extLst>
+          </p:cNvPr>
+          <p:cNvSpPr>
+            <a:spLocks noGrp="1"/>
+          </p:cNvSpPr>
+          <p:nvPr>
+            <p:ph type="ftr" sz="quarter" idx="10"/>
+          </p:nvPr>
+        </p:nvSpPr>
+        <p:spPr/>
+        <p:txBody>
+          <a:bodyPr/>
+          <a:lstStyle/>
+          <a:p>
+            <a:r>
+              <a:rPr lang="cs-CZ" b="1"/>
+              <a:t>Cyclic Redundancy Checks and Error Detection</a:t>
+            </a:r>
+            <a:endParaRPr lang="en-US" altLang="cs-CZ" dirty="0"/>
+          </a:p>
+        </p:txBody>
+      </p:sp>
+      <p:sp>
+        <p:nvSpPr>
+          <p:cNvPr id="4" name="Zástupný symbol pro číslo snímku 3">
+            <a:extLst>
+              <a:ext uri="{FF2B5EF4-FFF2-40B4-BE49-F238E27FC236}">
+                <a16:creationId xmlns:a16="http://schemas.microsoft.com/office/drawing/2014/main" id="{1C8DAA14-5815-1AB4-2F0F-E23E09261225}"/>
+              </a:ext>
+            </a:extLst>
+          </p:cNvPr>
+          <p:cNvSpPr>
+            <a:spLocks noGrp="1"/>
+          </p:cNvSpPr>
+          <p:nvPr>
+            <p:ph type="sldNum" sz="quarter" idx="11"/>
+          </p:nvPr>
+        </p:nvSpPr>
+        <p:spPr/>
+        <p:txBody>
+          <a:bodyPr/>
+          <a:lstStyle/>
+          <a:p>
+            <a:fld id="{7C839148-7006-41C4-ABC2-D2A9F4595A63}" type="slidenum">
+              <a:rPr lang="en-US" altLang="cs-CZ" smtClean="0"/>
+              <a:pPr/>
+              <a:t>19</a:t>
+            </a:fld>
+            <a:r>
+              <a:rPr lang="en-US" altLang="cs-CZ" dirty="0"/>
+              <a:t>/</a:t>
+            </a:r>
+            <a:r>
+              <a:rPr lang="cs-CZ" altLang="cs-CZ" dirty="0"/>
+              <a:t>20</a:t>
+            </a:r>
+            <a:endParaRPr lang="en-US" altLang="cs-CZ" dirty="0"/>
+          </a:p>
+        </p:txBody>
+      </p:sp>
+      <p:sp>
+        <p:nvSpPr>
+          <p:cNvPr id="5" name="Nadpis 4">
+            <a:extLst>
+              <a:ext uri="{FF2B5EF4-FFF2-40B4-BE49-F238E27FC236}">
+                <a16:creationId xmlns:a16="http://schemas.microsoft.com/office/drawing/2014/main" id="{1D8EB961-219C-DA6F-F444-0FD51B352F68}"/>
+              </a:ext>
+            </a:extLst>
+          </p:cNvPr>
+          <p:cNvSpPr>
+            <a:spLocks noGrp="1"/>
+          </p:cNvSpPr>
+          <p:nvPr>
+            <p:ph type="title"/>
+          </p:nvPr>
+        </p:nvSpPr>
+        <p:spPr/>
+        <p:txBody>
+          <a:bodyPr/>
+          <a:lstStyle/>
+          <a:p>
+            <a:r>
+              <a:rPr lang="cs-CZ" dirty="0"/>
+              <a:t>Literatura</a:t>
+            </a:r>
+          </a:p>
+        </p:txBody>
+      </p:sp>
+    </p:spTree>
+    <p:extLst>
+      <p:ext uri="{BB962C8B-B14F-4D97-AF65-F5344CB8AC3E}">
+        <p14:creationId xmlns:p14="http://schemas.microsoft.com/office/powerpoint/2010/main" val="1756991769"/>
+      </p:ext>
+    </p:extLst>
   </p:cSld>
   <p:clrMapOvr>
     <a:masterClrMapping/>
@@ -8863,12 +11619,75 @@
             <p:ph idx="1"/>
           </p:nvPr>
         </p:nvSpPr>
-        <p:spPr/>
+        <p:spPr>
+          <a:xfrm>
+            <a:off x="431808" y="1525295"/>
+            <a:ext cx="11521017" cy="3807410"/>
+          </a:xfrm>
+        </p:spPr>
         <p:txBody>
           <a:bodyPr/>
           <a:lstStyle/>
           <a:p>
-            <a:endParaRPr lang="cs-CZ"/>
+            <a:r>
+              <a:rPr lang="cs-CZ" dirty="0"/>
+              <a:t>Motivace</a:t>
+            </a:r>
+          </a:p>
+          <a:p>
+            <a:r>
+              <a:rPr lang="cs-CZ" dirty="0" err="1"/>
+              <a:t>Separovatelný</a:t>
+            </a:r>
+            <a:r>
+              <a:rPr lang="cs-CZ" dirty="0"/>
+              <a:t> CRC</a:t>
+            </a:r>
+          </a:p>
+          <a:p>
+            <a:r>
+              <a:rPr lang="cs-CZ" dirty="0" err="1"/>
+              <a:t>Galoisovo</a:t>
+            </a:r>
+            <a:r>
+              <a:rPr lang="cs-CZ" dirty="0"/>
+              <a:t> pole GF</a:t>
+            </a:r>
+            <a:r>
+              <a:rPr lang="cs-CZ" baseline="-25000" dirty="0"/>
+              <a:t>2</a:t>
+            </a:r>
+            <a:endParaRPr lang="cs-CZ" dirty="0"/>
+          </a:p>
+          <a:p>
+            <a:r>
+              <a:rPr lang="cs-CZ" dirty="0"/>
+              <a:t>Konstrukce kódového slova</a:t>
+            </a:r>
+          </a:p>
+          <a:p>
+            <a:r>
+              <a:rPr lang="cs-CZ" dirty="0"/>
+              <a:t>Vlastností generátorů</a:t>
+            </a:r>
+          </a:p>
+          <a:p>
+            <a:r>
+              <a:rPr lang="cs-CZ" dirty="0"/>
+              <a:t>Typy chyb</a:t>
+            </a:r>
+          </a:p>
+          <a:p>
+            <a:r>
+              <a:rPr lang="cs-CZ" dirty="0"/>
+              <a:t>Experimentální data</a:t>
+            </a:r>
+          </a:p>
+          <a:p>
+            <a:r>
+              <a:rPr lang="cs-CZ" dirty="0"/>
+              <a:t>Výsledky experimentů</a:t>
+            </a:r>
           </a:p>
         </p:txBody>
       </p:sp>
@@ -8895,11 +11714,8 @@
           <a:p>
             <a:r>
               <a:rPr lang="cs-CZ" b="1"/>
-              <a:t>Využití opakujících se podstruktur pro efektivní reprezentaci automatů</a:t>
-            </a:r>
-            <a:endParaRPr lang="en-US" altLang="cs-CZ"/>
-          </a:p>
-          <a:p>
+              <a:t>Cyclic Redundancy Checks and Error Detection</a:t>
+            </a:r>
             <a:endParaRPr lang="en-US" altLang="cs-CZ" dirty="0"/>
           </a:p>
         </p:txBody>
@@ -8931,8 +11747,12 @@
               <a:t>2</a:t>
             </a:fld>
             <a:r>
-              <a:rPr lang="en-US" altLang="cs-CZ"/>
-              <a:t>/15</a:t>
+              <a:rPr lang="en-US" altLang="cs-CZ" dirty="0"/>
+              <a:t>/</a:t>
+            </a:r>
+            <a:r>
+              <a:rPr lang="cs-CZ" altLang="cs-CZ" dirty="0"/>
+              <a:t>20</a:t>
             </a:r>
             <a:endParaRPr lang="en-US" altLang="cs-CZ" dirty="0"/>
           </a:p>
@@ -8959,7 +11779,10 @@
           <a:bodyPr/>
           <a:lstStyle/>
           <a:p>
-            <a:endParaRPr lang="cs-CZ"/>
+            <a:r>
+              <a:rPr lang="cs-CZ" dirty="0"/>
+              <a:t>Obsah</a:t>
+            </a:r>
           </a:p>
         </p:txBody>
       </p:sp>
@@ -8967,6 +11790,64 @@
     <p:extLst>
       <p:ext uri="{BB962C8B-B14F-4D97-AF65-F5344CB8AC3E}">
         <p14:creationId xmlns:p14="http://schemas.microsoft.com/office/powerpoint/2010/main" val="373821803"/>
+      </p:ext>
+    </p:extLst>
+  </p:cSld>
+  <p:clrMapOvr>
+    <a:masterClrMapping/>
+  </p:clrMapOvr>
+</p:sld>
+</file>
+
+<file path=ppt/slides/slide20.xml><?xml version="1.0" encoding="utf-8"?>
+<p:sld xmlns:a="http://schemas.openxmlformats.org/drawingml/2006/main" xmlns:r="http://schemas.openxmlformats.org/officeDocument/2006/relationships" xmlns:p="http://schemas.openxmlformats.org/presentationml/2006/main">
+  <p:cSld>
+    <p:spTree>
+      <p:nvGrpSpPr>
+        <p:cNvPr id="1" name=""/>
+        <p:cNvGrpSpPr/>
+        <p:nvPr/>
+      </p:nvGrpSpPr>
+      <p:grpSpPr>
+        <a:xfrm>
+          <a:off x="0" y="0"/>
+          <a:ext cx="0" cy="0"/>
+          <a:chOff x="0" y="0"/>
+          <a:chExt cx="0" cy="0"/>
+        </a:xfrm>
+      </p:grpSpPr>
+      <p:sp>
+        <p:nvSpPr>
+          <p:cNvPr id="2" name="Zástupný text 1">
+            <a:extLst>
+              <a:ext uri="{FF2B5EF4-FFF2-40B4-BE49-F238E27FC236}">
+                <a16:creationId xmlns:a16="http://schemas.microsoft.com/office/drawing/2014/main" id="{B98C7ABF-3C74-5823-467B-D61EC4C51E72}"/>
+              </a:ext>
+            </a:extLst>
+          </p:cNvPr>
+          <p:cNvSpPr>
+            <a:spLocks noGrp="1"/>
+          </p:cNvSpPr>
+          <p:nvPr>
+            <p:ph type="body" sz="quarter" idx="10"/>
+          </p:nvPr>
+        </p:nvSpPr>
+        <p:spPr/>
+        <p:txBody>
+          <a:bodyPr/>
+          <a:lstStyle/>
+          <a:p>
+            <a:r>
+              <a:rPr lang="cs-CZ" dirty="0"/>
+              <a:t>Děkuji za pozornost</a:t>
+            </a:r>
+          </a:p>
+        </p:txBody>
+      </p:sp>
+    </p:spTree>
+    <p:extLst>
+      <p:ext uri="{BB962C8B-B14F-4D97-AF65-F5344CB8AC3E}">
+        <p14:creationId xmlns:p14="http://schemas.microsoft.com/office/powerpoint/2010/main" val="2738312100"/>
       </p:ext>
     </p:extLst>
   </p:cSld>
@@ -8995,10 +11876,10 @@
       </p:grpSpPr>
       <p:sp>
         <p:nvSpPr>
-          <p:cNvPr id="2" name="Zástupný text 1">
+          <p:cNvPr id="2" name="Zástupný obsah 1">
             <a:extLst>
               <a:ext uri="{FF2B5EF4-FFF2-40B4-BE49-F238E27FC236}">
-                <a16:creationId xmlns:a16="http://schemas.microsoft.com/office/drawing/2014/main" id="{B98C7ABF-3C74-5823-467B-D61EC4C51E72}"/>
+                <a16:creationId xmlns:a16="http://schemas.microsoft.com/office/drawing/2014/main" id="{735F2541-6CB5-5C06-54D3-341410B9B0B5}"/>
               </a:ext>
             </a:extLst>
           </p:cNvPr>
@@ -9006,17 +11887,153 @@
             <a:spLocks noGrp="1"/>
           </p:cNvSpPr>
           <p:nvPr>
-            <p:ph type="body" sz="quarter" idx="10"/>
+            <p:ph idx="1"/>
           </p:nvPr>
         </p:nvSpPr>
-        <p:spPr/>
+        <p:spPr>
+          <a:xfrm>
+            <a:off x="431809" y="1564690"/>
+            <a:ext cx="11322042" cy="3728620"/>
+          </a:xfrm>
+        </p:spPr>
         <p:txBody>
           <a:bodyPr/>
           <a:lstStyle/>
           <a:p>
+            <a:pPr algn="just"/>
             <a:r>
               <a:rPr lang="cs-CZ" dirty="0"/>
-              <a:t>Děkuji za pozornost</a:t>
+              <a:t>Je potřeba detekce poškozených dat.</a:t>
+            </a:r>
+          </a:p>
+          <a:p>
+            <a:pPr algn="just"/>
+            <a:r>
+              <a:rPr lang="cs-CZ" dirty="0"/>
+              <a:t>Poškozená data vedou na chybné výsledky (genetická data, ML).</a:t>
+            </a:r>
+          </a:p>
+          <a:p>
+            <a:pPr algn="just"/>
+            <a:r>
+              <a:rPr lang="cs-CZ" dirty="0"/>
+              <a:t>Mimo blokových a náhodných chyb, se v praxi objevují také výpadky nebo vložení části dat.</a:t>
+            </a:r>
+          </a:p>
+          <a:p>
+            <a:pPr algn="just"/>
+            <a:r>
+              <a:rPr lang="cs-CZ" dirty="0"/>
+              <a:t>Výpadky a vložení části dat se CRC hůře detekují.</a:t>
+            </a:r>
+          </a:p>
+          <a:p>
+            <a:pPr algn="just"/>
+            <a:r>
+              <a:rPr lang="cs-CZ" dirty="0"/>
+              <a:t>Je potřebné znát úspěšnost detekce chyb pro jednotlivé polynomy.</a:t>
+            </a:r>
+          </a:p>
+          <a:p>
+            <a:pPr algn="just"/>
+            <a:r>
+              <a:rPr lang="cs-CZ" dirty="0"/>
+              <a:t>Cílem této práce bylo vyhodnotit úspěšnost detekce chyb na reálných datech pro různě polynomy 16-tého stupně.</a:t>
+            </a:r>
+          </a:p>
+        </p:txBody>
+      </p:sp>
+      <p:sp>
+        <p:nvSpPr>
+          <p:cNvPr id="3" name="Zástupný symbol pro zápatí 2">
+            <a:extLst>
+              <a:ext uri="{FF2B5EF4-FFF2-40B4-BE49-F238E27FC236}">
+                <a16:creationId xmlns:a16="http://schemas.microsoft.com/office/drawing/2014/main" id="{D7BABC78-591C-EC58-12B1-7813623F8181}"/>
+              </a:ext>
+            </a:extLst>
+          </p:cNvPr>
+          <p:cNvSpPr>
+            <a:spLocks noGrp="1"/>
+          </p:cNvSpPr>
+          <p:nvPr>
+            <p:ph type="ftr" sz="quarter" idx="10"/>
+          </p:nvPr>
+        </p:nvSpPr>
+        <p:spPr/>
+        <p:txBody>
+          <a:bodyPr/>
+          <a:lstStyle/>
+          <a:p>
+            <a:r>
+              <a:rPr lang="cs-CZ" b="1"/>
+              <a:t>Cyclic Redundancy Checks and Error Detection</a:t>
+            </a:r>
+            <a:endParaRPr lang="en-US" altLang="cs-CZ" dirty="0"/>
+          </a:p>
+        </p:txBody>
+      </p:sp>
+      <p:sp>
+        <p:nvSpPr>
+          <p:cNvPr id="4" name="Zástupný symbol pro číslo snímku 3">
+            <a:extLst>
+              <a:ext uri="{FF2B5EF4-FFF2-40B4-BE49-F238E27FC236}">
+                <a16:creationId xmlns:a16="http://schemas.microsoft.com/office/drawing/2014/main" id="{37074E87-5704-0113-1CED-831EF8A81B85}"/>
+              </a:ext>
+            </a:extLst>
+          </p:cNvPr>
+          <p:cNvSpPr>
+            <a:spLocks noGrp="1"/>
+          </p:cNvSpPr>
+          <p:nvPr>
+            <p:ph type="sldNum" sz="quarter" idx="11"/>
+          </p:nvPr>
+        </p:nvSpPr>
+        <p:spPr/>
+        <p:txBody>
+          <a:bodyPr/>
+          <a:lstStyle/>
+          <a:p>
+            <a:fld id="{7C839148-7006-41C4-ABC2-D2A9F4595A63}" type="slidenum">
+              <a:rPr lang="en-US" altLang="cs-CZ" smtClean="0"/>
+              <a:pPr/>
+              <a:t>3</a:t>
+            </a:fld>
+            <a:r>
+              <a:rPr lang="en-US" altLang="cs-CZ" dirty="0"/>
+              <a:t>/</a:t>
+            </a:r>
+            <a:r>
+              <a:rPr lang="cs-CZ" altLang="cs-CZ" dirty="0"/>
+              <a:t>20</a:t>
+            </a:r>
+            <a:endParaRPr lang="en-US" altLang="cs-CZ" dirty="0"/>
+          </a:p>
+        </p:txBody>
+      </p:sp>
+      <p:sp>
+        <p:nvSpPr>
+          <p:cNvPr id="5" name="Nadpis 4">
+            <a:extLst>
+              <a:ext uri="{FF2B5EF4-FFF2-40B4-BE49-F238E27FC236}">
+                <a16:creationId xmlns:a16="http://schemas.microsoft.com/office/drawing/2014/main" id="{A882DE56-D41D-B128-4F4E-209397AD89E6}"/>
+              </a:ext>
+            </a:extLst>
+          </p:cNvPr>
+          <p:cNvSpPr>
+            <a:spLocks noGrp="1"/>
+          </p:cNvSpPr>
+          <p:nvPr>
+            <p:ph type="title"/>
+          </p:nvPr>
+        </p:nvSpPr>
+        <p:spPr/>
+        <p:txBody>
+          <a:bodyPr/>
+          <a:lstStyle/>
+          <a:p>
+            <a:r>
+              <a:rPr lang="cs-CZ" dirty="0"/>
+              <a:t>Motivace</a:t>
             </a:r>
           </a:p>
         </p:txBody>
@@ -9024,7 +12041,3819 @@
     </p:spTree>
     <p:extLst>
       <p:ext uri="{BB962C8B-B14F-4D97-AF65-F5344CB8AC3E}">
-        <p14:creationId xmlns:p14="http://schemas.microsoft.com/office/powerpoint/2010/main" val="2738312100"/>
+        <p14:creationId xmlns:p14="http://schemas.microsoft.com/office/powerpoint/2010/main" val="1589868127"/>
+      </p:ext>
+    </p:extLst>
+  </p:cSld>
+  <p:clrMapOvr>
+    <a:masterClrMapping/>
+  </p:clrMapOvr>
+</p:sld>
+</file>
+
+<file path=ppt/slides/slide4.xml><?xml version="1.0" encoding="utf-8"?>
+<p:sld xmlns:a="http://schemas.openxmlformats.org/drawingml/2006/main" xmlns:r="http://schemas.openxmlformats.org/officeDocument/2006/relationships" xmlns:p="http://schemas.openxmlformats.org/presentationml/2006/main">
+  <p:cSld>
+    <p:spTree>
+      <p:nvGrpSpPr>
+        <p:cNvPr id="1" name=""/>
+        <p:cNvGrpSpPr/>
+        <p:nvPr/>
+      </p:nvGrpSpPr>
+      <p:grpSpPr>
+        <a:xfrm>
+          <a:off x="0" y="0"/>
+          <a:ext cx="0" cy="0"/>
+          <a:chOff x="0" y="0"/>
+          <a:chExt cx="0" cy="0"/>
+        </a:xfrm>
+      </p:grpSpPr>
+      <mc:AlternateContent xmlns:mc="http://schemas.openxmlformats.org/markup-compatibility/2006">
+        <mc:Choice xmlns:a14="http://schemas.microsoft.com/office/drawing/2010/main" Requires="a14">
+          <p:sp>
+            <p:nvSpPr>
+              <p:cNvPr id="2" name="Zástupný obsah 1">
+                <a:extLst>
+                  <a:ext uri="{FF2B5EF4-FFF2-40B4-BE49-F238E27FC236}">
+                    <a16:creationId xmlns:a16="http://schemas.microsoft.com/office/drawing/2014/main" id="{2A065FEB-E83F-28F6-DA8C-1805DAA9ABEE}"/>
+                  </a:ext>
+                </a:extLst>
+              </p:cNvPr>
+              <p:cNvSpPr>
+                <a:spLocks noGrp="1"/>
+              </p:cNvSpPr>
+              <p:nvPr>
+                <p:ph idx="1"/>
+              </p:nvPr>
+            </p:nvSpPr>
+            <p:spPr>
+              <a:xfrm>
+                <a:off x="431808" y="725446"/>
+                <a:ext cx="11521017" cy="5407108"/>
+              </a:xfrm>
+            </p:spPr>
+            <p:txBody>
+              <a:bodyPr/>
+              <a:lstStyle/>
+              <a:p>
+                <a:r>
+                  <a:rPr lang="cs-CZ" dirty="0"/>
+                  <a:t>CRC kód (</a:t>
+                </a:r>
+                <a:r>
+                  <a:rPr lang="cs-CZ" b="1" dirty="0"/>
+                  <a:t>n</a:t>
+                </a:r>
+                <a:r>
+                  <a:rPr lang="cs-CZ" dirty="0"/>
+                  <a:t>, </a:t>
+                </a:r>
+                <a:r>
+                  <a:rPr lang="cs-CZ" b="1" dirty="0"/>
+                  <a:t>k</a:t>
+                </a:r>
+                <a:r>
+                  <a:rPr lang="cs-CZ" dirty="0"/>
+                  <a:t>)</a:t>
+                </a:r>
+              </a:p>
+              <a:p>
+                <a:pPr lvl="1"/>
+                <a:r>
+                  <a:rPr lang="cs-CZ" b="1" dirty="0"/>
+                  <a:t>n</a:t>
+                </a:r>
+                <a:r>
+                  <a:rPr lang="cs-CZ" dirty="0"/>
+                  <a:t> – délka celého kódového slova</a:t>
+                </a:r>
+              </a:p>
+              <a:p>
+                <a:pPr lvl="1"/>
+                <a:r>
+                  <a:rPr lang="cs-CZ" b="1" dirty="0"/>
+                  <a:t>k</a:t>
+                </a:r>
+                <a:r>
+                  <a:rPr lang="cs-CZ" dirty="0"/>
+                  <a:t> – délka kódové informace</a:t>
+                </a:r>
+                <a:endParaRPr lang="cs-CZ" b="1" dirty="0"/>
+              </a:p>
+              <a:p>
+                <a:pPr lvl="1"/>
+                <a:r>
+                  <a:rPr lang="cs-CZ" dirty="0"/>
+                  <a:t>vytvořen polynomem </a:t>
+                </a:r>
+                <a14:m>
+                  <m:oMath xmlns:m="http://schemas.openxmlformats.org/officeDocument/2006/math">
+                    <m:r>
+                      <a:rPr lang="cs-CZ" b="0" i="1" smtClean="0">
+                        <a:latin typeface="Cambria Math" panose="02040503050406030204" pitchFamily="18" charset="0"/>
+                      </a:rPr>
+                      <m:t>𝑔</m:t>
+                    </m:r>
+                    <m:r>
+                      <a:rPr lang="cs-CZ" b="0" i="1" smtClean="0">
+                        <a:latin typeface="Cambria Math" panose="02040503050406030204" pitchFamily="18" charset="0"/>
+                      </a:rPr>
+                      <m:t>(</m:t>
+                    </m:r>
+                    <m:r>
+                      <a:rPr lang="cs-CZ" b="0" i="1" smtClean="0">
+                        <a:latin typeface="Cambria Math" panose="02040503050406030204" pitchFamily="18" charset="0"/>
+                      </a:rPr>
+                      <m:t>𝑥</m:t>
+                    </m:r>
+                    <m:r>
+                      <a:rPr lang="cs-CZ" b="0" i="1" smtClean="0">
+                        <a:latin typeface="Cambria Math" panose="02040503050406030204" pitchFamily="18" charset="0"/>
+                      </a:rPr>
+                      <m:t>)</m:t>
+                    </m:r>
+                  </m:oMath>
+                </a14:m>
+                <a:r>
+                  <a:rPr lang="cs-CZ" dirty="0"/>
+                  <a:t> stupně </a:t>
+                </a:r>
+                <a14:m>
+                  <m:oMath xmlns:m="http://schemas.openxmlformats.org/officeDocument/2006/math">
+                    <m:r>
+                      <a:rPr lang="cs-CZ" b="0" i="1" smtClean="0">
+                        <a:latin typeface="Cambria Math" panose="02040503050406030204" pitchFamily="18" charset="0"/>
+                      </a:rPr>
+                      <m:t>𝑛</m:t>
+                    </m:r>
+                    <m:r>
+                      <a:rPr lang="cs-CZ" b="0" i="1" smtClean="0">
+                        <a:latin typeface="Cambria Math" panose="02040503050406030204" pitchFamily="18" charset="0"/>
+                      </a:rPr>
+                      <m:t>−</m:t>
+                    </m:r>
+                    <m:r>
+                      <a:rPr lang="cs-CZ" b="0" i="1" smtClean="0">
+                        <a:latin typeface="Cambria Math" panose="02040503050406030204" pitchFamily="18" charset="0"/>
+                      </a:rPr>
+                      <m:t>𝑘</m:t>
+                    </m:r>
+                  </m:oMath>
+                </a14:m>
+                <a:endParaRPr lang="cs-CZ" b="1" dirty="0"/>
+              </a:p>
+              <a:p>
+                <a:r>
+                  <a:rPr lang="cs-CZ" dirty="0"/>
+                  <a:t>Úspěšnost detekce chyb závisí na zvoleném polynomu </a:t>
+                </a:r>
+                <a14:m>
+                  <m:oMath xmlns:m="http://schemas.openxmlformats.org/officeDocument/2006/math">
+                    <m:r>
+                      <a:rPr lang="cs-CZ" b="0" i="1" smtClean="0">
+                        <a:latin typeface="Cambria Math" panose="02040503050406030204" pitchFamily="18" charset="0"/>
+                      </a:rPr>
+                      <m:t>𝑔</m:t>
+                    </m:r>
+                    <m:r>
+                      <a:rPr lang="cs-CZ" b="0" i="1" smtClean="0">
+                        <a:latin typeface="Cambria Math" panose="02040503050406030204" pitchFamily="18" charset="0"/>
+                      </a:rPr>
+                      <m:t>(</m:t>
+                    </m:r>
+                    <m:r>
+                      <a:rPr lang="cs-CZ" b="0" i="1" smtClean="0">
+                        <a:latin typeface="Cambria Math" panose="02040503050406030204" pitchFamily="18" charset="0"/>
+                      </a:rPr>
+                      <m:t>𝑥</m:t>
+                    </m:r>
+                    <m:r>
+                      <a:rPr lang="cs-CZ" b="0" i="1" smtClean="0">
+                        <a:latin typeface="Cambria Math" panose="02040503050406030204" pitchFamily="18" charset="0"/>
+                      </a:rPr>
+                      <m:t>)</m:t>
+                    </m:r>
+                  </m:oMath>
+                </a14:m>
+                <a:r>
+                  <a:rPr lang="cs-CZ" dirty="0"/>
+                  <a:t>.</a:t>
+                </a:r>
+              </a:p>
+              <a:p>
+                <a14:m>
+                  <m:oMath xmlns:m="http://schemas.openxmlformats.org/officeDocument/2006/math">
+                    <m:sSub>
+                      <m:sSubPr>
+                        <m:ctrlPr>
+                          <a:rPr lang="cs-CZ" b="0" i="1" smtClean="0">
+                            <a:latin typeface="Cambria Math" panose="02040503050406030204" pitchFamily="18" charset="0"/>
+                          </a:rPr>
+                        </m:ctrlPr>
+                      </m:sSubPr>
+                      <m:e>
+                        <m:r>
+                          <a:rPr lang="cs-CZ" b="0" i="1" smtClean="0">
+                            <a:latin typeface="Cambria Math" panose="02040503050406030204" pitchFamily="18" charset="0"/>
+                          </a:rPr>
+                          <m:t>𝑏</m:t>
+                        </m:r>
+                      </m:e>
+                      <m:sub>
+                        <m:r>
+                          <a:rPr lang="cs-CZ" b="0" i="1" smtClean="0">
+                            <a:latin typeface="Cambria Math" panose="02040503050406030204" pitchFamily="18" charset="0"/>
+                          </a:rPr>
+                          <m:t>𝑖</m:t>
+                        </m:r>
+                      </m:sub>
+                    </m:sSub>
+                    <m:sSub>
+                      <m:sSubPr>
+                        <m:ctrlPr>
+                          <a:rPr lang="cs-CZ" b="0" i="1" smtClean="0">
+                            <a:latin typeface="Cambria Math" panose="02040503050406030204" pitchFamily="18" charset="0"/>
+                          </a:rPr>
+                        </m:ctrlPr>
+                      </m:sSubPr>
+                      <m:e>
+                        <m:r>
+                          <a:rPr lang="cs-CZ" b="0" i="1" smtClean="0">
+                            <a:latin typeface="Cambria Math" panose="02040503050406030204" pitchFamily="18" charset="0"/>
+                          </a:rPr>
+                          <m:t>𝑏</m:t>
+                        </m:r>
+                      </m:e>
+                      <m:sub>
+                        <m:r>
+                          <a:rPr lang="cs-CZ" b="0" i="1" smtClean="0">
+                            <a:latin typeface="Cambria Math" panose="02040503050406030204" pitchFamily="18" charset="0"/>
+                          </a:rPr>
+                          <m:t>𝑖</m:t>
+                        </m:r>
+                        <m:r>
+                          <a:rPr lang="cs-CZ" b="0" i="1" smtClean="0">
+                            <a:latin typeface="Cambria Math" panose="02040503050406030204" pitchFamily="18" charset="0"/>
+                          </a:rPr>
+                          <m:t>−1</m:t>
+                        </m:r>
+                      </m:sub>
+                    </m:sSub>
+                    <m:r>
+                      <a:rPr lang="cs-CZ" b="0" i="1" smtClean="0">
+                        <a:latin typeface="Cambria Math" panose="02040503050406030204" pitchFamily="18" charset="0"/>
+                      </a:rPr>
+                      <m:t>…</m:t>
+                    </m:r>
+                    <m:sSub>
+                      <m:sSubPr>
+                        <m:ctrlPr>
+                          <a:rPr lang="cs-CZ" b="0" i="1" smtClean="0">
+                            <a:latin typeface="Cambria Math" panose="02040503050406030204" pitchFamily="18" charset="0"/>
+                          </a:rPr>
+                        </m:ctrlPr>
+                      </m:sSubPr>
+                      <m:e>
+                        <m:r>
+                          <a:rPr lang="cs-CZ" b="0" i="1" smtClean="0">
+                            <a:latin typeface="Cambria Math" panose="02040503050406030204" pitchFamily="18" charset="0"/>
+                          </a:rPr>
+                          <m:t>𝑏</m:t>
+                        </m:r>
+                      </m:e>
+                      <m:sub>
+                        <m:r>
+                          <a:rPr lang="cs-CZ" b="0" i="1" smtClean="0">
+                            <a:latin typeface="Cambria Math" panose="02040503050406030204" pitchFamily="18" charset="0"/>
+                          </a:rPr>
+                          <m:t>1</m:t>
+                        </m:r>
+                      </m:sub>
+                    </m:sSub>
+                    <m:sSub>
+                      <m:sSubPr>
+                        <m:ctrlPr>
+                          <a:rPr lang="cs-CZ" b="0" i="1" smtClean="0">
+                            <a:latin typeface="Cambria Math" panose="02040503050406030204" pitchFamily="18" charset="0"/>
+                          </a:rPr>
+                        </m:ctrlPr>
+                      </m:sSubPr>
+                      <m:e>
+                        <m:r>
+                          <a:rPr lang="cs-CZ" b="0" i="1" smtClean="0">
+                            <a:latin typeface="Cambria Math" panose="02040503050406030204" pitchFamily="18" charset="0"/>
+                          </a:rPr>
+                          <m:t>𝑏</m:t>
+                        </m:r>
+                      </m:e>
+                      <m:sub>
+                        <m:r>
+                          <a:rPr lang="cs-CZ" b="0" i="1" smtClean="0">
+                            <a:latin typeface="Cambria Math" panose="02040503050406030204" pitchFamily="18" charset="0"/>
+                          </a:rPr>
+                          <m:t>0</m:t>
+                        </m:r>
+                      </m:sub>
+                    </m:sSub>
+                  </m:oMath>
+                </a14:m>
+                <a:r>
+                  <a:rPr lang="cs-CZ" dirty="0"/>
+                  <a:t> je ekvivalentní polynomu: </a:t>
+                </a:r>
+                <a14:m>
+                  <m:oMath xmlns:m="http://schemas.openxmlformats.org/officeDocument/2006/math">
+                    <m:sSub>
+                      <m:sSubPr>
+                        <m:ctrlPr>
+                          <a:rPr lang="cs-CZ" b="0" i="1" smtClean="0">
+                            <a:latin typeface="Cambria Math" panose="02040503050406030204" pitchFamily="18" charset="0"/>
+                          </a:rPr>
+                        </m:ctrlPr>
+                      </m:sSubPr>
+                      <m:e>
+                        <m:r>
+                          <a:rPr lang="cs-CZ" b="0" i="1" smtClean="0">
+                            <a:latin typeface="Cambria Math" panose="02040503050406030204" pitchFamily="18" charset="0"/>
+                          </a:rPr>
+                          <m:t>𝑏</m:t>
+                        </m:r>
+                      </m:e>
+                      <m:sub>
+                        <m:r>
+                          <a:rPr lang="cs-CZ" b="0" i="1" smtClean="0">
+                            <a:latin typeface="Cambria Math" panose="02040503050406030204" pitchFamily="18" charset="0"/>
+                          </a:rPr>
+                          <m:t>𝑖</m:t>
+                        </m:r>
+                      </m:sub>
+                    </m:sSub>
+                    <m:sSup>
+                      <m:sSupPr>
+                        <m:ctrlPr>
+                          <a:rPr lang="cs-CZ" b="0" i="1" smtClean="0">
+                            <a:latin typeface="Cambria Math" panose="02040503050406030204" pitchFamily="18" charset="0"/>
+                          </a:rPr>
+                        </m:ctrlPr>
+                      </m:sSupPr>
+                      <m:e>
+                        <m:r>
+                          <a:rPr lang="cs-CZ" b="0" i="1" smtClean="0">
+                            <a:latin typeface="Cambria Math" panose="02040503050406030204" pitchFamily="18" charset="0"/>
+                          </a:rPr>
+                          <m:t>𝑥</m:t>
+                        </m:r>
+                      </m:e>
+                      <m:sup>
+                        <m:r>
+                          <a:rPr lang="cs-CZ" b="0" i="1" smtClean="0">
+                            <a:latin typeface="Cambria Math" panose="02040503050406030204" pitchFamily="18" charset="0"/>
+                          </a:rPr>
+                          <m:t>𝑖</m:t>
+                        </m:r>
+                      </m:sup>
+                    </m:sSup>
+                    <m:r>
+                      <a:rPr lang="cs-CZ" b="0" i="1" smtClean="0">
+                        <a:latin typeface="Cambria Math" panose="02040503050406030204" pitchFamily="18" charset="0"/>
+                      </a:rPr>
+                      <m:t>+</m:t>
+                    </m:r>
+                    <m:sSub>
+                      <m:sSubPr>
+                        <m:ctrlPr>
+                          <a:rPr lang="cs-CZ" i="1">
+                            <a:latin typeface="Cambria Math" panose="02040503050406030204" pitchFamily="18" charset="0"/>
+                          </a:rPr>
+                        </m:ctrlPr>
+                      </m:sSubPr>
+                      <m:e>
+                        <m:r>
+                          <a:rPr lang="cs-CZ" i="1">
+                            <a:latin typeface="Cambria Math" panose="02040503050406030204" pitchFamily="18" charset="0"/>
+                          </a:rPr>
+                          <m:t>𝑏</m:t>
+                        </m:r>
+                      </m:e>
+                      <m:sub>
+                        <m:r>
+                          <a:rPr lang="cs-CZ" i="1">
+                            <a:latin typeface="Cambria Math" panose="02040503050406030204" pitchFamily="18" charset="0"/>
+                          </a:rPr>
+                          <m:t>𝑖</m:t>
+                        </m:r>
+                        <m:r>
+                          <a:rPr lang="cs-CZ" b="0" i="1" smtClean="0">
+                            <a:latin typeface="Cambria Math" panose="02040503050406030204" pitchFamily="18" charset="0"/>
+                          </a:rPr>
+                          <m:t>−1</m:t>
+                        </m:r>
+                      </m:sub>
+                    </m:sSub>
+                    <m:sSup>
+                      <m:sSupPr>
+                        <m:ctrlPr>
+                          <a:rPr lang="cs-CZ" i="1">
+                            <a:latin typeface="Cambria Math" panose="02040503050406030204" pitchFamily="18" charset="0"/>
+                          </a:rPr>
+                        </m:ctrlPr>
+                      </m:sSupPr>
+                      <m:e>
+                        <m:r>
+                          <a:rPr lang="cs-CZ" i="1">
+                            <a:latin typeface="Cambria Math" panose="02040503050406030204" pitchFamily="18" charset="0"/>
+                          </a:rPr>
+                          <m:t>𝑥</m:t>
+                        </m:r>
+                      </m:e>
+                      <m:sup>
+                        <m:r>
+                          <a:rPr lang="cs-CZ" i="1">
+                            <a:latin typeface="Cambria Math" panose="02040503050406030204" pitchFamily="18" charset="0"/>
+                          </a:rPr>
+                          <m:t>𝑖</m:t>
+                        </m:r>
+                        <m:r>
+                          <a:rPr lang="cs-CZ" b="0" i="1" smtClean="0">
+                            <a:latin typeface="Cambria Math" panose="02040503050406030204" pitchFamily="18" charset="0"/>
+                          </a:rPr>
+                          <m:t>−1</m:t>
+                        </m:r>
+                      </m:sup>
+                    </m:sSup>
+                    <m:r>
+                      <a:rPr lang="cs-CZ" b="0" i="1" smtClean="0">
+                        <a:latin typeface="Cambria Math" panose="02040503050406030204" pitchFamily="18" charset="0"/>
+                      </a:rPr>
+                      <m:t>+⋯+</m:t>
+                    </m:r>
+                    <m:sSub>
+                      <m:sSubPr>
+                        <m:ctrlPr>
+                          <a:rPr lang="cs-CZ" b="0" i="1" smtClean="0">
+                            <a:latin typeface="Cambria Math" panose="02040503050406030204" pitchFamily="18" charset="0"/>
+                          </a:rPr>
+                        </m:ctrlPr>
+                      </m:sSubPr>
+                      <m:e>
+                        <m:r>
+                          <a:rPr lang="cs-CZ" b="0" i="1" smtClean="0">
+                            <a:latin typeface="Cambria Math" panose="02040503050406030204" pitchFamily="18" charset="0"/>
+                          </a:rPr>
+                          <m:t>𝑏</m:t>
+                        </m:r>
+                      </m:e>
+                      <m:sub>
+                        <m:r>
+                          <a:rPr lang="cs-CZ" b="0" i="1" smtClean="0">
+                            <a:latin typeface="Cambria Math" panose="02040503050406030204" pitchFamily="18" charset="0"/>
+                          </a:rPr>
+                          <m:t>1</m:t>
+                        </m:r>
+                      </m:sub>
+                    </m:sSub>
+                    <m:r>
+                      <a:rPr lang="cs-CZ" b="0" i="1" smtClean="0">
+                        <a:latin typeface="Cambria Math" panose="02040503050406030204" pitchFamily="18" charset="0"/>
+                      </a:rPr>
+                      <m:t>𝑥</m:t>
+                    </m:r>
+                    <m:r>
+                      <a:rPr lang="cs-CZ" b="0" i="1" smtClean="0">
+                        <a:latin typeface="Cambria Math" panose="02040503050406030204" pitchFamily="18" charset="0"/>
+                      </a:rPr>
+                      <m:t>+</m:t>
+                    </m:r>
+                    <m:sSub>
+                      <m:sSubPr>
+                        <m:ctrlPr>
+                          <a:rPr lang="cs-CZ" b="0" i="1" smtClean="0">
+                            <a:latin typeface="Cambria Math" panose="02040503050406030204" pitchFamily="18" charset="0"/>
+                          </a:rPr>
+                        </m:ctrlPr>
+                      </m:sSubPr>
+                      <m:e>
+                        <m:r>
+                          <a:rPr lang="cs-CZ" b="0" i="1" smtClean="0">
+                            <a:latin typeface="Cambria Math" panose="02040503050406030204" pitchFamily="18" charset="0"/>
+                          </a:rPr>
+                          <m:t>𝑏</m:t>
+                        </m:r>
+                      </m:e>
+                      <m:sub>
+                        <m:r>
+                          <a:rPr lang="cs-CZ" b="0" i="1" smtClean="0">
+                            <a:latin typeface="Cambria Math" panose="02040503050406030204" pitchFamily="18" charset="0"/>
+                          </a:rPr>
+                          <m:t>0</m:t>
+                        </m:r>
+                      </m:sub>
+                    </m:sSub>
+                  </m:oMath>
+                </a14:m>
+                <a:endParaRPr lang="cs-CZ" b="1" dirty="0"/>
+              </a:p>
+              <a:p>
+                <a:r>
+                  <a:rPr lang="cs-CZ" dirty="0"/>
+                  <a:t>Kódové slovo </a:t>
+                </a:r>
+                <a:r>
+                  <a:rPr lang="cs-CZ" b="1" dirty="0"/>
+                  <a:t>c </a:t>
+                </a:r>
+                <a:r>
+                  <a:rPr lang="cs-CZ" dirty="0"/>
+                  <a:t>se skládá ze dvou částí </a:t>
+                </a:r>
+                <a:r>
+                  <a:rPr lang="cs-CZ" b="1" dirty="0"/>
+                  <a:t>c = [m, r]</a:t>
+                </a:r>
+              </a:p>
+              <a:p>
+                <a:pPr lvl="1"/>
+                <a:r>
+                  <a:rPr lang="cs-CZ" b="1" dirty="0"/>
+                  <a:t>m</a:t>
+                </a:r>
+                <a:r>
+                  <a:rPr lang="cs-CZ" dirty="0"/>
+                  <a:t> – původní zpráva s ekvivalentním polynomem </a:t>
+                </a:r>
+                <a14:m>
+                  <m:oMath xmlns:m="http://schemas.openxmlformats.org/officeDocument/2006/math">
+                    <m:r>
+                      <a:rPr lang="cs-CZ" b="0" i="1" smtClean="0">
+                        <a:latin typeface="Cambria Math" panose="02040503050406030204" pitchFamily="18" charset="0"/>
+                      </a:rPr>
+                      <m:t>𝑀</m:t>
+                    </m:r>
+                    <m:r>
+                      <a:rPr lang="cs-CZ" b="0" i="1" smtClean="0">
+                        <a:latin typeface="Cambria Math" panose="02040503050406030204" pitchFamily="18" charset="0"/>
+                      </a:rPr>
+                      <m:t>(</m:t>
+                    </m:r>
+                    <m:r>
+                      <a:rPr lang="cs-CZ" b="0" i="1" smtClean="0">
+                        <a:latin typeface="Cambria Math" panose="02040503050406030204" pitchFamily="18" charset="0"/>
+                      </a:rPr>
+                      <m:t>𝑥</m:t>
+                    </m:r>
+                    <m:r>
+                      <a:rPr lang="cs-CZ" b="0" i="1" smtClean="0">
+                        <a:latin typeface="Cambria Math" panose="02040503050406030204" pitchFamily="18" charset="0"/>
+                      </a:rPr>
+                      <m:t>)</m:t>
+                    </m:r>
+                  </m:oMath>
+                </a14:m>
+                <a:r>
+                  <a:rPr lang="cs-CZ" dirty="0"/>
+                  <a:t>.</a:t>
+                </a:r>
+              </a:p>
+              <a:p>
+                <a:pPr lvl="1"/>
+                <a:r>
+                  <a:rPr lang="cs-CZ" b="1" dirty="0"/>
+                  <a:t>r</a:t>
+                </a:r>
+                <a:r>
+                  <a:rPr lang="cs-CZ" dirty="0"/>
+                  <a:t> – zbytek po dělení  </a:t>
+                </a:r>
+                <a14:m>
+                  <m:oMath xmlns:m="http://schemas.openxmlformats.org/officeDocument/2006/math">
+                    <m:f>
+                      <m:fPr>
+                        <m:ctrlPr>
+                          <a:rPr lang="cs-CZ" i="1" smtClean="0">
+                            <a:latin typeface="Cambria Math" panose="02040503050406030204" pitchFamily="18" charset="0"/>
+                          </a:rPr>
+                        </m:ctrlPr>
+                      </m:fPr>
+                      <m:num>
+                        <m:r>
+                          <a:rPr lang="cs-CZ" b="0" i="1" smtClean="0">
+                            <a:latin typeface="Cambria Math" panose="02040503050406030204" pitchFamily="18" charset="0"/>
+                          </a:rPr>
+                          <m:t>𝑀</m:t>
+                        </m:r>
+                        <m:d>
+                          <m:dPr>
+                            <m:ctrlPr>
+                              <a:rPr lang="cs-CZ" b="0" i="1" smtClean="0">
+                                <a:latin typeface="Cambria Math" panose="02040503050406030204" pitchFamily="18" charset="0"/>
+                              </a:rPr>
+                            </m:ctrlPr>
+                          </m:dPr>
+                          <m:e>
+                            <m:r>
+                              <a:rPr lang="cs-CZ" b="0" i="1" smtClean="0">
+                                <a:latin typeface="Cambria Math" panose="02040503050406030204" pitchFamily="18" charset="0"/>
+                              </a:rPr>
+                              <m:t>𝑥</m:t>
+                            </m:r>
+                          </m:e>
+                        </m:d>
+                        <m:r>
+                          <a:rPr lang="cs-CZ" b="0" i="1" smtClean="0">
+                            <a:latin typeface="Cambria Math" panose="02040503050406030204" pitchFamily="18" charset="0"/>
+                          </a:rPr>
+                          <m:t>⋅</m:t>
+                        </m:r>
+                        <m:sSup>
+                          <m:sSupPr>
+                            <m:ctrlPr>
+                              <a:rPr lang="cs-CZ" b="0" i="1" smtClean="0">
+                                <a:latin typeface="Cambria Math" panose="02040503050406030204" pitchFamily="18" charset="0"/>
+                              </a:rPr>
+                            </m:ctrlPr>
+                          </m:sSupPr>
+                          <m:e>
+                            <m:r>
+                              <a:rPr lang="cs-CZ" b="0" i="1" smtClean="0">
+                                <a:latin typeface="Cambria Math" panose="02040503050406030204" pitchFamily="18" charset="0"/>
+                              </a:rPr>
+                              <m:t>𝑥</m:t>
+                            </m:r>
+                          </m:e>
+                          <m:sup>
+                            <m:r>
+                              <a:rPr lang="cs-CZ" b="0" i="1" smtClean="0">
+                                <a:latin typeface="Cambria Math" panose="02040503050406030204" pitchFamily="18" charset="0"/>
+                              </a:rPr>
+                              <m:t>𝑛</m:t>
+                            </m:r>
+                            <m:r>
+                              <a:rPr lang="cs-CZ" b="0" i="1" smtClean="0">
+                                <a:latin typeface="Cambria Math" panose="02040503050406030204" pitchFamily="18" charset="0"/>
+                              </a:rPr>
+                              <m:t>−</m:t>
+                            </m:r>
+                            <m:r>
+                              <a:rPr lang="cs-CZ" b="0" i="1" smtClean="0">
+                                <a:latin typeface="Cambria Math" panose="02040503050406030204" pitchFamily="18" charset="0"/>
+                              </a:rPr>
+                              <m:t>𝑘</m:t>
+                            </m:r>
+                          </m:sup>
+                        </m:sSup>
+                      </m:num>
+                      <m:den>
+                        <m:r>
+                          <a:rPr lang="cs-CZ" b="0" i="1" smtClean="0">
+                            <a:latin typeface="Cambria Math" panose="02040503050406030204" pitchFamily="18" charset="0"/>
+                          </a:rPr>
+                          <m:t>𝑔</m:t>
+                        </m:r>
+                        <m:r>
+                          <a:rPr lang="cs-CZ" b="0" i="1" smtClean="0">
+                            <a:latin typeface="Cambria Math" panose="02040503050406030204" pitchFamily="18" charset="0"/>
+                          </a:rPr>
+                          <m:t>(</m:t>
+                        </m:r>
+                        <m:r>
+                          <a:rPr lang="cs-CZ" b="0" i="1" smtClean="0">
+                            <a:latin typeface="Cambria Math" panose="02040503050406030204" pitchFamily="18" charset="0"/>
+                          </a:rPr>
+                          <m:t>𝑥</m:t>
+                        </m:r>
+                        <m:r>
+                          <a:rPr lang="cs-CZ" b="0" i="1" smtClean="0">
+                            <a:latin typeface="Cambria Math" panose="02040503050406030204" pitchFamily="18" charset="0"/>
+                          </a:rPr>
+                          <m:t>)</m:t>
+                        </m:r>
+                      </m:den>
+                    </m:f>
+                  </m:oMath>
+                </a14:m>
+                <a:endParaRPr lang="cs-CZ" dirty="0"/>
+              </a:p>
+              <a:p>
+                <a:pPr lvl="1"/>
+                <a:r>
+                  <a:rPr lang="cs-CZ" b="1" dirty="0"/>
+                  <a:t>c</a:t>
+                </a:r>
+                <a:r>
+                  <a:rPr lang="cs-CZ" dirty="0"/>
+                  <a:t> – musí být dělitelné bezezbytku (jinak obsahuje chybu)</a:t>
+                </a:r>
+                <a:endParaRPr lang="cs-CZ" b="1" dirty="0"/>
+              </a:p>
+              <a:p>
+                <a:r>
+                  <a:rPr lang="cs-CZ" dirty="0"/>
+                  <a:t>Pro operace je použito </a:t>
+                </a:r>
+                <a:r>
+                  <a:rPr lang="cs-CZ" dirty="0" err="1"/>
+                  <a:t>Galoisovo</a:t>
+                </a:r>
+                <a:r>
+                  <a:rPr lang="cs-CZ" dirty="0"/>
+                  <a:t> pole GF</a:t>
+                </a:r>
+                <a:r>
+                  <a:rPr lang="cs-CZ" baseline="-25000" dirty="0"/>
+                  <a:t>2</a:t>
+                </a:r>
+                <a:r>
+                  <a:rPr lang="cs-CZ" dirty="0"/>
+                  <a:t>.</a:t>
+                </a:r>
+                <a:br>
+                  <a:rPr lang="cs-CZ" b="1" dirty="0"/>
+                </a:br>
+                <a:endParaRPr lang="cs-CZ" b="1" dirty="0"/>
+              </a:p>
+              <a:p>
+                <a:pPr lvl="1"/>
+                <a:endParaRPr lang="cs-CZ" dirty="0"/>
+              </a:p>
+            </p:txBody>
+          </p:sp>
+        </mc:Choice>
+        <mc:Fallback>
+          <p:sp>
+            <p:nvSpPr>
+              <p:cNvPr id="2" name="Zástupný obsah 1">
+                <a:extLst>
+                  <a:ext uri="{FF2B5EF4-FFF2-40B4-BE49-F238E27FC236}">
+                    <a16:creationId xmlns:a16="http://schemas.microsoft.com/office/drawing/2014/main" id="{2A065FEB-E83F-28F6-DA8C-1805DAA9ABEE}"/>
+                  </a:ext>
+                </a:extLst>
+              </p:cNvPr>
+              <p:cNvSpPr>
+                <a:spLocks noGrp="1" noRot="1" noChangeAspect="1" noMove="1" noResize="1" noEditPoints="1" noAdjustHandles="1" noChangeArrowheads="1" noChangeShapeType="1" noTextEdit="1"/>
+              </p:cNvSpPr>
+              <p:nvPr>
+                <p:ph idx="1"/>
+              </p:nvPr>
+            </p:nvSpPr>
+            <p:spPr>
+              <a:xfrm>
+                <a:off x="431808" y="725446"/>
+                <a:ext cx="11521017" cy="5407108"/>
+              </a:xfrm>
+              <a:blipFill>
+                <a:blip r:embed="rId2"/>
+                <a:stretch>
+                  <a:fillRect l="-1217" t="-2029" b="-2818"/>
+                </a:stretch>
+              </a:blipFill>
+            </p:spPr>
+            <p:txBody>
+              <a:bodyPr/>
+              <a:lstStyle/>
+              <a:p>
+                <a:r>
+                  <a:rPr lang="cs-CZ">
+                    <a:noFill/>
+                  </a:rPr>
+                  <a:t> </a:t>
+                </a:r>
+              </a:p>
+            </p:txBody>
+          </p:sp>
+        </mc:Fallback>
+      </mc:AlternateContent>
+      <p:sp>
+        <p:nvSpPr>
+          <p:cNvPr id="3" name="Zástupný symbol pro zápatí 2">
+            <a:extLst>
+              <a:ext uri="{FF2B5EF4-FFF2-40B4-BE49-F238E27FC236}">
+                <a16:creationId xmlns:a16="http://schemas.microsoft.com/office/drawing/2014/main" id="{CBBCF578-A7AD-A406-3BCB-F08726117B64}"/>
+              </a:ext>
+            </a:extLst>
+          </p:cNvPr>
+          <p:cNvSpPr>
+            <a:spLocks noGrp="1"/>
+          </p:cNvSpPr>
+          <p:nvPr>
+            <p:ph type="ftr" sz="quarter" idx="10"/>
+          </p:nvPr>
+        </p:nvSpPr>
+        <p:spPr/>
+        <p:txBody>
+          <a:bodyPr/>
+          <a:lstStyle/>
+          <a:p>
+            <a:r>
+              <a:rPr lang="cs-CZ" b="1"/>
+              <a:t>Cyclic Redundancy Checks and Error Detection</a:t>
+            </a:r>
+            <a:endParaRPr lang="en-US" altLang="cs-CZ" dirty="0"/>
+          </a:p>
+        </p:txBody>
+      </p:sp>
+      <p:sp>
+        <p:nvSpPr>
+          <p:cNvPr id="4" name="Zástupný symbol pro číslo snímku 3">
+            <a:extLst>
+              <a:ext uri="{FF2B5EF4-FFF2-40B4-BE49-F238E27FC236}">
+                <a16:creationId xmlns:a16="http://schemas.microsoft.com/office/drawing/2014/main" id="{97B7A567-A2AC-6FE1-6B05-D6C8191F4995}"/>
+              </a:ext>
+            </a:extLst>
+          </p:cNvPr>
+          <p:cNvSpPr>
+            <a:spLocks noGrp="1"/>
+          </p:cNvSpPr>
+          <p:nvPr>
+            <p:ph type="sldNum" sz="quarter" idx="11"/>
+          </p:nvPr>
+        </p:nvSpPr>
+        <p:spPr/>
+        <p:txBody>
+          <a:bodyPr/>
+          <a:lstStyle/>
+          <a:p>
+            <a:fld id="{7C839148-7006-41C4-ABC2-D2A9F4595A63}" type="slidenum">
+              <a:rPr lang="en-US" altLang="cs-CZ" smtClean="0"/>
+              <a:pPr/>
+              <a:t>4</a:t>
+            </a:fld>
+            <a:r>
+              <a:rPr lang="en-US" altLang="cs-CZ" dirty="0"/>
+              <a:t>/</a:t>
+            </a:r>
+            <a:r>
+              <a:rPr lang="cs-CZ" altLang="cs-CZ" dirty="0"/>
+              <a:t>20</a:t>
+            </a:r>
+            <a:endParaRPr lang="en-US" altLang="cs-CZ" dirty="0"/>
+          </a:p>
+        </p:txBody>
+      </p:sp>
+      <p:sp>
+        <p:nvSpPr>
+          <p:cNvPr id="5" name="Nadpis 4">
+            <a:extLst>
+              <a:ext uri="{FF2B5EF4-FFF2-40B4-BE49-F238E27FC236}">
+                <a16:creationId xmlns:a16="http://schemas.microsoft.com/office/drawing/2014/main" id="{D7A62ECA-EC25-AF21-744C-49F452853242}"/>
+              </a:ext>
+            </a:extLst>
+          </p:cNvPr>
+          <p:cNvSpPr>
+            <a:spLocks noGrp="1"/>
+          </p:cNvSpPr>
+          <p:nvPr>
+            <p:ph type="title"/>
+          </p:nvPr>
+        </p:nvSpPr>
+        <p:spPr/>
+        <p:txBody>
+          <a:bodyPr/>
+          <a:lstStyle/>
+          <a:p>
+            <a:r>
+              <a:rPr lang="cs-CZ" dirty="0" err="1"/>
+              <a:t>Separovatelný</a:t>
+            </a:r>
+            <a:r>
+              <a:rPr lang="cs-CZ" dirty="0"/>
+              <a:t> CRC (</a:t>
+            </a:r>
+            <a:r>
+              <a:rPr lang="cs-CZ" dirty="0" err="1"/>
+              <a:t>Cyclic</a:t>
+            </a:r>
+            <a:r>
+              <a:rPr lang="cs-CZ" dirty="0"/>
+              <a:t> </a:t>
+            </a:r>
+            <a:r>
+              <a:rPr lang="cs-CZ" dirty="0" err="1"/>
+              <a:t>Redundancy</a:t>
+            </a:r>
+            <a:r>
+              <a:rPr lang="cs-CZ" dirty="0"/>
+              <a:t> </a:t>
+            </a:r>
+            <a:r>
+              <a:rPr lang="cs-CZ" dirty="0" err="1"/>
+              <a:t>Check</a:t>
+            </a:r>
+            <a:r>
+              <a:rPr lang="cs-CZ" dirty="0"/>
+              <a:t>)</a:t>
+            </a:r>
+          </a:p>
+        </p:txBody>
+      </p:sp>
+    </p:spTree>
+    <p:extLst>
+      <p:ext uri="{BB962C8B-B14F-4D97-AF65-F5344CB8AC3E}">
+        <p14:creationId xmlns:p14="http://schemas.microsoft.com/office/powerpoint/2010/main" val="2412686536"/>
+      </p:ext>
+    </p:extLst>
+  </p:cSld>
+  <p:clrMapOvr>
+    <a:masterClrMapping/>
+  </p:clrMapOvr>
+</p:sld>
+</file>
+
+<file path=ppt/slides/slide5.xml><?xml version="1.0" encoding="utf-8"?>
+<p:sld xmlns:a="http://schemas.openxmlformats.org/drawingml/2006/main" xmlns:r="http://schemas.openxmlformats.org/officeDocument/2006/relationships" xmlns:p="http://schemas.openxmlformats.org/presentationml/2006/main">
+  <p:cSld>
+    <p:spTree>
+      <p:nvGrpSpPr>
+        <p:cNvPr id="1" name=""/>
+        <p:cNvGrpSpPr/>
+        <p:nvPr/>
+      </p:nvGrpSpPr>
+      <p:grpSpPr>
+        <a:xfrm>
+          <a:off x="0" y="0"/>
+          <a:ext cx="0" cy="0"/>
+          <a:chOff x="0" y="0"/>
+          <a:chExt cx="0" cy="0"/>
+        </a:xfrm>
+      </p:grpSpPr>
+      <mc:AlternateContent xmlns:mc="http://schemas.openxmlformats.org/markup-compatibility/2006">
+        <mc:Choice xmlns:a14="http://schemas.microsoft.com/office/drawing/2010/main" Requires="a14">
+          <p:sp>
+            <p:nvSpPr>
+              <p:cNvPr id="2" name="Zástupný obsah 1">
+                <a:extLst>
+                  <a:ext uri="{FF2B5EF4-FFF2-40B4-BE49-F238E27FC236}">
+                    <a16:creationId xmlns:a16="http://schemas.microsoft.com/office/drawing/2014/main" id="{C574D14F-EBBF-2CCF-F79D-A65D6C17FF8C}"/>
+                  </a:ext>
+                </a:extLst>
+              </p:cNvPr>
+              <p:cNvSpPr>
+                <a:spLocks noGrp="1"/>
+              </p:cNvSpPr>
+              <p:nvPr>
+                <p:ph idx="1"/>
+              </p:nvPr>
+            </p:nvSpPr>
+            <p:spPr>
+              <a:xfrm>
+                <a:off x="431809" y="2193340"/>
+                <a:ext cx="11353791" cy="2471320"/>
+              </a:xfrm>
+            </p:spPr>
+            <p:txBody>
+              <a:bodyPr/>
+              <a:lstStyle/>
+              <a:p>
+                <a:pPr algn="just"/>
+                <a:r>
+                  <a:rPr lang="cs-CZ" dirty="0"/>
+                  <a:t>Obsahuje dva elementy {0,1}.</a:t>
+                </a:r>
+              </a:p>
+              <a:p>
+                <a:pPr algn="just"/>
+                <a:r>
+                  <a:rPr lang="cs-CZ" dirty="0"/>
+                  <a:t>Pro GF</a:t>
+                </a:r>
+                <a:r>
+                  <a:rPr lang="cs-CZ" baseline="-25000" dirty="0"/>
+                  <a:t>2</a:t>
+                </a:r>
+                <a:r>
+                  <a:rPr lang="cs-CZ" dirty="0"/>
+                  <a:t> platí: </a:t>
+                </a:r>
+                <a14:m>
+                  <m:oMath xmlns:m="http://schemas.openxmlformats.org/officeDocument/2006/math">
+                    <m:r>
+                      <a:rPr lang="cs-CZ" b="0" i="1" smtClean="0">
+                        <a:latin typeface="Cambria Math" panose="02040503050406030204" pitchFamily="18" charset="0"/>
+                      </a:rPr>
+                      <m:t>∀</m:t>
+                    </m:r>
+                    <m:r>
+                      <a:rPr lang="cs-CZ" b="0" i="1" smtClean="0">
+                        <a:latin typeface="Cambria Math" panose="02040503050406030204" pitchFamily="18" charset="0"/>
+                      </a:rPr>
+                      <m:t>𝑛</m:t>
+                    </m:r>
+                    <m:r>
+                      <a:rPr lang="cs-CZ" b="0" i="1" smtClean="0">
+                        <a:latin typeface="Cambria Math" panose="02040503050406030204" pitchFamily="18" charset="0"/>
+                      </a:rPr>
+                      <m:t>∈</m:t>
+                    </m:r>
+                    <m:r>
+                      <a:rPr lang="cs-CZ" b="0" i="1" smtClean="0">
+                        <a:latin typeface="Cambria Math" panose="02040503050406030204" pitchFamily="18" charset="0"/>
+                        <a:ea typeface="Cambria Math" panose="02040503050406030204" pitchFamily="18" charset="0"/>
+                      </a:rPr>
+                      <m:t>ℕ</m:t>
+                    </m:r>
+                    <m:r>
+                      <a:rPr lang="cs-CZ" b="0" i="1" smtClean="0">
+                        <a:latin typeface="Cambria Math" panose="02040503050406030204" pitchFamily="18" charset="0"/>
+                        <a:ea typeface="Cambria Math" panose="02040503050406030204" pitchFamily="18" charset="0"/>
+                      </a:rPr>
+                      <m:t>:</m:t>
+                    </m:r>
+                    <m:r>
+                      <a:rPr lang="cs-CZ" b="0" i="1" smtClean="0">
+                        <a:latin typeface="Cambria Math" panose="02040503050406030204" pitchFamily="18" charset="0"/>
+                        <a:ea typeface="Cambria Math" panose="02040503050406030204" pitchFamily="18" charset="0"/>
+                      </a:rPr>
+                      <m:t>𝑛</m:t>
+                    </m:r>
+                    <m:r>
+                      <a:rPr lang="cs-CZ" b="0" i="1" smtClean="0">
+                        <a:latin typeface="Cambria Math" panose="02040503050406030204" pitchFamily="18" charset="0"/>
+                        <a:ea typeface="Cambria Math" panose="02040503050406030204" pitchFamily="18" charset="0"/>
+                      </a:rPr>
+                      <m:t> % 2∈</m:t>
+                    </m:r>
+                    <m:r>
+                      <m:rPr>
+                        <m:nor/>
+                      </m:rPr>
+                      <a:rPr lang="cs-CZ" dirty="0"/>
+                      <m:t>GF</m:t>
+                    </m:r>
+                    <m:r>
+                      <m:rPr>
+                        <m:nor/>
+                      </m:rPr>
+                      <a:rPr lang="cs-CZ" baseline="-25000" dirty="0"/>
+                      <m:t>2</m:t>
+                    </m:r>
+                  </m:oMath>
+                </a14:m>
+                <a:r>
+                  <a:rPr lang="cs-CZ" dirty="0"/>
+                  <a:t>, kde % je operace modulo.</a:t>
+                </a:r>
+              </a:p>
+              <a:p>
+                <a:pPr algn="just"/>
+                <a:r>
+                  <a:rPr lang="cs-CZ" dirty="0"/>
+                  <a:t>Dělení polynomů lze provést pomocí posuvných registrů a hradel XOR.</a:t>
+                </a:r>
+              </a:p>
+              <a:p>
+                <a:pPr algn="just"/>
+                <a:r>
+                  <a:rPr lang="cs-CZ" dirty="0"/>
+                  <a:t>Primitivní generující polynomy, které jsou primitivními dosahují ne-lepších detekčních výsledků.</a:t>
+                </a:r>
+              </a:p>
+            </p:txBody>
+          </p:sp>
+        </mc:Choice>
+        <mc:Fallback>
+          <p:sp>
+            <p:nvSpPr>
+              <p:cNvPr id="2" name="Zástupný obsah 1">
+                <a:extLst>
+                  <a:ext uri="{FF2B5EF4-FFF2-40B4-BE49-F238E27FC236}">
+                    <a16:creationId xmlns:a16="http://schemas.microsoft.com/office/drawing/2014/main" id="{C574D14F-EBBF-2CCF-F79D-A65D6C17FF8C}"/>
+                  </a:ext>
+                </a:extLst>
+              </p:cNvPr>
+              <p:cNvSpPr>
+                <a:spLocks noGrp="1" noRot="1" noChangeAspect="1" noMove="1" noResize="1" noEditPoints="1" noAdjustHandles="1" noChangeArrowheads="1" noChangeShapeType="1" noTextEdit="1"/>
+              </p:cNvSpPr>
+              <p:nvPr>
+                <p:ph idx="1"/>
+              </p:nvPr>
+            </p:nvSpPr>
+            <p:spPr>
+              <a:xfrm>
+                <a:off x="431809" y="2193340"/>
+                <a:ext cx="11353791" cy="2471320"/>
+              </a:xfrm>
+              <a:blipFill>
+                <a:blip r:embed="rId2"/>
+                <a:stretch>
+                  <a:fillRect l="-1235" t="-4691" r="-967"/>
+                </a:stretch>
+              </a:blipFill>
+            </p:spPr>
+            <p:txBody>
+              <a:bodyPr/>
+              <a:lstStyle/>
+              <a:p>
+                <a:r>
+                  <a:rPr lang="cs-CZ">
+                    <a:noFill/>
+                  </a:rPr>
+                  <a:t> </a:t>
+                </a:r>
+              </a:p>
+            </p:txBody>
+          </p:sp>
+        </mc:Fallback>
+      </mc:AlternateContent>
+      <p:sp>
+        <p:nvSpPr>
+          <p:cNvPr id="3" name="Zástupný symbol pro zápatí 2">
+            <a:extLst>
+              <a:ext uri="{FF2B5EF4-FFF2-40B4-BE49-F238E27FC236}">
+                <a16:creationId xmlns:a16="http://schemas.microsoft.com/office/drawing/2014/main" id="{40EA85B0-49B6-6D3A-CD62-601A81669517}"/>
+              </a:ext>
+            </a:extLst>
+          </p:cNvPr>
+          <p:cNvSpPr>
+            <a:spLocks noGrp="1"/>
+          </p:cNvSpPr>
+          <p:nvPr>
+            <p:ph type="ftr" sz="quarter" idx="10"/>
+          </p:nvPr>
+        </p:nvSpPr>
+        <p:spPr/>
+        <p:txBody>
+          <a:bodyPr/>
+          <a:lstStyle/>
+          <a:p>
+            <a:r>
+              <a:rPr lang="cs-CZ" b="1"/>
+              <a:t>Cyclic Redundancy Checks and Error Detection</a:t>
+            </a:r>
+            <a:endParaRPr lang="en-US" altLang="cs-CZ" dirty="0"/>
+          </a:p>
+        </p:txBody>
+      </p:sp>
+      <p:sp>
+        <p:nvSpPr>
+          <p:cNvPr id="4" name="Zástupný symbol pro číslo snímku 3">
+            <a:extLst>
+              <a:ext uri="{FF2B5EF4-FFF2-40B4-BE49-F238E27FC236}">
+                <a16:creationId xmlns:a16="http://schemas.microsoft.com/office/drawing/2014/main" id="{9E01E12E-EF8D-B953-90CE-A0C1D3885FDE}"/>
+              </a:ext>
+            </a:extLst>
+          </p:cNvPr>
+          <p:cNvSpPr>
+            <a:spLocks noGrp="1"/>
+          </p:cNvSpPr>
+          <p:nvPr>
+            <p:ph type="sldNum" sz="quarter" idx="11"/>
+          </p:nvPr>
+        </p:nvSpPr>
+        <p:spPr/>
+        <p:txBody>
+          <a:bodyPr/>
+          <a:lstStyle/>
+          <a:p>
+            <a:fld id="{7C839148-7006-41C4-ABC2-D2A9F4595A63}" type="slidenum">
+              <a:rPr lang="en-US" altLang="cs-CZ" smtClean="0"/>
+              <a:pPr/>
+              <a:t>5</a:t>
+            </a:fld>
+            <a:r>
+              <a:rPr lang="en-US" altLang="cs-CZ" dirty="0"/>
+              <a:t>/</a:t>
+            </a:r>
+            <a:r>
+              <a:rPr lang="cs-CZ" altLang="cs-CZ" dirty="0"/>
+              <a:t>20</a:t>
+            </a:r>
+            <a:endParaRPr lang="en-US" altLang="cs-CZ" dirty="0"/>
+          </a:p>
+        </p:txBody>
+      </p:sp>
+      <p:sp>
+        <p:nvSpPr>
+          <p:cNvPr id="5" name="Nadpis 4">
+            <a:extLst>
+              <a:ext uri="{FF2B5EF4-FFF2-40B4-BE49-F238E27FC236}">
+                <a16:creationId xmlns:a16="http://schemas.microsoft.com/office/drawing/2014/main" id="{A9A02762-58A4-A69E-FE46-D874B36363AD}"/>
+              </a:ext>
+            </a:extLst>
+          </p:cNvPr>
+          <p:cNvSpPr>
+            <a:spLocks noGrp="1"/>
+          </p:cNvSpPr>
+          <p:nvPr>
+            <p:ph type="title"/>
+          </p:nvPr>
+        </p:nvSpPr>
+        <p:spPr/>
+        <p:txBody>
+          <a:bodyPr/>
+          <a:lstStyle/>
+          <a:p>
+            <a:r>
+              <a:rPr lang="cs-CZ" dirty="0" err="1"/>
+              <a:t>Galoisovo</a:t>
+            </a:r>
+            <a:r>
+              <a:rPr lang="cs-CZ" dirty="0"/>
+              <a:t> pole GF</a:t>
+            </a:r>
+            <a:r>
+              <a:rPr lang="cs-CZ" baseline="-25000" dirty="0"/>
+              <a:t>2</a:t>
+            </a:r>
+            <a:endParaRPr lang="cs-CZ" dirty="0"/>
+          </a:p>
+        </p:txBody>
+      </p:sp>
+    </p:spTree>
+    <p:extLst>
+      <p:ext uri="{BB962C8B-B14F-4D97-AF65-F5344CB8AC3E}">
+        <p14:creationId xmlns:p14="http://schemas.microsoft.com/office/powerpoint/2010/main" val="1355616634"/>
+      </p:ext>
+    </p:extLst>
+  </p:cSld>
+  <p:clrMapOvr>
+    <a:masterClrMapping/>
+  </p:clrMapOvr>
+</p:sld>
+</file>
+
+<file path=ppt/slides/slide6.xml><?xml version="1.0" encoding="utf-8"?>
+<p:sld xmlns:a="http://schemas.openxmlformats.org/drawingml/2006/main" xmlns:r="http://schemas.openxmlformats.org/officeDocument/2006/relationships" xmlns:p="http://schemas.openxmlformats.org/presentationml/2006/main">
+  <p:cSld>
+    <p:spTree>
+      <p:nvGrpSpPr>
+        <p:cNvPr id="1" name=""/>
+        <p:cNvGrpSpPr/>
+        <p:nvPr/>
+      </p:nvGrpSpPr>
+      <p:grpSpPr>
+        <a:xfrm>
+          <a:off x="0" y="0"/>
+          <a:ext cx="0" cy="0"/>
+          <a:chOff x="0" y="0"/>
+          <a:chExt cx="0" cy="0"/>
+        </a:xfrm>
+      </p:grpSpPr>
+      <p:sp>
+        <p:nvSpPr>
+          <p:cNvPr id="3" name="Zástupný symbol pro zápatí 2">
+            <a:extLst>
+              <a:ext uri="{FF2B5EF4-FFF2-40B4-BE49-F238E27FC236}">
+                <a16:creationId xmlns:a16="http://schemas.microsoft.com/office/drawing/2014/main" id="{3B2B0CB3-6CAF-54FB-BEC8-51CE02D9D55A}"/>
+              </a:ext>
+            </a:extLst>
+          </p:cNvPr>
+          <p:cNvSpPr>
+            <a:spLocks noGrp="1"/>
+          </p:cNvSpPr>
+          <p:nvPr>
+            <p:ph type="ftr" sz="quarter" idx="10"/>
+          </p:nvPr>
+        </p:nvSpPr>
+        <p:spPr/>
+        <p:txBody>
+          <a:bodyPr/>
+          <a:lstStyle/>
+          <a:p>
+            <a:r>
+              <a:rPr lang="cs-CZ" b="1"/>
+              <a:t>Cyclic Redundancy Checks and Error Detection</a:t>
+            </a:r>
+            <a:endParaRPr lang="en-US" altLang="cs-CZ" dirty="0"/>
+          </a:p>
+        </p:txBody>
+      </p:sp>
+      <p:sp>
+        <p:nvSpPr>
+          <p:cNvPr id="4" name="Zástupný symbol pro číslo snímku 3">
+            <a:extLst>
+              <a:ext uri="{FF2B5EF4-FFF2-40B4-BE49-F238E27FC236}">
+                <a16:creationId xmlns:a16="http://schemas.microsoft.com/office/drawing/2014/main" id="{E8399D5C-1647-C416-A02A-C026245A3045}"/>
+              </a:ext>
+            </a:extLst>
+          </p:cNvPr>
+          <p:cNvSpPr>
+            <a:spLocks noGrp="1"/>
+          </p:cNvSpPr>
+          <p:nvPr>
+            <p:ph type="sldNum" sz="quarter" idx="11"/>
+          </p:nvPr>
+        </p:nvSpPr>
+        <p:spPr/>
+        <p:txBody>
+          <a:bodyPr/>
+          <a:lstStyle/>
+          <a:p>
+            <a:fld id="{7C839148-7006-41C4-ABC2-D2A9F4595A63}" type="slidenum">
+              <a:rPr lang="en-US" altLang="cs-CZ" smtClean="0"/>
+              <a:pPr/>
+              <a:t>6</a:t>
+            </a:fld>
+            <a:r>
+              <a:rPr lang="en-US" altLang="cs-CZ" dirty="0"/>
+              <a:t>/</a:t>
+            </a:r>
+            <a:r>
+              <a:rPr lang="cs-CZ" altLang="cs-CZ" dirty="0"/>
+              <a:t>20</a:t>
+            </a:r>
+            <a:endParaRPr lang="en-US" altLang="cs-CZ" dirty="0"/>
+          </a:p>
+        </p:txBody>
+      </p:sp>
+      <p:sp>
+        <p:nvSpPr>
+          <p:cNvPr id="5" name="Nadpis 4">
+            <a:extLst>
+              <a:ext uri="{FF2B5EF4-FFF2-40B4-BE49-F238E27FC236}">
+                <a16:creationId xmlns:a16="http://schemas.microsoft.com/office/drawing/2014/main" id="{80CD2818-4345-06B8-B002-EFDF720C1AD0}"/>
+              </a:ext>
+            </a:extLst>
+          </p:cNvPr>
+          <p:cNvSpPr>
+            <a:spLocks noGrp="1"/>
+          </p:cNvSpPr>
+          <p:nvPr>
+            <p:ph type="title"/>
+          </p:nvPr>
+        </p:nvSpPr>
+        <p:spPr/>
+        <p:txBody>
+          <a:bodyPr/>
+          <a:lstStyle/>
+          <a:p>
+            <a:r>
+              <a:rPr lang="cs-CZ" dirty="0"/>
+              <a:t>Příklad </a:t>
+            </a:r>
+            <a:r>
+              <a:rPr lang="cs-CZ" dirty="0" err="1"/>
+              <a:t>separovatelného</a:t>
+            </a:r>
+            <a:r>
+              <a:rPr lang="cs-CZ" dirty="0"/>
+              <a:t> CRC (9,6)</a:t>
+            </a:r>
+          </a:p>
+        </p:txBody>
+      </p:sp>
+      <mc:AlternateContent xmlns:mc="http://schemas.openxmlformats.org/markup-compatibility/2006">
+        <mc:Choice xmlns:a14="http://schemas.microsoft.com/office/drawing/2010/main" Requires="a14">
+          <p:sp>
+            <p:nvSpPr>
+              <p:cNvPr id="8" name="Zástupný obsah 7">
+                <a:extLst>
+                  <a:ext uri="{FF2B5EF4-FFF2-40B4-BE49-F238E27FC236}">
+                    <a16:creationId xmlns:a16="http://schemas.microsoft.com/office/drawing/2014/main" id="{F636C76A-CE75-5BEE-A8F5-2247906CD69C}"/>
+                  </a:ext>
+                </a:extLst>
+              </p:cNvPr>
+              <p:cNvSpPr>
+                <a:spLocks noGrp="1"/>
+              </p:cNvSpPr>
+              <p:nvPr>
+                <p:ph idx="1"/>
+              </p:nvPr>
+            </p:nvSpPr>
+            <p:spPr>
+              <a:xfrm>
+                <a:off x="431809" y="1209757"/>
+                <a:ext cx="6654791" cy="4438483"/>
+              </a:xfrm>
+            </p:spPr>
+            <p:txBody>
+              <a:bodyPr/>
+              <a:lstStyle/>
+              <a:p>
+                <a:r>
+                  <a:rPr lang="cs-CZ" dirty="0"/>
+                  <a:t>Mějme zprávu m = </a:t>
+                </a:r>
+                <a:r>
+                  <a:rPr lang="cs-CZ" b="1" dirty="0"/>
+                  <a:t>100100</a:t>
+                </a:r>
+                <a:r>
+                  <a:rPr lang="cs-CZ" dirty="0"/>
+                  <a:t> s ekvivalent-ním polynomem </a:t>
+                </a:r>
+                <a14:m>
+                  <m:oMath xmlns:m="http://schemas.openxmlformats.org/officeDocument/2006/math">
+                    <m:r>
+                      <a:rPr lang="cs-CZ" b="0" i="1" smtClean="0">
+                        <a:latin typeface="Cambria Math" panose="02040503050406030204" pitchFamily="18" charset="0"/>
+                      </a:rPr>
+                      <m:t>𝑀</m:t>
+                    </m:r>
+                    <m:r>
+                      <a:rPr lang="cs-CZ" b="0" i="1" smtClean="0">
+                        <a:latin typeface="Cambria Math" panose="02040503050406030204" pitchFamily="18" charset="0"/>
+                      </a:rPr>
+                      <m:t>(</m:t>
+                    </m:r>
+                    <m:r>
+                      <a:rPr lang="cs-CZ" b="0" i="1" smtClean="0">
+                        <a:latin typeface="Cambria Math" panose="02040503050406030204" pitchFamily="18" charset="0"/>
+                      </a:rPr>
+                      <m:t>𝑥</m:t>
+                    </m:r>
+                    <m:r>
+                      <a:rPr lang="cs-CZ" b="0" i="1" smtClean="0">
+                        <a:latin typeface="Cambria Math" panose="02040503050406030204" pitchFamily="18" charset="0"/>
+                      </a:rPr>
+                      <m:t>)</m:t>
+                    </m:r>
+                  </m:oMath>
+                </a14:m>
+                <a:r>
+                  <a:rPr lang="cs-CZ" dirty="0"/>
+                  <a:t>.</a:t>
+                </a:r>
+              </a:p>
+              <a:p>
+                <a:r>
+                  <a:rPr lang="cs-CZ" dirty="0"/>
+                  <a:t>Generující polynom </a:t>
+                </a:r>
+                <a14:m>
+                  <m:oMath xmlns:m="http://schemas.openxmlformats.org/officeDocument/2006/math">
+                    <m:r>
+                      <a:rPr lang="cs-CZ" b="0" i="1" smtClean="0">
+                        <a:latin typeface="Cambria Math" panose="02040503050406030204" pitchFamily="18" charset="0"/>
+                      </a:rPr>
+                      <m:t>𝑔</m:t>
+                    </m:r>
+                    <m:d>
+                      <m:dPr>
+                        <m:ctrlPr>
+                          <a:rPr lang="cs-CZ" b="0" i="1" smtClean="0">
+                            <a:latin typeface="Cambria Math" panose="02040503050406030204" pitchFamily="18" charset="0"/>
+                          </a:rPr>
+                        </m:ctrlPr>
+                      </m:dPr>
+                      <m:e>
+                        <m:r>
+                          <a:rPr lang="cs-CZ" b="0" i="1" smtClean="0">
+                            <a:latin typeface="Cambria Math" panose="02040503050406030204" pitchFamily="18" charset="0"/>
+                          </a:rPr>
+                          <m:t>𝑥</m:t>
+                        </m:r>
+                      </m:e>
+                    </m:d>
+                    <m:r>
+                      <a:rPr lang="cs-CZ" b="0" i="1" smtClean="0">
+                        <a:latin typeface="Cambria Math" panose="02040503050406030204" pitchFamily="18" charset="0"/>
+                      </a:rPr>
+                      <m:t>=</m:t>
+                    </m:r>
+                    <m:sSup>
+                      <m:sSupPr>
+                        <m:ctrlPr>
+                          <a:rPr lang="cs-CZ" b="0" i="1" smtClean="0">
+                            <a:latin typeface="Cambria Math" panose="02040503050406030204" pitchFamily="18" charset="0"/>
+                          </a:rPr>
+                        </m:ctrlPr>
+                      </m:sSupPr>
+                      <m:e>
+                        <m:r>
+                          <a:rPr lang="cs-CZ" b="0" i="1" smtClean="0">
+                            <a:latin typeface="Cambria Math" panose="02040503050406030204" pitchFamily="18" charset="0"/>
+                          </a:rPr>
+                          <m:t>𝑥</m:t>
+                        </m:r>
+                      </m:e>
+                      <m:sup>
+                        <m:r>
+                          <a:rPr lang="cs-CZ" b="0" i="1" smtClean="0">
+                            <a:latin typeface="Cambria Math" panose="02040503050406030204" pitchFamily="18" charset="0"/>
+                          </a:rPr>
+                          <m:t>3</m:t>
+                        </m:r>
+                      </m:sup>
+                    </m:sSup>
+                    <m:r>
+                      <a:rPr lang="cs-CZ" b="0" i="1" smtClean="0">
+                        <a:latin typeface="Cambria Math" panose="02040503050406030204" pitchFamily="18" charset="0"/>
+                      </a:rPr>
+                      <m:t>+</m:t>
+                    </m:r>
+                    <m:sSup>
+                      <m:sSupPr>
+                        <m:ctrlPr>
+                          <a:rPr lang="cs-CZ" b="0" i="1" smtClean="0">
+                            <a:latin typeface="Cambria Math" panose="02040503050406030204" pitchFamily="18" charset="0"/>
+                          </a:rPr>
+                        </m:ctrlPr>
+                      </m:sSupPr>
+                      <m:e>
+                        <m:r>
+                          <a:rPr lang="cs-CZ" b="0" i="1" smtClean="0">
+                            <a:latin typeface="Cambria Math" panose="02040503050406030204" pitchFamily="18" charset="0"/>
+                          </a:rPr>
+                          <m:t>𝑥</m:t>
+                        </m:r>
+                      </m:e>
+                      <m:sup>
+                        <m:r>
+                          <a:rPr lang="cs-CZ" b="0" i="1" smtClean="0">
+                            <a:latin typeface="Cambria Math" panose="02040503050406030204" pitchFamily="18" charset="0"/>
+                          </a:rPr>
+                          <m:t>2</m:t>
+                        </m:r>
+                      </m:sup>
+                    </m:sSup>
+                    <m:r>
+                      <a:rPr lang="cs-CZ" b="0" i="1" smtClean="0">
+                        <a:latin typeface="Cambria Math" panose="02040503050406030204" pitchFamily="18" charset="0"/>
+                      </a:rPr>
+                      <m:t>+1</m:t>
+                    </m:r>
+                  </m:oMath>
+                </a14:m>
+                <a:endParaRPr lang="cs-CZ" b="0" dirty="0"/>
+              </a:p>
+              <a:p>
+                <a14:m>
+                  <m:oMath xmlns:m="http://schemas.openxmlformats.org/officeDocument/2006/math">
+                    <m:r>
+                      <a:rPr lang="cs-CZ" b="0" i="1" smtClean="0">
+                        <a:latin typeface="Cambria Math" panose="02040503050406030204" pitchFamily="18" charset="0"/>
+                      </a:rPr>
+                      <m:t>𝑔</m:t>
+                    </m:r>
+                    <m:r>
+                      <a:rPr lang="cs-CZ" b="0" i="1" smtClean="0">
+                        <a:latin typeface="Cambria Math" panose="02040503050406030204" pitchFamily="18" charset="0"/>
+                      </a:rPr>
+                      <m:t>(</m:t>
+                    </m:r>
+                    <m:r>
+                      <a:rPr lang="cs-CZ" b="0" i="1" smtClean="0">
+                        <a:latin typeface="Cambria Math" panose="02040503050406030204" pitchFamily="18" charset="0"/>
+                      </a:rPr>
+                      <m:t>𝑥</m:t>
+                    </m:r>
+                    <m:r>
+                      <a:rPr lang="cs-CZ" b="0" i="1" smtClean="0">
+                        <a:latin typeface="Cambria Math" panose="02040503050406030204" pitchFamily="18" charset="0"/>
+                      </a:rPr>
+                      <m:t>)</m:t>
+                    </m:r>
+                  </m:oMath>
+                </a14:m>
+                <a:r>
+                  <a:rPr lang="cs-CZ" i="1" dirty="0"/>
+                  <a:t> </a:t>
+                </a:r>
+                <a:r>
+                  <a:rPr lang="cs-CZ" dirty="0"/>
+                  <a:t>je ekvivalentní zápisu </a:t>
+                </a:r>
+                <a:r>
+                  <a:rPr lang="cs-CZ" b="1" dirty="0"/>
+                  <a:t>1101</a:t>
+                </a:r>
+                <a:endParaRPr lang="cs-CZ" b="1" i="1" dirty="0"/>
+              </a:p>
+              <a:p>
+                <a:r>
+                  <a:rPr lang="cs-CZ" dirty="0"/>
+                  <a:t> </a:t>
+                </a:r>
+                <a14:m>
+                  <m:oMath xmlns:m="http://schemas.openxmlformats.org/officeDocument/2006/math">
+                    <m:r>
+                      <m:rPr>
+                        <m:sty m:val="p"/>
+                      </m:rPr>
+                      <a:rPr lang="cs-CZ" sz="2400" b="0" i="0" smtClean="0">
+                        <a:latin typeface="Cambria Math" panose="02040503050406030204" pitchFamily="18" charset="0"/>
+                      </a:rPr>
+                      <m:t>M</m:t>
+                    </m:r>
+                    <m:d>
+                      <m:dPr>
+                        <m:ctrlPr>
+                          <a:rPr lang="cs-CZ" sz="2400" b="0" i="1" smtClean="0">
+                            <a:latin typeface="Cambria Math" panose="02040503050406030204" pitchFamily="18" charset="0"/>
+                          </a:rPr>
+                        </m:ctrlPr>
+                      </m:dPr>
+                      <m:e>
+                        <m:r>
+                          <a:rPr lang="cs-CZ" sz="2400" b="0" i="1" smtClean="0">
+                            <a:latin typeface="Cambria Math" panose="02040503050406030204" pitchFamily="18" charset="0"/>
+                          </a:rPr>
+                          <m:t>𝑥</m:t>
+                        </m:r>
+                      </m:e>
+                    </m:d>
+                    <m:r>
+                      <a:rPr lang="cs-CZ" sz="2400" b="0" i="1" smtClean="0">
+                        <a:latin typeface="Cambria Math" panose="02040503050406030204" pitchFamily="18" charset="0"/>
+                      </a:rPr>
+                      <m:t>⋅</m:t>
+                    </m:r>
+                    <m:sSup>
+                      <m:sSupPr>
+                        <m:ctrlPr>
+                          <a:rPr lang="cs-CZ" sz="2400" b="0" i="1" smtClean="0">
+                            <a:latin typeface="Cambria Math" panose="02040503050406030204" pitchFamily="18" charset="0"/>
+                          </a:rPr>
+                        </m:ctrlPr>
+                      </m:sSupPr>
+                      <m:e>
+                        <m:r>
+                          <a:rPr lang="cs-CZ" sz="2400" b="0" i="1" smtClean="0">
+                            <a:latin typeface="Cambria Math" panose="02040503050406030204" pitchFamily="18" charset="0"/>
+                          </a:rPr>
+                          <m:t>𝑥</m:t>
+                        </m:r>
+                      </m:e>
+                      <m:sup>
+                        <m:r>
+                          <a:rPr lang="cs-CZ" sz="2400" b="0" i="1" smtClean="0">
+                            <a:latin typeface="Cambria Math" panose="02040503050406030204" pitchFamily="18" charset="0"/>
+                          </a:rPr>
+                          <m:t>3</m:t>
+                        </m:r>
+                      </m:sup>
+                    </m:sSup>
+                    <m:r>
+                      <a:rPr lang="cs-CZ" sz="2400" b="0" i="1" smtClean="0">
+                        <a:latin typeface="Cambria Math" panose="02040503050406030204" pitchFamily="18" charset="0"/>
+                      </a:rPr>
+                      <m:t>∼100100000</m:t>
+                    </m:r>
+                  </m:oMath>
+                </a14:m>
+                <a:r>
+                  <a:rPr lang="cs-CZ" sz="2400" dirty="0"/>
+                  <a:t> </a:t>
+                </a:r>
+                <a:endParaRPr lang="cs-CZ" dirty="0"/>
+              </a:p>
+              <a:p>
+                <a:r>
+                  <a:rPr lang="cs-CZ" i="1" dirty="0"/>
+                  <a:t>Násobení polynomu </a:t>
+                </a:r>
+                <a14:m>
+                  <m:oMath xmlns:m="http://schemas.openxmlformats.org/officeDocument/2006/math">
+                    <m:sSup>
+                      <m:sSupPr>
+                        <m:ctrlPr>
+                          <a:rPr lang="cs-CZ" b="0" i="1" smtClean="0">
+                            <a:latin typeface="Cambria Math" panose="02040503050406030204" pitchFamily="18" charset="0"/>
+                          </a:rPr>
+                        </m:ctrlPr>
+                      </m:sSupPr>
+                      <m:e>
+                        <m:r>
+                          <a:rPr lang="cs-CZ" b="0" i="1" smtClean="0">
+                            <a:latin typeface="Cambria Math" panose="02040503050406030204" pitchFamily="18" charset="0"/>
+                          </a:rPr>
+                          <m:t>𝑥</m:t>
+                        </m:r>
+                      </m:e>
+                      <m:sup>
+                        <m:r>
+                          <a:rPr lang="cs-CZ" b="0" i="1" smtClean="0">
+                            <a:latin typeface="Cambria Math" panose="02040503050406030204" pitchFamily="18" charset="0"/>
+                          </a:rPr>
+                          <m:t>3</m:t>
+                        </m:r>
+                      </m:sup>
+                    </m:sSup>
+                  </m:oMath>
+                </a14:m>
+                <a:r>
+                  <a:rPr lang="cs-CZ" i="1" dirty="0"/>
+                  <a:t>je ekvivalentní násobení </a:t>
+                </a:r>
+                <a14:m>
+                  <m:oMath xmlns:m="http://schemas.openxmlformats.org/officeDocument/2006/math">
+                    <m:sSup>
+                      <m:sSupPr>
+                        <m:ctrlPr>
+                          <a:rPr lang="cs-CZ" b="0" i="1" smtClean="0">
+                            <a:latin typeface="Cambria Math" panose="02040503050406030204" pitchFamily="18" charset="0"/>
+                          </a:rPr>
+                        </m:ctrlPr>
+                      </m:sSupPr>
+                      <m:e>
+                        <m:r>
+                          <a:rPr lang="cs-CZ" b="0" i="1" smtClean="0">
+                            <a:latin typeface="Cambria Math" panose="02040503050406030204" pitchFamily="18" charset="0"/>
+                          </a:rPr>
+                          <m:t>2</m:t>
+                        </m:r>
+                      </m:e>
+                      <m:sup>
+                        <m:r>
+                          <a:rPr lang="cs-CZ" b="0" i="1" smtClean="0">
+                            <a:latin typeface="Cambria Math" panose="02040503050406030204" pitchFamily="18" charset="0"/>
+                          </a:rPr>
+                          <m:t>3</m:t>
+                        </m:r>
+                      </m:sup>
+                    </m:sSup>
+                  </m:oMath>
+                </a14:m>
+                <a:r>
+                  <a:rPr lang="cs-CZ" i="1" dirty="0"/>
+                  <a:t> (posuv).</a:t>
+                </a:r>
+              </a:p>
+              <a:p>
+                <a:r>
+                  <a:rPr lang="cs-CZ" dirty="0"/>
+                  <a:t>Zbytek po dělení  </a:t>
+                </a:r>
+                <a14:m>
+                  <m:oMath xmlns:m="http://schemas.openxmlformats.org/officeDocument/2006/math">
+                    <m:f>
+                      <m:fPr>
+                        <m:ctrlPr>
+                          <a:rPr lang="cs-CZ" i="1" smtClean="0">
+                            <a:latin typeface="Cambria Math" panose="02040503050406030204" pitchFamily="18" charset="0"/>
+                          </a:rPr>
+                        </m:ctrlPr>
+                      </m:fPr>
+                      <m:num>
+                        <m:r>
+                          <a:rPr lang="cs-CZ" sz="2800" i="1">
+                            <a:latin typeface="Cambria Math" panose="02040503050406030204" pitchFamily="18" charset="0"/>
+                          </a:rPr>
+                          <m:t>10010000</m:t>
+                        </m:r>
+                      </m:num>
+                      <m:den>
+                        <m:r>
+                          <a:rPr lang="cs-CZ" b="0" i="1" smtClean="0">
+                            <a:latin typeface="Cambria Math" panose="02040503050406030204" pitchFamily="18" charset="0"/>
+                          </a:rPr>
+                          <m:t>1101</m:t>
+                        </m:r>
+                      </m:den>
+                    </m:f>
+                  </m:oMath>
+                </a14:m>
+                <a:r>
+                  <a:rPr lang="cs-CZ" dirty="0"/>
+                  <a:t>  je 001.</a:t>
+                </a:r>
+              </a:p>
+              <a:p>
+                <a:r>
+                  <a:rPr lang="cs-CZ" dirty="0"/>
+                  <a:t>Výsledné kódové slovo je 100100 001.</a:t>
+                </a:r>
+              </a:p>
+            </p:txBody>
+          </p:sp>
+        </mc:Choice>
+        <mc:Fallback>
+          <p:sp>
+            <p:nvSpPr>
+              <p:cNvPr id="8" name="Zástupný obsah 7">
+                <a:extLst>
+                  <a:ext uri="{FF2B5EF4-FFF2-40B4-BE49-F238E27FC236}">
+                    <a16:creationId xmlns:a16="http://schemas.microsoft.com/office/drawing/2014/main" id="{F636C76A-CE75-5BEE-A8F5-2247906CD69C}"/>
+                  </a:ext>
+                </a:extLst>
+              </p:cNvPr>
+              <p:cNvSpPr>
+                <a:spLocks noGrp="1" noRot="1" noChangeAspect="1" noMove="1" noResize="1" noEditPoints="1" noAdjustHandles="1" noChangeArrowheads="1" noChangeShapeType="1" noTextEdit="1"/>
+              </p:cNvSpPr>
+              <p:nvPr>
+                <p:ph idx="1"/>
+              </p:nvPr>
+            </p:nvSpPr>
+            <p:spPr>
+              <a:xfrm>
+                <a:off x="431809" y="1209757"/>
+                <a:ext cx="6654791" cy="4438483"/>
+              </a:xfrm>
+              <a:blipFill>
+                <a:blip r:embed="rId2"/>
+                <a:stretch>
+                  <a:fillRect l="-2106" t="-2469" r="-275" b="-2195"/>
+                </a:stretch>
+              </a:blipFill>
+            </p:spPr>
+            <p:txBody>
+              <a:bodyPr/>
+              <a:lstStyle/>
+              <a:p>
+                <a:r>
+                  <a:rPr lang="cs-CZ">
+                    <a:noFill/>
+                  </a:rPr>
+                  <a:t> </a:t>
+                </a:r>
+              </a:p>
+            </p:txBody>
+          </p:sp>
+        </mc:Fallback>
+      </mc:AlternateContent>
+      <mc:AlternateContent xmlns:mc="http://schemas.openxmlformats.org/markup-compatibility/2006">
+        <mc:Choice xmlns:a14="http://schemas.microsoft.com/office/drawing/2010/main" Requires="a14">
+          <p:sp>
+            <p:nvSpPr>
+              <p:cNvPr id="9" name="TextovéPole 8">
+                <a:extLst>
+                  <a:ext uri="{FF2B5EF4-FFF2-40B4-BE49-F238E27FC236}">
+                    <a16:creationId xmlns:a16="http://schemas.microsoft.com/office/drawing/2014/main" id="{9E04E73C-B168-6CD6-40B0-653EE7959AD4}"/>
+                  </a:ext>
+                </a:extLst>
+              </p:cNvPr>
+              <p:cNvSpPr txBox="1"/>
+              <p:nvPr/>
+            </p:nvSpPr>
+            <p:spPr>
+              <a:xfrm>
+                <a:off x="7880684" y="1272813"/>
+                <a:ext cx="3879508" cy="4813625"/>
+              </a:xfrm>
+              <a:prstGeom prst="rect">
+                <a:avLst/>
+              </a:prstGeom>
+              <a:noFill/>
+            </p:spPr>
+            <p:txBody>
+              <a:bodyPr wrap="square" rtlCol="0">
+                <a:spAutoFit/>
+              </a:bodyPr>
+              <a:lstStyle/>
+              <a:p>
+                <a:pPr>
+                  <a:buNone/>
+                </a:pPr>
+                <a:r>
+                  <a:rPr lang="cs-CZ" sz="2600" b="0" u="sng" dirty="0">
+                    <a:solidFill>
+                      <a:schemeClr val="tx1"/>
+                    </a:solidFill>
+                    <a:latin typeface="Courier New" panose="02070309020205020404" pitchFamily="49" charset="0"/>
+                    <a:ea typeface="Calibri" panose="020F0502020204030204" pitchFamily="34" charset="0"/>
+                    <a:cs typeface="Courier New" panose="02070309020205020404" pitchFamily="49" charset="0"/>
+                  </a:rPr>
+                  <a:t>100100</a:t>
+                </a:r>
+                <a:r>
+                  <a:rPr lang="cs-CZ" sz="2600" b="0" dirty="0">
+                    <a:solidFill>
+                      <a:schemeClr val="tx1"/>
+                    </a:solidFill>
+                    <a:latin typeface="Courier New" panose="02070309020205020404" pitchFamily="49" charset="0"/>
+                    <a:ea typeface="Calibri" panose="020F0502020204030204" pitchFamily="34" charset="0"/>
+                    <a:cs typeface="Courier New" panose="02070309020205020404" pitchFamily="49" charset="0"/>
+                  </a:rPr>
+                  <a:t>000 = </a:t>
+                </a:r>
+                <a14:m>
+                  <m:oMath xmlns:m="http://schemas.openxmlformats.org/officeDocument/2006/math">
+                    <m:r>
+                      <a:rPr lang="cs-CZ" sz="2200" b="1" i="1" smtClean="0">
+                        <a:solidFill>
+                          <a:schemeClr val="tx1"/>
+                        </a:solidFill>
+                        <a:latin typeface="Cambria Math" panose="02040503050406030204" pitchFamily="18" charset="0"/>
+                        <a:ea typeface="Calibri" panose="020F0502020204030204" pitchFamily="34" charset="0"/>
+                        <a:cs typeface="Courier New" panose="02070309020205020404" pitchFamily="49" charset="0"/>
+                      </a:rPr>
+                      <m:t>𝒎</m:t>
+                    </m:r>
+                    <m:r>
+                      <a:rPr lang="cs-CZ" sz="2200" b="0" i="1" smtClean="0">
+                        <a:solidFill>
+                          <a:schemeClr val="tx1"/>
+                        </a:solidFill>
+                        <a:latin typeface="Cambria Math" panose="02040503050406030204" pitchFamily="18" charset="0"/>
+                        <a:ea typeface="Calibri" panose="020F0502020204030204" pitchFamily="34" charset="0"/>
+                        <a:cs typeface="Courier New" panose="02070309020205020404" pitchFamily="49" charset="0"/>
+                      </a:rPr>
+                      <m:t>⋅</m:t>
+                    </m:r>
+                    <m:sSup>
+                      <m:sSupPr>
+                        <m:ctrlPr>
+                          <a:rPr lang="cs-CZ" sz="2200" b="0" i="1" smtClean="0">
+                            <a:solidFill>
+                              <a:schemeClr val="tx1"/>
+                            </a:solidFill>
+                            <a:latin typeface="Cambria Math" panose="02040503050406030204" pitchFamily="18" charset="0"/>
+                            <a:ea typeface="Calibri" panose="020F0502020204030204" pitchFamily="34" charset="0"/>
+                            <a:cs typeface="Courier New" panose="02070309020205020404" pitchFamily="49" charset="0"/>
+                          </a:rPr>
+                        </m:ctrlPr>
+                      </m:sSupPr>
+                      <m:e>
+                        <m:r>
+                          <a:rPr lang="cs-CZ" sz="2200" b="0" i="1" smtClean="0">
+                            <a:solidFill>
+                              <a:schemeClr val="tx1"/>
+                            </a:solidFill>
+                            <a:latin typeface="Cambria Math" panose="02040503050406030204" pitchFamily="18" charset="0"/>
+                            <a:ea typeface="Calibri" panose="020F0502020204030204" pitchFamily="34" charset="0"/>
+                            <a:cs typeface="Courier New" panose="02070309020205020404" pitchFamily="49" charset="0"/>
+                          </a:rPr>
+                          <m:t>2</m:t>
+                        </m:r>
+                      </m:e>
+                      <m:sup>
+                        <m:r>
+                          <a:rPr lang="cs-CZ" sz="2200" b="0" i="1" smtClean="0">
+                            <a:solidFill>
+                              <a:schemeClr val="tx1"/>
+                            </a:solidFill>
+                            <a:latin typeface="Cambria Math" panose="02040503050406030204" pitchFamily="18" charset="0"/>
+                            <a:ea typeface="Calibri" panose="020F0502020204030204" pitchFamily="34" charset="0"/>
+                            <a:cs typeface="Courier New" panose="02070309020205020404" pitchFamily="49" charset="0"/>
+                          </a:rPr>
+                          <m:t>3</m:t>
+                        </m:r>
+                      </m:sup>
+                    </m:sSup>
+                  </m:oMath>
+                </a14:m>
+                <a:r>
+                  <a:rPr lang="cs-CZ" sz="2000" b="0" dirty="0">
+                    <a:solidFill>
+                      <a:schemeClr val="tx1"/>
+                    </a:solidFill>
+                    <a:latin typeface="Courier New" panose="02070309020205020404" pitchFamily="49" charset="0"/>
+                    <a:ea typeface="Calibri" panose="020F0502020204030204" pitchFamily="34" charset="0"/>
+                    <a:cs typeface="Courier New" panose="02070309020205020404" pitchFamily="49" charset="0"/>
+                  </a:rPr>
+                  <a:t> </a:t>
+                </a:r>
+                <a:endParaRPr lang="cs-CZ" sz="2600" b="0" dirty="0">
+                  <a:solidFill>
+                    <a:schemeClr val="tx1"/>
+                  </a:solidFill>
+                  <a:latin typeface="Courier New" panose="02070309020205020404" pitchFamily="49" charset="0"/>
+                  <a:ea typeface="Calibri" panose="020F0502020204030204" pitchFamily="34" charset="0"/>
+                  <a:cs typeface="Courier New" panose="02070309020205020404" pitchFamily="49" charset="0"/>
+                </a:endParaRPr>
+              </a:p>
+              <a:p>
+                <a:pPr>
+                  <a:buNone/>
+                </a:pPr>
+                <a:r>
+                  <a:rPr lang="cs-CZ" sz="2600" b="0" dirty="0">
+                    <a:solidFill>
+                      <a:schemeClr val="tx1"/>
+                    </a:solidFill>
+                    <a:latin typeface="Courier New" panose="02070309020205020404" pitchFamily="49" charset="0"/>
+                    <a:ea typeface="Calibri" panose="020F0502020204030204" pitchFamily="34" charset="0"/>
+                    <a:cs typeface="Courier New" panose="02070309020205020404" pitchFamily="49" charset="0"/>
+                  </a:rPr>
+                  <a:t> 10000000</a:t>
+                </a:r>
+              </a:p>
+              <a:p>
+                <a:pPr>
+                  <a:buNone/>
+                </a:pPr>
+                <a:r>
+                  <a:rPr lang="cs-CZ" sz="2600" b="0" dirty="0">
+                    <a:solidFill>
+                      <a:schemeClr val="tx1"/>
+                    </a:solidFill>
+                    <a:latin typeface="Courier New" panose="02070309020205020404" pitchFamily="49" charset="0"/>
+                    <a:ea typeface="Calibri" panose="020F0502020204030204" pitchFamily="34" charset="0"/>
+                    <a:cs typeface="Courier New" panose="02070309020205020404" pitchFamily="49" charset="0"/>
+                  </a:rPr>
+                  <a:t>  1010000</a:t>
+                </a:r>
+              </a:p>
+              <a:p>
+                <a:pPr>
+                  <a:buNone/>
+                </a:pPr>
+                <a:r>
+                  <a:rPr lang="cs-CZ" sz="2600" b="0" dirty="0">
+                    <a:solidFill>
+                      <a:schemeClr val="tx1"/>
+                    </a:solidFill>
+                    <a:latin typeface="Courier New" panose="02070309020205020404" pitchFamily="49" charset="0"/>
+                    <a:ea typeface="Calibri" panose="020F0502020204030204" pitchFamily="34" charset="0"/>
+                    <a:cs typeface="Courier New" panose="02070309020205020404" pitchFamily="49" charset="0"/>
+                  </a:rPr>
+                  <a:t>   111000</a:t>
+                </a:r>
+              </a:p>
+              <a:p>
+                <a:pPr>
+                  <a:buNone/>
+                </a:pPr>
+                <a:r>
+                  <a:rPr lang="cs-CZ" sz="2600" b="0" dirty="0">
+                    <a:solidFill>
+                      <a:schemeClr val="tx1"/>
+                    </a:solidFill>
+                    <a:latin typeface="Courier New" panose="02070309020205020404" pitchFamily="49" charset="0"/>
+                    <a:ea typeface="Calibri" panose="020F0502020204030204" pitchFamily="34" charset="0"/>
+                    <a:cs typeface="Courier New" panose="02070309020205020404" pitchFamily="49" charset="0"/>
+                  </a:rPr>
+                  <a:t>    01100</a:t>
+                </a:r>
+              </a:p>
+              <a:p>
+                <a:pPr>
+                  <a:buNone/>
+                </a:pPr>
+                <a:r>
+                  <a:rPr lang="cs-CZ" sz="2600" b="0" dirty="0">
+                    <a:solidFill>
+                      <a:schemeClr val="tx1"/>
+                    </a:solidFill>
+                    <a:latin typeface="Courier New" panose="02070309020205020404" pitchFamily="49" charset="0"/>
+                    <a:ea typeface="Calibri" panose="020F0502020204030204" pitchFamily="34" charset="0"/>
+                    <a:cs typeface="Courier New" panose="02070309020205020404" pitchFamily="49" charset="0"/>
+                  </a:rPr>
+                  <a:t>     1100</a:t>
+                </a:r>
+              </a:p>
+              <a:p>
+                <a:pPr>
+                  <a:buNone/>
+                </a:pPr>
+                <a:r>
+                  <a:rPr lang="cs-CZ" sz="2600" b="0" dirty="0">
+                    <a:solidFill>
+                      <a:schemeClr val="tx1"/>
+                    </a:solidFill>
+                    <a:latin typeface="Courier New" panose="02070309020205020404" pitchFamily="49" charset="0"/>
+                    <a:ea typeface="Calibri" panose="020F0502020204030204" pitchFamily="34" charset="0"/>
+                    <a:cs typeface="Courier New" panose="02070309020205020404" pitchFamily="49" charset="0"/>
+                  </a:rPr>
+                  <a:t>      001 = </a:t>
+                </a:r>
+                <a:r>
+                  <a:rPr lang="cs-CZ" sz="2600" dirty="0">
+                    <a:solidFill>
+                      <a:schemeClr val="tx1"/>
+                    </a:solidFill>
+                    <a:latin typeface="Courier New" panose="02070309020205020404" pitchFamily="49" charset="0"/>
+                    <a:ea typeface="Calibri" panose="020F0502020204030204" pitchFamily="34" charset="0"/>
+                    <a:cs typeface="Courier New" panose="02070309020205020404" pitchFamily="49" charset="0"/>
+                  </a:rPr>
+                  <a:t>r</a:t>
+                </a:r>
+              </a:p>
+              <a:p>
+                <a:pPr>
+                  <a:buNone/>
+                </a:pPr>
+                <a:endParaRPr lang="cs-CZ" sz="2600" b="0" dirty="0">
+                  <a:solidFill>
+                    <a:schemeClr val="tx1"/>
+                  </a:solidFill>
+                  <a:latin typeface="Courier New" panose="02070309020205020404" pitchFamily="49" charset="0"/>
+                  <a:ea typeface="Calibri" panose="020F0502020204030204" pitchFamily="34" charset="0"/>
+                  <a:cs typeface="Courier New" panose="02070309020205020404" pitchFamily="49" charset="0"/>
+                </a:endParaRPr>
+              </a:p>
+              <a:p>
+                <a:pPr>
+                  <a:buNone/>
+                </a:pPr>
+                <a:r>
+                  <a:rPr lang="cs-CZ" sz="2600" dirty="0">
+                    <a:solidFill>
+                      <a:schemeClr val="tx1"/>
+                    </a:solidFill>
+                    <a:latin typeface="Courier New" panose="02070309020205020404" pitchFamily="49" charset="0"/>
+                    <a:ea typeface="Calibri" panose="020F0502020204030204" pitchFamily="34" charset="0"/>
+                    <a:cs typeface="Courier New" panose="02070309020205020404" pitchFamily="49" charset="0"/>
+                  </a:rPr>
+                  <a:t>c</a:t>
+                </a:r>
+                <a:r>
+                  <a:rPr lang="cs-CZ" sz="2600" b="0" dirty="0">
+                    <a:solidFill>
+                      <a:schemeClr val="tx1"/>
+                    </a:solidFill>
+                    <a:latin typeface="Courier New" panose="02070309020205020404" pitchFamily="49" charset="0"/>
+                    <a:ea typeface="Calibri" panose="020F0502020204030204" pitchFamily="34" charset="0"/>
+                    <a:cs typeface="Courier New" panose="02070309020205020404" pitchFamily="49" charset="0"/>
+                  </a:rPr>
+                  <a:t> = </a:t>
+                </a:r>
+                <a:r>
+                  <a:rPr lang="cs-CZ" sz="2600" b="0" u="sng" dirty="0">
+                    <a:solidFill>
+                      <a:schemeClr val="tx1"/>
+                    </a:solidFill>
+                    <a:latin typeface="Courier New" panose="02070309020205020404" pitchFamily="49" charset="0"/>
+                    <a:ea typeface="Calibri" panose="020F0502020204030204" pitchFamily="34" charset="0"/>
+                    <a:cs typeface="Courier New" panose="02070309020205020404" pitchFamily="49" charset="0"/>
+                  </a:rPr>
+                  <a:t>100100</a:t>
+                </a:r>
+                <a:r>
+                  <a:rPr lang="cs-CZ" sz="2600" b="0" dirty="0">
+                    <a:solidFill>
+                      <a:schemeClr val="tx1"/>
+                    </a:solidFill>
+                    <a:latin typeface="Courier New" panose="02070309020205020404" pitchFamily="49" charset="0"/>
+                    <a:ea typeface="Calibri" panose="020F0502020204030204" pitchFamily="34" charset="0"/>
+                    <a:cs typeface="Courier New" panose="02070309020205020404" pitchFamily="49" charset="0"/>
+                  </a:rPr>
+                  <a:t> 001</a:t>
+                </a:r>
+                <a:endParaRPr lang="cs-CZ" sz="2600" dirty="0">
+                  <a:solidFill>
+                    <a:schemeClr val="tx1"/>
+                  </a:solidFill>
+                  <a:latin typeface="Courier New" panose="02070309020205020404" pitchFamily="49" charset="0"/>
+                  <a:ea typeface="Calibri" panose="020F0502020204030204" pitchFamily="34" charset="0"/>
+                  <a:cs typeface="Courier New" panose="02070309020205020404" pitchFamily="49" charset="0"/>
+                </a:endParaRPr>
+              </a:p>
+              <a:p>
+                <a:pPr>
+                  <a:buNone/>
+                </a:pPr>
+                <a:endParaRPr lang="cs-CZ" sz="2600" b="0" dirty="0">
+                  <a:solidFill>
+                    <a:schemeClr val="tx1"/>
+                  </a:solidFill>
+                  <a:latin typeface="Courier New" panose="02070309020205020404" pitchFamily="49" charset="0"/>
+                  <a:ea typeface="Calibri" panose="020F0502020204030204" pitchFamily="34" charset="0"/>
+                  <a:cs typeface="Courier New" panose="02070309020205020404" pitchFamily="49" charset="0"/>
+                </a:endParaRPr>
+              </a:p>
+            </p:txBody>
+          </p:sp>
+        </mc:Choice>
+        <mc:Fallback>
+          <p:sp>
+            <p:nvSpPr>
+              <p:cNvPr id="9" name="TextovéPole 8">
+                <a:extLst>
+                  <a:ext uri="{FF2B5EF4-FFF2-40B4-BE49-F238E27FC236}">
+                    <a16:creationId xmlns:a16="http://schemas.microsoft.com/office/drawing/2014/main" id="{9E04E73C-B168-6CD6-40B0-653EE7959AD4}"/>
+                  </a:ext>
+                </a:extLst>
+              </p:cNvPr>
+              <p:cNvSpPr txBox="1">
+                <a:spLocks noRot="1" noChangeAspect="1" noMove="1" noResize="1" noEditPoints="1" noAdjustHandles="1" noChangeArrowheads="1" noChangeShapeType="1" noTextEdit="1"/>
+              </p:cNvSpPr>
+              <p:nvPr/>
+            </p:nvSpPr>
+            <p:spPr>
+              <a:xfrm>
+                <a:off x="7880684" y="1272813"/>
+                <a:ext cx="3879508" cy="4813625"/>
+              </a:xfrm>
+              <a:prstGeom prst="rect">
+                <a:avLst/>
+              </a:prstGeom>
+              <a:blipFill>
+                <a:blip r:embed="rId3"/>
+                <a:stretch>
+                  <a:fillRect l="-2830" t="-1141"/>
+                </a:stretch>
+              </a:blipFill>
+            </p:spPr>
+            <p:txBody>
+              <a:bodyPr/>
+              <a:lstStyle/>
+              <a:p>
+                <a:r>
+                  <a:rPr lang="cs-CZ">
+                    <a:noFill/>
+                  </a:rPr>
+                  <a:t> </a:t>
+                </a:r>
+              </a:p>
+            </p:txBody>
+          </p:sp>
+        </mc:Fallback>
+      </mc:AlternateContent>
+    </p:spTree>
+    <p:extLst>
+      <p:ext uri="{BB962C8B-B14F-4D97-AF65-F5344CB8AC3E}">
+        <p14:creationId xmlns:p14="http://schemas.microsoft.com/office/powerpoint/2010/main" val="575175490"/>
+      </p:ext>
+    </p:extLst>
+  </p:cSld>
+  <p:clrMapOvr>
+    <a:masterClrMapping/>
+  </p:clrMapOvr>
+</p:sld>
+</file>
+
+<file path=ppt/slides/slide7.xml><?xml version="1.0" encoding="utf-8"?>
+<p:sld xmlns:a="http://schemas.openxmlformats.org/drawingml/2006/main" xmlns:r="http://schemas.openxmlformats.org/officeDocument/2006/relationships" xmlns:p="http://schemas.openxmlformats.org/presentationml/2006/main">
+  <p:cSld>
+    <p:spTree>
+      <p:nvGrpSpPr>
+        <p:cNvPr id="1" name=""/>
+        <p:cNvGrpSpPr/>
+        <p:nvPr/>
+      </p:nvGrpSpPr>
+      <p:grpSpPr>
+        <a:xfrm>
+          <a:off x="0" y="0"/>
+          <a:ext cx="0" cy="0"/>
+          <a:chOff x="0" y="0"/>
+          <a:chExt cx="0" cy="0"/>
+        </a:xfrm>
+      </p:grpSpPr>
+      <mc:AlternateContent xmlns:mc="http://schemas.openxmlformats.org/markup-compatibility/2006">
+        <mc:Choice xmlns:a14="http://schemas.microsoft.com/office/drawing/2010/main" Requires="a14">
+          <p:sp>
+            <p:nvSpPr>
+              <p:cNvPr id="2" name="Zástupný obsah 1">
+                <a:extLst>
+                  <a:ext uri="{FF2B5EF4-FFF2-40B4-BE49-F238E27FC236}">
+                    <a16:creationId xmlns:a16="http://schemas.microsoft.com/office/drawing/2014/main" id="{33802F84-97C9-D105-37E5-59C6C9BAC2B6}"/>
+                  </a:ext>
+                </a:extLst>
+              </p:cNvPr>
+              <p:cNvSpPr>
+                <a:spLocks noGrp="1"/>
+              </p:cNvSpPr>
+              <p:nvPr>
+                <p:ph idx="1"/>
+              </p:nvPr>
+            </p:nvSpPr>
+            <p:spPr>
+              <a:xfrm>
+                <a:off x="431808" y="1103313"/>
+                <a:ext cx="11521017" cy="4651374"/>
+              </a:xfrm>
+            </p:spPr>
+            <p:txBody>
+              <a:bodyPr/>
+              <a:lstStyle/>
+              <a:p>
+                <a:pPr algn="just"/>
+                <a:r>
+                  <a:rPr lang="cs-CZ" sz="2400" dirty="0"/>
+                  <a:t>Pokud není polynom zprávy </a:t>
+                </a:r>
+                <a14:m>
+                  <m:oMath xmlns:m="http://schemas.openxmlformats.org/officeDocument/2006/math">
+                    <m:r>
+                      <a:rPr lang="cs-CZ" sz="2400" b="0" i="1" smtClean="0">
+                        <a:latin typeface="Cambria Math" panose="02040503050406030204" pitchFamily="18" charset="0"/>
+                      </a:rPr>
+                      <m:t>𝑀</m:t>
+                    </m:r>
+                    <m:d>
+                      <m:dPr>
+                        <m:ctrlPr>
+                          <a:rPr lang="cs-CZ" sz="2400" b="0" i="1" smtClean="0">
+                            <a:latin typeface="Cambria Math" panose="02040503050406030204" pitchFamily="18" charset="0"/>
+                          </a:rPr>
+                        </m:ctrlPr>
+                      </m:dPr>
+                      <m:e>
+                        <m:r>
+                          <a:rPr lang="cs-CZ" sz="2400" b="0" i="1" smtClean="0">
+                            <a:latin typeface="Cambria Math" panose="02040503050406030204" pitchFamily="18" charset="0"/>
+                          </a:rPr>
+                          <m:t>𝑥</m:t>
+                        </m:r>
+                      </m:e>
+                    </m:d>
+                  </m:oMath>
+                </a14:m>
+                <a:r>
+                  <a:rPr lang="cs-CZ" sz="2400" dirty="0"/>
+                  <a:t> dělitelný generujícím polynomem </a:t>
+                </a:r>
+                <a14:m>
+                  <m:oMath xmlns:m="http://schemas.openxmlformats.org/officeDocument/2006/math">
+                    <m:r>
+                      <a:rPr lang="cs-CZ" sz="2400" b="0" i="1" smtClean="0">
+                        <a:latin typeface="Cambria Math" panose="02040503050406030204" pitchFamily="18" charset="0"/>
+                      </a:rPr>
+                      <m:t>𝑔</m:t>
+                    </m:r>
+                    <m:r>
+                      <a:rPr lang="cs-CZ" sz="2400" b="0" i="1" smtClean="0">
+                        <a:latin typeface="Cambria Math" panose="02040503050406030204" pitchFamily="18" charset="0"/>
+                      </a:rPr>
+                      <m:t>(</m:t>
+                    </m:r>
+                    <m:r>
+                      <a:rPr lang="cs-CZ" sz="2400" b="0" i="1" smtClean="0">
+                        <a:latin typeface="Cambria Math" panose="02040503050406030204" pitchFamily="18" charset="0"/>
+                      </a:rPr>
+                      <m:t>𝑥</m:t>
+                    </m:r>
+                    <m:r>
+                      <a:rPr lang="cs-CZ" sz="2400" b="0" i="1" smtClean="0">
+                        <a:latin typeface="Cambria Math" panose="02040503050406030204" pitchFamily="18" charset="0"/>
+                      </a:rPr>
+                      <m:t>)</m:t>
+                    </m:r>
+                  </m:oMath>
+                </a14:m>
+                <a:r>
+                  <a:rPr lang="cs-CZ" sz="2400" dirty="0"/>
+                  <a:t> bezezbytku, obsahuje zpráva chybu.</a:t>
+                </a:r>
+              </a:p>
+              <a:p>
+                <a:pPr algn="just"/>
+                <a:r>
+                  <a:rPr lang="cs-CZ" sz="2400" dirty="0"/>
+                  <a:t>Je nutné minimalizovat případy, kdy je chybný polynom </a:t>
+                </a:r>
+                <a14:m>
+                  <m:oMath xmlns:m="http://schemas.openxmlformats.org/officeDocument/2006/math">
+                    <m:sSub>
+                      <m:sSubPr>
+                        <m:ctrlPr>
+                          <a:rPr lang="cs-CZ" sz="2400" b="0" i="1" smtClean="0">
+                            <a:latin typeface="Cambria Math" panose="02040503050406030204" pitchFamily="18" charset="0"/>
+                          </a:rPr>
+                        </m:ctrlPr>
+                      </m:sSubPr>
+                      <m:e>
+                        <m:r>
+                          <a:rPr lang="cs-CZ" sz="2400" b="0" i="1" smtClean="0">
+                            <a:latin typeface="Cambria Math" panose="02040503050406030204" pitchFamily="18" charset="0"/>
+                          </a:rPr>
+                          <m:t>𝑀</m:t>
+                        </m:r>
+                      </m:e>
+                      <m:sub>
+                        <m:r>
+                          <a:rPr lang="cs-CZ" sz="2400" b="0" i="1" smtClean="0">
+                            <a:latin typeface="Cambria Math" panose="02040503050406030204" pitchFamily="18" charset="0"/>
+                          </a:rPr>
+                          <m:t>𝐸</m:t>
+                        </m:r>
+                      </m:sub>
+                    </m:sSub>
+                    <m:d>
+                      <m:dPr>
+                        <m:ctrlPr>
+                          <a:rPr lang="cs-CZ" sz="2400" b="0" i="1" smtClean="0">
+                            <a:latin typeface="Cambria Math" panose="02040503050406030204" pitchFamily="18" charset="0"/>
+                          </a:rPr>
+                        </m:ctrlPr>
+                      </m:dPr>
+                      <m:e>
+                        <m:r>
+                          <a:rPr lang="cs-CZ" sz="2400" b="0" i="1" smtClean="0">
+                            <a:latin typeface="Cambria Math" panose="02040503050406030204" pitchFamily="18" charset="0"/>
+                          </a:rPr>
+                          <m:t>𝑥</m:t>
+                        </m:r>
+                      </m:e>
+                    </m:d>
+                  </m:oMath>
+                </a14:m>
+                <a:r>
+                  <a:rPr lang="cs-CZ" sz="2400" dirty="0"/>
+                  <a:t> dělitelný bezezbytku (chyba se nepozná).</a:t>
+                </a:r>
+              </a:p>
+              <a:p>
+                <a:pPr algn="just"/>
+                <a:r>
+                  <a:rPr lang="cs-CZ" sz="2400" dirty="0"/>
+                  <a:t>Vhodně navržený generující polynom je základem.</a:t>
+                </a:r>
+              </a:p>
+              <a:p>
+                <a:pPr algn="just"/>
+                <a:endParaRPr lang="cs-CZ" sz="2400" dirty="0"/>
+              </a:p>
+              <a:p>
+                <a:pPr algn="just"/>
+                <a:r>
+                  <a:rPr lang="cs-CZ" sz="2400" b="1" dirty="0"/>
+                  <a:t>Jednoduchá chyba</a:t>
+                </a:r>
+              </a:p>
+              <a:p>
+                <a:pPr lvl="1" algn="just"/>
+                <a:r>
+                  <a:rPr lang="cs-CZ" sz="2000" dirty="0"/>
+                  <a:t>Stačí, aby měl </a:t>
+                </a:r>
+                <a14:m>
+                  <m:oMath xmlns:m="http://schemas.openxmlformats.org/officeDocument/2006/math">
+                    <m:r>
+                      <a:rPr lang="cs-CZ" sz="2000" b="0" i="1" smtClean="0">
+                        <a:latin typeface="Cambria Math" panose="02040503050406030204" pitchFamily="18" charset="0"/>
+                      </a:rPr>
+                      <m:t>𝑔</m:t>
+                    </m:r>
+                    <m:r>
+                      <a:rPr lang="cs-CZ" sz="2000" b="0" i="1" smtClean="0">
+                        <a:latin typeface="Cambria Math" panose="02040503050406030204" pitchFamily="18" charset="0"/>
+                      </a:rPr>
+                      <m:t>(</m:t>
+                    </m:r>
+                    <m:r>
+                      <a:rPr lang="cs-CZ" sz="2000" b="0" i="1" smtClean="0">
+                        <a:latin typeface="Cambria Math" panose="02040503050406030204" pitchFamily="18" charset="0"/>
+                      </a:rPr>
+                      <m:t>𝑥</m:t>
+                    </m:r>
+                    <m:r>
+                      <a:rPr lang="cs-CZ" sz="2000" b="0" i="1" smtClean="0">
+                        <a:latin typeface="Cambria Math" panose="02040503050406030204" pitchFamily="18" charset="0"/>
+                      </a:rPr>
+                      <m:t>)</m:t>
+                    </m:r>
+                  </m:oMath>
+                </a14:m>
+                <a:r>
+                  <a:rPr lang="cs-CZ" sz="2000" dirty="0"/>
+                  <a:t> dva nenulové členy.</a:t>
+                </a:r>
+              </a:p>
+              <a:p>
+                <a:pPr algn="just"/>
+                <a:r>
+                  <a:rPr lang="cs-CZ" sz="2400" b="1" dirty="0"/>
+                  <a:t>Lichý počet chyb</a:t>
+                </a:r>
+              </a:p>
+              <a:p>
+                <a:pPr lvl="1" algn="just">
+                  <a:buSzPct val="85000"/>
+                </a:pPr>
+                <a14:m>
+                  <m:oMath xmlns:m="http://schemas.openxmlformats.org/officeDocument/2006/math">
+                    <m:r>
+                      <a:rPr lang="cs-CZ" sz="2000" b="0" i="1" smtClean="0">
+                        <a:latin typeface="Cambria Math" panose="02040503050406030204" pitchFamily="18" charset="0"/>
+                      </a:rPr>
+                      <m:t>𝑔</m:t>
+                    </m:r>
+                    <m:r>
+                      <a:rPr lang="cs-CZ" sz="2000" b="0" i="1" smtClean="0">
+                        <a:latin typeface="Cambria Math" panose="02040503050406030204" pitchFamily="18" charset="0"/>
+                      </a:rPr>
+                      <m:t>(</m:t>
+                    </m:r>
+                    <m:r>
+                      <a:rPr lang="cs-CZ" sz="2000" b="0" i="1" smtClean="0">
+                        <a:latin typeface="Cambria Math" panose="02040503050406030204" pitchFamily="18" charset="0"/>
+                      </a:rPr>
+                      <m:t>𝑥</m:t>
+                    </m:r>
+                    <m:r>
+                      <a:rPr lang="cs-CZ" sz="2000" b="0" i="1" smtClean="0">
+                        <a:latin typeface="Cambria Math" panose="02040503050406030204" pitchFamily="18" charset="0"/>
+                      </a:rPr>
+                      <m:t>)</m:t>
+                    </m:r>
+                  </m:oMath>
+                </a14:m>
+                <a:r>
+                  <a:rPr lang="cs-CZ" sz="2000" i="1" dirty="0"/>
+                  <a:t> </a:t>
+                </a:r>
+                <a:r>
+                  <a:rPr lang="cs-CZ" sz="2000" dirty="0"/>
+                  <a:t>musí mít sudý počet členů.</a:t>
+                </a:r>
+              </a:p>
+              <a:p>
+                <a:pPr lvl="1" algn="just"/>
+                <a:r>
+                  <a:rPr lang="cs-CZ" sz="2000" dirty="0"/>
+                  <a:t>Volí se například </a:t>
+                </a:r>
+                <a14:m>
+                  <m:oMath xmlns:m="http://schemas.openxmlformats.org/officeDocument/2006/math">
+                    <m:d>
+                      <m:dPr>
+                        <m:ctrlPr>
+                          <a:rPr lang="cs-CZ" sz="2000" b="0" i="1" smtClean="0">
+                            <a:latin typeface="Cambria Math" panose="02040503050406030204" pitchFamily="18" charset="0"/>
+                          </a:rPr>
+                        </m:ctrlPr>
+                      </m:dPr>
+                      <m:e>
+                        <m:r>
+                          <a:rPr lang="cs-CZ" sz="2000" b="0" i="1" smtClean="0">
+                            <a:latin typeface="Cambria Math" panose="02040503050406030204" pitchFamily="18" charset="0"/>
+                          </a:rPr>
+                          <m:t>𝑥</m:t>
+                        </m:r>
+                        <m:r>
+                          <a:rPr lang="cs-CZ" sz="2000" b="0" i="1" smtClean="0">
+                            <a:latin typeface="Cambria Math" panose="02040503050406030204" pitchFamily="18" charset="0"/>
+                          </a:rPr>
+                          <m:t>+1</m:t>
+                        </m:r>
+                      </m:e>
+                    </m:d>
+                    <m:r>
+                      <a:rPr lang="cs-CZ" sz="2000" b="0" i="1" smtClean="0">
+                        <a:latin typeface="Cambria Math" panose="02040503050406030204" pitchFamily="18" charset="0"/>
+                      </a:rPr>
+                      <m:t>𝑔</m:t>
+                    </m:r>
+                    <m:r>
+                      <a:rPr lang="cs-CZ" sz="2000" b="0" i="1" smtClean="0">
+                        <a:latin typeface="Cambria Math" panose="02040503050406030204" pitchFamily="18" charset="0"/>
+                      </a:rPr>
+                      <m:t>′(</m:t>
+                    </m:r>
+                    <m:r>
+                      <a:rPr lang="cs-CZ" sz="2000" b="0" i="1" smtClean="0">
+                        <a:latin typeface="Cambria Math" panose="02040503050406030204" pitchFamily="18" charset="0"/>
+                      </a:rPr>
+                      <m:t>𝑥</m:t>
+                    </m:r>
+                    <m:r>
+                      <a:rPr lang="cs-CZ" sz="2000" b="0" i="1" smtClean="0">
+                        <a:latin typeface="Cambria Math" panose="02040503050406030204" pitchFamily="18" charset="0"/>
+                      </a:rPr>
+                      <m:t>)</m:t>
+                    </m:r>
+                  </m:oMath>
+                </a14:m>
+                <a:r>
+                  <a:rPr lang="cs-CZ" sz="2000" dirty="0"/>
+                  <a:t>, kde </a:t>
+                </a:r>
+                <a:r>
+                  <a:rPr lang="cs-CZ" sz="2000" i="1" dirty="0"/>
+                  <a:t>g‘(x)</a:t>
+                </a:r>
+                <a:r>
+                  <a:rPr lang="cs-CZ" sz="2000" dirty="0"/>
+                  <a:t> je ireducibilní polynom s lichým počtem členů.</a:t>
+                </a:r>
+              </a:p>
+            </p:txBody>
+          </p:sp>
+        </mc:Choice>
+        <mc:Fallback>
+          <p:sp>
+            <p:nvSpPr>
+              <p:cNvPr id="2" name="Zástupný obsah 1">
+                <a:extLst>
+                  <a:ext uri="{FF2B5EF4-FFF2-40B4-BE49-F238E27FC236}">
+                    <a16:creationId xmlns:a16="http://schemas.microsoft.com/office/drawing/2014/main" id="{33802F84-97C9-D105-37E5-59C6C9BAC2B6}"/>
+                  </a:ext>
+                </a:extLst>
+              </p:cNvPr>
+              <p:cNvSpPr>
+                <a:spLocks noGrp="1" noRot="1" noChangeAspect="1" noMove="1" noResize="1" noEditPoints="1" noAdjustHandles="1" noChangeArrowheads="1" noChangeShapeType="1" noTextEdit="1"/>
+              </p:cNvSpPr>
+              <p:nvPr>
+                <p:ph idx="1"/>
+              </p:nvPr>
+            </p:nvSpPr>
+            <p:spPr>
+              <a:xfrm>
+                <a:off x="431808" y="1103313"/>
+                <a:ext cx="11521017" cy="4651374"/>
+              </a:xfrm>
+              <a:blipFill>
+                <a:blip r:embed="rId2"/>
+                <a:stretch>
+                  <a:fillRect l="-1058" t="-2097" r="-794"/>
+                </a:stretch>
+              </a:blipFill>
+            </p:spPr>
+            <p:txBody>
+              <a:bodyPr/>
+              <a:lstStyle/>
+              <a:p>
+                <a:r>
+                  <a:rPr lang="cs-CZ">
+                    <a:noFill/>
+                  </a:rPr>
+                  <a:t> </a:t>
+                </a:r>
+              </a:p>
+            </p:txBody>
+          </p:sp>
+        </mc:Fallback>
+      </mc:AlternateContent>
+      <p:sp>
+        <p:nvSpPr>
+          <p:cNvPr id="3" name="Zástupný symbol pro zápatí 2">
+            <a:extLst>
+              <a:ext uri="{FF2B5EF4-FFF2-40B4-BE49-F238E27FC236}">
+                <a16:creationId xmlns:a16="http://schemas.microsoft.com/office/drawing/2014/main" id="{9122E1F5-3BEA-60B8-2607-927DA8BF6E47}"/>
+              </a:ext>
+            </a:extLst>
+          </p:cNvPr>
+          <p:cNvSpPr>
+            <a:spLocks noGrp="1"/>
+          </p:cNvSpPr>
+          <p:nvPr>
+            <p:ph type="ftr" sz="quarter" idx="10"/>
+          </p:nvPr>
+        </p:nvSpPr>
+        <p:spPr/>
+        <p:txBody>
+          <a:bodyPr/>
+          <a:lstStyle/>
+          <a:p>
+            <a:r>
+              <a:rPr lang="cs-CZ" b="1"/>
+              <a:t>Cyclic Redundancy Checks and Error Detection</a:t>
+            </a:r>
+            <a:endParaRPr lang="en-US" altLang="cs-CZ" dirty="0"/>
+          </a:p>
+        </p:txBody>
+      </p:sp>
+      <p:sp>
+        <p:nvSpPr>
+          <p:cNvPr id="4" name="Zástupný symbol pro číslo snímku 3">
+            <a:extLst>
+              <a:ext uri="{FF2B5EF4-FFF2-40B4-BE49-F238E27FC236}">
+                <a16:creationId xmlns:a16="http://schemas.microsoft.com/office/drawing/2014/main" id="{0BF811EC-62C1-B9DE-8A92-7D7B95FB7849}"/>
+              </a:ext>
+            </a:extLst>
+          </p:cNvPr>
+          <p:cNvSpPr>
+            <a:spLocks noGrp="1"/>
+          </p:cNvSpPr>
+          <p:nvPr>
+            <p:ph type="sldNum" sz="quarter" idx="11"/>
+          </p:nvPr>
+        </p:nvSpPr>
+        <p:spPr/>
+        <p:txBody>
+          <a:bodyPr/>
+          <a:lstStyle/>
+          <a:p>
+            <a:fld id="{7C839148-7006-41C4-ABC2-D2A9F4595A63}" type="slidenum">
+              <a:rPr lang="en-US" altLang="cs-CZ" smtClean="0"/>
+              <a:pPr/>
+              <a:t>7</a:t>
+            </a:fld>
+            <a:r>
+              <a:rPr lang="en-US" altLang="cs-CZ" dirty="0"/>
+              <a:t>/</a:t>
+            </a:r>
+            <a:r>
+              <a:rPr lang="cs-CZ" altLang="cs-CZ" dirty="0"/>
+              <a:t>20</a:t>
+            </a:r>
+            <a:endParaRPr lang="en-US" altLang="cs-CZ" dirty="0"/>
+          </a:p>
+        </p:txBody>
+      </p:sp>
+      <p:sp>
+        <p:nvSpPr>
+          <p:cNvPr id="5" name="Nadpis 4">
+            <a:extLst>
+              <a:ext uri="{FF2B5EF4-FFF2-40B4-BE49-F238E27FC236}">
+                <a16:creationId xmlns:a16="http://schemas.microsoft.com/office/drawing/2014/main" id="{F0D1B7D9-6E2B-619F-BE51-9ED7DED07C5E}"/>
+              </a:ext>
+            </a:extLst>
+          </p:cNvPr>
+          <p:cNvSpPr>
+            <a:spLocks noGrp="1"/>
+          </p:cNvSpPr>
+          <p:nvPr>
+            <p:ph type="title"/>
+          </p:nvPr>
+        </p:nvSpPr>
+        <p:spPr/>
+        <p:txBody>
+          <a:bodyPr/>
+          <a:lstStyle/>
+          <a:p>
+            <a:r>
+              <a:rPr lang="cs-CZ" dirty="0"/>
+              <a:t>Chyby – x-násobná chyba</a:t>
+            </a:r>
+          </a:p>
+        </p:txBody>
+      </p:sp>
+    </p:spTree>
+    <p:extLst>
+      <p:ext uri="{BB962C8B-B14F-4D97-AF65-F5344CB8AC3E}">
+        <p14:creationId xmlns:p14="http://schemas.microsoft.com/office/powerpoint/2010/main" val="2418757191"/>
+      </p:ext>
+    </p:extLst>
+  </p:cSld>
+  <p:clrMapOvr>
+    <a:masterClrMapping/>
+  </p:clrMapOvr>
+</p:sld>
+</file>
+
+<file path=ppt/slides/slide8.xml><?xml version="1.0" encoding="utf-8"?>
+<p:sld xmlns:a="http://schemas.openxmlformats.org/drawingml/2006/main" xmlns:r="http://schemas.openxmlformats.org/officeDocument/2006/relationships" xmlns:p="http://schemas.openxmlformats.org/presentationml/2006/main">
+  <p:cSld>
+    <p:spTree>
+      <p:nvGrpSpPr>
+        <p:cNvPr id="1" name=""/>
+        <p:cNvGrpSpPr/>
+        <p:nvPr/>
+      </p:nvGrpSpPr>
+      <p:grpSpPr>
+        <a:xfrm>
+          <a:off x="0" y="0"/>
+          <a:ext cx="0" cy="0"/>
+          <a:chOff x="0" y="0"/>
+          <a:chExt cx="0" cy="0"/>
+        </a:xfrm>
+      </p:grpSpPr>
+      <mc:AlternateContent xmlns:mc="http://schemas.openxmlformats.org/markup-compatibility/2006">
+        <mc:Choice xmlns:a14="http://schemas.microsoft.com/office/drawing/2010/main" Requires="a14">
+          <p:sp>
+            <p:nvSpPr>
+              <p:cNvPr id="2" name="Zástupný obsah 1">
+                <a:extLst>
+                  <a:ext uri="{FF2B5EF4-FFF2-40B4-BE49-F238E27FC236}">
+                    <a16:creationId xmlns:a16="http://schemas.microsoft.com/office/drawing/2014/main" id="{6EFF797F-F154-DB72-D79F-6E2105E8E412}"/>
+                  </a:ext>
+                </a:extLst>
+              </p:cNvPr>
+              <p:cNvSpPr>
+                <a:spLocks noGrp="1"/>
+              </p:cNvSpPr>
+              <p:nvPr>
+                <p:ph idx="1"/>
+              </p:nvPr>
+            </p:nvSpPr>
+            <p:spPr>
+              <a:xfrm>
+                <a:off x="431808" y="2214562"/>
+                <a:ext cx="11521017" cy="2428875"/>
+              </a:xfrm>
+            </p:spPr>
+            <p:txBody>
+              <a:bodyPr/>
+              <a:lstStyle/>
+              <a:p>
+                <a:r>
+                  <a:rPr lang="cs-CZ" sz="2400" b="1" dirty="0"/>
+                  <a:t>Dvojchyba</a:t>
+                </a:r>
+              </a:p>
+              <a:p>
+                <a:pPr lvl="1"/>
+                <a:r>
+                  <a:rPr lang="cs-CZ" sz="2200" dirty="0"/>
+                  <a:t>Pro každé </a:t>
+                </a:r>
+                <a14:m>
+                  <m:oMath xmlns:m="http://schemas.openxmlformats.org/officeDocument/2006/math">
+                    <m:r>
+                      <a:rPr lang="cs-CZ" sz="2200" b="0" i="1" smtClean="0">
+                        <a:latin typeface="Cambria Math" panose="02040503050406030204" pitchFamily="18" charset="0"/>
+                      </a:rPr>
+                      <m:t>𝑔</m:t>
+                    </m:r>
+                    <m:d>
+                      <m:dPr>
+                        <m:ctrlPr>
+                          <a:rPr lang="cs-CZ" sz="2200" b="0" i="1" smtClean="0">
+                            <a:latin typeface="Cambria Math" panose="02040503050406030204" pitchFamily="18" charset="0"/>
+                          </a:rPr>
+                        </m:ctrlPr>
+                      </m:dPr>
+                      <m:e>
+                        <m:r>
+                          <a:rPr lang="cs-CZ" sz="2200" b="0" i="1" smtClean="0">
+                            <a:latin typeface="Cambria Math" panose="02040503050406030204" pitchFamily="18" charset="0"/>
+                          </a:rPr>
+                          <m:t>𝑥</m:t>
+                        </m:r>
+                      </m:e>
+                    </m:d>
+                  </m:oMath>
+                </a14:m>
+                <a:r>
+                  <a:rPr lang="cs-CZ" sz="2200" dirty="0"/>
+                  <a:t> existuje </a:t>
+                </a:r>
+                <a14:m>
+                  <m:oMath xmlns:m="http://schemas.openxmlformats.org/officeDocument/2006/math">
+                    <m:r>
+                      <a:rPr lang="cs-CZ" sz="2200" b="0" i="1" smtClean="0">
+                        <a:latin typeface="Cambria Math" panose="02040503050406030204" pitchFamily="18" charset="0"/>
+                      </a:rPr>
+                      <m:t>𝑁</m:t>
+                    </m:r>
+                    <m:r>
+                      <a:rPr lang="cs-CZ" sz="2200" b="0" i="1" smtClean="0">
+                        <a:latin typeface="Cambria Math" panose="02040503050406030204" pitchFamily="18" charset="0"/>
+                      </a:rPr>
+                      <m:t>∈ </m:t>
+                    </m:r>
+                    <m:r>
+                      <a:rPr lang="cs-CZ" sz="2200" b="0" i="1" smtClean="0">
+                        <a:latin typeface="Cambria Math" panose="02040503050406030204" pitchFamily="18" charset="0"/>
+                        <a:ea typeface="Cambria Math" panose="02040503050406030204" pitchFamily="18" charset="0"/>
+                      </a:rPr>
+                      <m:t>ℕ</m:t>
+                    </m:r>
+                  </m:oMath>
+                </a14:m>
+                <a:r>
+                  <a:rPr lang="cs-CZ" sz="2200" dirty="0"/>
+                  <a:t> takové, že </a:t>
+                </a:r>
+                <a14:m>
+                  <m:oMath xmlns:m="http://schemas.openxmlformats.org/officeDocument/2006/math">
+                    <m:r>
+                      <a:rPr lang="cs-CZ" sz="2200" b="0" i="1" smtClean="0">
+                        <a:latin typeface="Cambria Math" panose="02040503050406030204" pitchFamily="18" charset="0"/>
+                      </a:rPr>
+                      <m:t>𝑔</m:t>
+                    </m:r>
+                    <m:d>
+                      <m:dPr>
+                        <m:ctrlPr>
+                          <a:rPr lang="cs-CZ" sz="2200" b="0" i="1" smtClean="0">
+                            <a:latin typeface="Cambria Math" panose="02040503050406030204" pitchFamily="18" charset="0"/>
+                          </a:rPr>
+                        </m:ctrlPr>
+                      </m:dPr>
+                      <m:e>
+                        <m:r>
+                          <a:rPr lang="cs-CZ" sz="2200" b="0" i="1" smtClean="0">
+                            <a:latin typeface="Cambria Math" panose="02040503050406030204" pitchFamily="18" charset="0"/>
+                          </a:rPr>
+                          <m:t>𝑥</m:t>
+                        </m:r>
+                      </m:e>
+                    </m:d>
+                  </m:oMath>
+                </a14:m>
+                <a:r>
+                  <a:rPr lang="cs-CZ" sz="2200" dirty="0"/>
+                  <a:t> dělí </a:t>
+                </a:r>
+                <a14:m>
+                  <m:oMath xmlns:m="http://schemas.openxmlformats.org/officeDocument/2006/math">
+                    <m:r>
+                      <a:rPr lang="cs-CZ" sz="2200" b="0" i="1" smtClean="0">
+                        <a:latin typeface="Cambria Math" panose="02040503050406030204" pitchFamily="18" charset="0"/>
+                      </a:rPr>
+                      <m:t>(</m:t>
+                    </m:r>
+                    <m:sSup>
+                      <m:sSupPr>
+                        <m:ctrlPr>
+                          <a:rPr lang="cs-CZ" sz="2200" b="0" i="1" smtClean="0">
+                            <a:latin typeface="Cambria Math" panose="02040503050406030204" pitchFamily="18" charset="0"/>
+                          </a:rPr>
+                        </m:ctrlPr>
+                      </m:sSupPr>
+                      <m:e>
+                        <m:r>
+                          <a:rPr lang="cs-CZ" sz="2200" b="0" i="1" smtClean="0">
+                            <a:latin typeface="Cambria Math" panose="02040503050406030204" pitchFamily="18" charset="0"/>
+                          </a:rPr>
+                          <m:t>𝑥</m:t>
+                        </m:r>
+                      </m:e>
+                      <m:sup>
+                        <m:r>
+                          <a:rPr lang="cs-CZ" sz="2200" b="0" i="1" smtClean="0">
+                            <a:latin typeface="Cambria Math" panose="02040503050406030204" pitchFamily="18" charset="0"/>
+                          </a:rPr>
+                          <m:t>𝑁</m:t>
+                        </m:r>
+                      </m:sup>
+                    </m:sSup>
+                    <m:r>
+                      <a:rPr lang="cs-CZ" sz="2200" b="0" i="1" smtClean="0">
+                        <a:latin typeface="Cambria Math" panose="02040503050406030204" pitchFamily="18" charset="0"/>
+                      </a:rPr>
+                      <m:t>+1)</m:t>
+                    </m:r>
+                  </m:oMath>
+                </a14:m>
+                <a:r>
+                  <a:rPr lang="cs-CZ" sz="2200" dirty="0"/>
+                  <a:t> bezezbytku.</a:t>
+                </a:r>
+              </a:p>
+              <a:p>
+                <a:pPr lvl="1"/>
+                <a:r>
+                  <a:rPr lang="cs-CZ" sz="2000" dirty="0"/>
+                  <a:t>Vždy existuje nedetekovatelná dvojchyba.</a:t>
+                </a:r>
+              </a:p>
+              <a:p>
+                <a:pPr lvl="1"/>
+                <a:r>
+                  <a:rPr lang="cs-CZ" sz="2000" dirty="0">
+                    <a:effectLst/>
+                    <a:latin typeface="Arial" panose="020B0604020202020204" pitchFamily="34" charset="0"/>
+                  </a:rPr>
+                  <a:t>Délka zprávy M(x) musí být menší než 2n-k – 1</a:t>
+                </a:r>
+              </a:p>
+              <a:p>
+                <a:pPr lvl="1"/>
+                <a:r>
+                  <a:rPr lang="cs-CZ" sz="2000" dirty="0">
+                    <a:latin typeface="Arial" panose="020B0604020202020204" pitchFamily="34" charset="0"/>
+                  </a:rPr>
+                  <a:t>Pro CRC (n, k) volíme </a:t>
+                </a:r>
+                <a14:m>
+                  <m:oMath xmlns:m="http://schemas.openxmlformats.org/officeDocument/2006/math">
+                    <m:r>
+                      <a:rPr lang="cs-CZ" sz="2000" b="0" i="1" smtClean="0">
+                        <a:latin typeface="Cambria Math" panose="02040503050406030204" pitchFamily="18" charset="0"/>
+                      </a:rPr>
+                      <m:t>𝑔</m:t>
+                    </m:r>
+                    <m:d>
+                      <m:dPr>
+                        <m:ctrlPr>
+                          <a:rPr lang="cs-CZ" sz="2000" b="0" i="1" smtClean="0">
+                            <a:latin typeface="Cambria Math" panose="02040503050406030204" pitchFamily="18" charset="0"/>
+                          </a:rPr>
+                        </m:ctrlPr>
+                      </m:dPr>
+                      <m:e>
+                        <m:r>
+                          <a:rPr lang="cs-CZ" sz="2000" b="0" i="1" smtClean="0">
+                            <a:latin typeface="Cambria Math" panose="02040503050406030204" pitchFamily="18" charset="0"/>
+                          </a:rPr>
+                          <m:t>𝑥</m:t>
+                        </m:r>
+                      </m:e>
+                    </m:d>
+                  </m:oMath>
+                </a14:m>
+                <a:r>
+                  <a:rPr lang="cs-CZ" sz="2000" dirty="0"/>
+                  <a:t> tak, aby bylo </a:t>
+                </a:r>
+                <a14:m>
+                  <m:oMath xmlns:m="http://schemas.openxmlformats.org/officeDocument/2006/math">
+                    <m:r>
+                      <a:rPr lang="cs-CZ" sz="2000" b="0" i="1" smtClean="0">
+                        <a:latin typeface="Cambria Math" panose="02040503050406030204" pitchFamily="18" charset="0"/>
+                      </a:rPr>
+                      <m:t>𝑁</m:t>
+                    </m:r>
+                    <m:r>
+                      <a:rPr lang="cs-CZ" sz="2000" b="0" i="1" smtClean="0">
+                        <a:latin typeface="Cambria Math" panose="02040503050406030204" pitchFamily="18" charset="0"/>
+                      </a:rPr>
+                      <m:t>=</m:t>
+                    </m:r>
+                    <m:sSup>
+                      <m:sSupPr>
+                        <m:ctrlPr>
+                          <a:rPr lang="cs-CZ" sz="2000" b="0" i="1" smtClean="0">
+                            <a:latin typeface="Cambria Math" panose="02040503050406030204" pitchFamily="18" charset="0"/>
+                          </a:rPr>
+                        </m:ctrlPr>
+                      </m:sSupPr>
+                      <m:e>
+                        <m:r>
+                          <a:rPr lang="cs-CZ" sz="2000" b="0" i="1" smtClean="0">
+                            <a:latin typeface="Cambria Math" panose="02040503050406030204" pitchFamily="18" charset="0"/>
+                          </a:rPr>
+                          <m:t>2</m:t>
+                        </m:r>
+                      </m:e>
+                      <m:sup>
+                        <m:r>
+                          <a:rPr lang="cs-CZ" sz="2000" b="0" i="1" smtClean="0">
+                            <a:latin typeface="Cambria Math" panose="02040503050406030204" pitchFamily="18" charset="0"/>
+                          </a:rPr>
+                          <m:t>𝑛</m:t>
+                        </m:r>
+                        <m:r>
+                          <a:rPr lang="cs-CZ" sz="2000" b="0" i="1" smtClean="0">
+                            <a:latin typeface="Cambria Math" panose="02040503050406030204" pitchFamily="18" charset="0"/>
+                          </a:rPr>
+                          <m:t>−</m:t>
+                        </m:r>
+                        <m:r>
+                          <a:rPr lang="cs-CZ" sz="2000" b="0" i="1" smtClean="0">
+                            <a:latin typeface="Cambria Math" panose="02040503050406030204" pitchFamily="18" charset="0"/>
+                          </a:rPr>
+                          <m:t>𝑘</m:t>
+                        </m:r>
+                      </m:sup>
+                    </m:sSup>
+                    <m:r>
+                      <a:rPr lang="cs-CZ" sz="2000" b="0" i="1" smtClean="0">
+                        <a:latin typeface="Cambria Math" panose="02040503050406030204" pitchFamily="18" charset="0"/>
+                      </a:rPr>
+                      <m:t>−1</m:t>
+                    </m:r>
+                  </m:oMath>
+                </a14:m>
+                <a:r>
+                  <a:rPr lang="cs-CZ" sz="2000" dirty="0"/>
+                  <a:t> dostatečně velké.</a:t>
+                </a:r>
+              </a:p>
+              <a:p>
+                <a:pPr lvl="1"/>
+                <a:r>
+                  <a:rPr lang="cs-CZ" sz="2000" dirty="0"/>
+                  <a:t>Délka polynomu zprávy </a:t>
+                </a:r>
+                <a14:m>
+                  <m:oMath xmlns:m="http://schemas.openxmlformats.org/officeDocument/2006/math">
+                    <m:r>
+                      <a:rPr lang="cs-CZ" sz="2000" b="0" i="1" smtClean="0">
+                        <a:latin typeface="Cambria Math" panose="02040503050406030204" pitchFamily="18" charset="0"/>
+                      </a:rPr>
+                      <m:t>𝑀</m:t>
+                    </m:r>
+                    <m:r>
+                      <a:rPr lang="cs-CZ" sz="2000" b="0" i="1" smtClean="0">
+                        <a:latin typeface="Cambria Math" panose="02040503050406030204" pitchFamily="18" charset="0"/>
+                      </a:rPr>
+                      <m:t>(</m:t>
+                    </m:r>
+                    <m:r>
+                      <a:rPr lang="cs-CZ" sz="2000" b="0" i="1" smtClean="0">
+                        <a:latin typeface="Cambria Math" panose="02040503050406030204" pitchFamily="18" charset="0"/>
+                      </a:rPr>
+                      <m:t>𝑥</m:t>
+                    </m:r>
+                    <m:r>
+                      <a:rPr lang="cs-CZ" sz="2000" b="0" i="1" smtClean="0">
+                        <a:latin typeface="Cambria Math" panose="02040503050406030204" pitchFamily="18" charset="0"/>
+                      </a:rPr>
+                      <m:t>)</m:t>
+                    </m:r>
+                  </m:oMath>
+                </a14:m>
+                <a:r>
+                  <a:rPr lang="cs-CZ" sz="2000" dirty="0"/>
+                  <a:t> musí být menší, než </a:t>
+                </a:r>
+                <a14:m>
+                  <m:oMath xmlns:m="http://schemas.openxmlformats.org/officeDocument/2006/math">
+                    <m:sSup>
+                      <m:sSupPr>
+                        <m:ctrlPr>
+                          <a:rPr lang="cs-CZ" sz="2000" i="1">
+                            <a:latin typeface="Cambria Math" panose="02040503050406030204" pitchFamily="18" charset="0"/>
+                          </a:rPr>
+                        </m:ctrlPr>
+                      </m:sSupPr>
+                      <m:e>
+                        <m:r>
+                          <a:rPr lang="cs-CZ" sz="2000" i="1">
+                            <a:latin typeface="Cambria Math" panose="02040503050406030204" pitchFamily="18" charset="0"/>
+                          </a:rPr>
+                          <m:t>2</m:t>
+                        </m:r>
+                      </m:e>
+                      <m:sup>
+                        <m:r>
+                          <a:rPr lang="cs-CZ" sz="2000" i="1">
+                            <a:latin typeface="Cambria Math" panose="02040503050406030204" pitchFamily="18" charset="0"/>
+                          </a:rPr>
+                          <m:t>𝑛</m:t>
+                        </m:r>
+                        <m:r>
+                          <a:rPr lang="cs-CZ" sz="2000" i="1">
+                            <a:latin typeface="Cambria Math" panose="02040503050406030204" pitchFamily="18" charset="0"/>
+                          </a:rPr>
+                          <m:t>−</m:t>
+                        </m:r>
+                        <m:r>
+                          <a:rPr lang="cs-CZ" sz="2000" i="1">
+                            <a:latin typeface="Cambria Math" panose="02040503050406030204" pitchFamily="18" charset="0"/>
+                          </a:rPr>
+                          <m:t>𝑘</m:t>
+                        </m:r>
+                      </m:sup>
+                    </m:sSup>
+                    <m:r>
+                      <a:rPr lang="cs-CZ" sz="2000" i="1">
+                        <a:latin typeface="Cambria Math" panose="02040503050406030204" pitchFamily="18" charset="0"/>
+                      </a:rPr>
+                      <m:t>−1</m:t>
+                    </m:r>
+                  </m:oMath>
+                </a14:m>
+                <a:r>
+                  <a:rPr lang="cs-CZ" sz="2000" dirty="0"/>
+                  <a:t>.</a:t>
+                </a:r>
+              </a:p>
+              <a:p>
+                <a:endParaRPr lang="cs-CZ" dirty="0"/>
+              </a:p>
+            </p:txBody>
+          </p:sp>
+        </mc:Choice>
+        <mc:Fallback>
+          <p:sp>
+            <p:nvSpPr>
+              <p:cNvPr id="2" name="Zástupný obsah 1">
+                <a:extLst>
+                  <a:ext uri="{FF2B5EF4-FFF2-40B4-BE49-F238E27FC236}">
+                    <a16:creationId xmlns:a16="http://schemas.microsoft.com/office/drawing/2014/main" id="{6EFF797F-F154-DB72-D79F-6E2105E8E412}"/>
+                  </a:ext>
+                </a:extLst>
+              </p:cNvPr>
+              <p:cNvSpPr>
+                <a:spLocks noGrp="1" noRot="1" noChangeAspect="1" noMove="1" noResize="1" noEditPoints="1" noAdjustHandles="1" noChangeArrowheads="1" noChangeShapeType="1" noTextEdit="1"/>
+              </p:cNvSpPr>
+              <p:nvPr>
+                <p:ph idx="1"/>
+              </p:nvPr>
+            </p:nvSpPr>
+            <p:spPr>
+              <a:xfrm>
+                <a:off x="431808" y="2214562"/>
+                <a:ext cx="11521017" cy="2428875"/>
+              </a:xfrm>
+              <a:blipFill>
+                <a:blip r:embed="rId2"/>
+                <a:stretch>
+                  <a:fillRect l="-1058" t="-4010" b="-2005"/>
+                </a:stretch>
+              </a:blipFill>
+            </p:spPr>
+            <p:txBody>
+              <a:bodyPr/>
+              <a:lstStyle/>
+              <a:p>
+                <a:r>
+                  <a:rPr lang="cs-CZ">
+                    <a:noFill/>
+                  </a:rPr>
+                  <a:t> </a:t>
+                </a:r>
+              </a:p>
+            </p:txBody>
+          </p:sp>
+        </mc:Fallback>
+      </mc:AlternateContent>
+      <p:sp>
+        <p:nvSpPr>
+          <p:cNvPr id="3" name="Zástupný symbol pro zápatí 2">
+            <a:extLst>
+              <a:ext uri="{FF2B5EF4-FFF2-40B4-BE49-F238E27FC236}">
+                <a16:creationId xmlns:a16="http://schemas.microsoft.com/office/drawing/2014/main" id="{6659275A-B109-77F2-EE30-53A827419C77}"/>
+              </a:ext>
+            </a:extLst>
+          </p:cNvPr>
+          <p:cNvSpPr>
+            <a:spLocks noGrp="1"/>
+          </p:cNvSpPr>
+          <p:nvPr>
+            <p:ph type="ftr" sz="quarter" idx="10"/>
+          </p:nvPr>
+        </p:nvSpPr>
+        <p:spPr/>
+        <p:txBody>
+          <a:bodyPr/>
+          <a:lstStyle/>
+          <a:p>
+            <a:r>
+              <a:rPr lang="cs-CZ" b="1"/>
+              <a:t>Cyclic Redundancy Checks and Error Detection</a:t>
+            </a:r>
+            <a:endParaRPr lang="en-US" altLang="cs-CZ" dirty="0"/>
+          </a:p>
+        </p:txBody>
+      </p:sp>
+      <p:sp>
+        <p:nvSpPr>
+          <p:cNvPr id="4" name="Zástupný symbol pro číslo snímku 3">
+            <a:extLst>
+              <a:ext uri="{FF2B5EF4-FFF2-40B4-BE49-F238E27FC236}">
+                <a16:creationId xmlns:a16="http://schemas.microsoft.com/office/drawing/2014/main" id="{1A341E66-7C65-4D15-1F38-60D54C0882CE}"/>
+              </a:ext>
+            </a:extLst>
+          </p:cNvPr>
+          <p:cNvSpPr>
+            <a:spLocks noGrp="1"/>
+          </p:cNvSpPr>
+          <p:nvPr>
+            <p:ph type="sldNum" sz="quarter" idx="11"/>
+          </p:nvPr>
+        </p:nvSpPr>
+        <p:spPr/>
+        <p:txBody>
+          <a:bodyPr/>
+          <a:lstStyle/>
+          <a:p>
+            <a:fld id="{7C839148-7006-41C4-ABC2-D2A9F4595A63}" type="slidenum">
+              <a:rPr lang="en-US" altLang="cs-CZ" smtClean="0"/>
+              <a:pPr/>
+              <a:t>8</a:t>
+            </a:fld>
+            <a:r>
+              <a:rPr lang="en-US" altLang="cs-CZ" dirty="0"/>
+              <a:t>/</a:t>
+            </a:r>
+            <a:r>
+              <a:rPr lang="cs-CZ" altLang="cs-CZ" dirty="0"/>
+              <a:t>20</a:t>
+            </a:r>
+            <a:endParaRPr lang="en-US" altLang="cs-CZ" dirty="0"/>
+          </a:p>
+        </p:txBody>
+      </p:sp>
+      <p:sp>
+        <p:nvSpPr>
+          <p:cNvPr id="5" name="Nadpis 4">
+            <a:extLst>
+              <a:ext uri="{FF2B5EF4-FFF2-40B4-BE49-F238E27FC236}">
+                <a16:creationId xmlns:a16="http://schemas.microsoft.com/office/drawing/2014/main" id="{CC581F4F-3901-C551-4448-5713EC5D8489}"/>
+              </a:ext>
+            </a:extLst>
+          </p:cNvPr>
+          <p:cNvSpPr>
+            <a:spLocks noGrp="1"/>
+          </p:cNvSpPr>
+          <p:nvPr>
+            <p:ph type="title"/>
+          </p:nvPr>
+        </p:nvSpPr>
+        <p:spPr/>
+        <p:txBody>
+          <a:bodyPr/>
+          <a:lstStyle/>
+          <a:p>
+            <a:r>
+              <a:rPr lang="cs-CZ" dirty="0"/>
+              <a:t>Chyby – x-násobná chyba</a:t>
+            </a:r>
+          </a:p>
+        </p:txBody>
+      </p:sp>
+    </p:spTree>
+    <p:extLst>
+      <p:ext uri="{BB962C8B-B14F-4D97-AF65-F5344CB8AC3E}">
+        <p14:creationId xmlns:p14="http://schemas.microsoft.com/office/powerpoint/2010/main" val="3107722472"/>
+      </p:ext>
+    </p:extLst>
+  </p:cSld>
+  <p:clrMapOvr>
+    <a:masterClrMapping/>
+  </p:clrMapOvr>
+</p:sld>
+</file>
+
+<file path=ppt/slides/slide9.xml><?xml version="1.0" encoding="utf-8"?>
+<p:sld xmlns:a="http://schemas.openxmlformats.org/drawingml/2006/main" xmlns:r="http://schemas.openxmlformats.org/officeDocument/2006/relationships" xmlns:p="http://schemas.openxmlformats.org/presentationml/2006/main">
+  <p:cSld>
+    <p:spTree>
+      <p:nvGrpSpPr>
+        <p:cNvPr id="1" name=""/>
+        <p:cNvGrpSpPr/>
+        <p:nvPr/>
+      </p:nvGrpSpPr>
+      <p:grpSpPr>
+        <a:xfrm>
+          <a:off x="0" y="0"/>
+          <a:ext cx="0" cy="0"/>
+          <a:chOff x="0" y="0"/>
+          <a:chExt cx="0" cy="0"/>
+        </a:xfrm>
+      </p:grpSpPr>
+      <mc:AlternateContent xmlns:mc="http://schemas.openxmlformats.org/markup-compatibility/2006">
+        <mc:Choice xmlns:a14="http://schemas.microsoft.com/office/drawing/2010/main" Requires="a14">
+          <p:sp>
+            <p:nvSpPr>
+              <p:cNvPr id="2" name="Zástupný obsah 1">
+                <a:extLst>
+                  <a:ext uri="{FF2B5EF4-FFF2-40B4-BE49-F238E27FC236}">
+                    <a16:creationId xmlns:a16="http://schemas.microsoft.com/office/drawing/2014/main" id="{45E13882-8DCE-AB19-C19B-39C4C9937CC6}"/>
+                  </a:ext>
+                </a:extLst>
+              </p:cNvPr>
+              <p:cNvSpPr>
+                <a:spLocks noGrp="1"/>
+              </p:cNvSpPr>
+              <p:nvPr>
+                <p:ph idx="1"/>
+              </p:nvPr>
+            </p:nvSpPr>
+            <p:spPr>
+              <a:xfrm>
+                <a:off x="431809" y="1585118"/>
+                <a:ext cx="11264892" cy="3687763"/>
+              </a:xfrm>
+            </p:spPr>
+            <p:txBody>
+              <a:bodyPr/>
+              <a:lstStyle/>
+              <a:p>
+                <a:pPr algn="just"/>
+                <a:r>
+                  <a:rPr lang="cs-CZ" dirty="0"/>
+                  <a:t>Jedná se o shluk délky </a:t>
+                </a:r>
+                <a:r>
+                  <a:rPr lang="cs-CZ" i="1" dirty="0"/>
+                  <a:t>b</a:t>
+                </a:r>
+                <a:r>
+                  <a:rPr lang="cs-CZ" dirty="0"/>
+                  <a:t>, který obsahuje chybné hodnoty.</a:t>
+                </a:r>
+              </a:p>
+              <a:p>
+                <a:pPr lvl="1" algn="just">
+                  <a:buSzPct val="85000"/>
+                </a:pPr>
+                <a14:m>
+                  <m:oMath xmlns:m="http://schemas.openxmlformats.org/officeDocument/2006/math">
+                    <m:r>
+                      <a:rPr lang="cs-CZ" b="0" i="1" smtClean="0">
+                        <a:latin typeface="Cambria Math" panose="02040503050406030204" pitchFamily="18" charset="0"/>
+                      </a:rPr>
+                      <m:t>𝑀</m:t>
+                    </m:r>
+                    <m:d>
+                      <m:dPr>
+                        <m:ctrlPr>
+                          <a:rPr lang="cs-CZ" b="0" i="1" smtClean="0">
+                            <a:latin typeface="Cambria Math" panose="02040503050406030204" pitchFamily="18" charset="0"/>
+                          </a:rPr>
+                        </m:ctrlPr>
+                      </m:dPr>
+                      <m:e>
+                        <m:r>
+                          <a:rPr lang="cs-CZ" b="0" i="1" smtClean="0">
+                            <a:latin typeface="Cambria Math" panose="02040503050406030204" pitchFamily="18" charset="0"/>
+                          </a:rPr>
+                          <m:t>𝑥</m:t>
+                        </m:r>
+                      </m:e>
+                    </m:d>
+                    <m:r>
+                      <a:rPr lang="cs-CZ" b="0" i="1" smtClean="0">
+                        <a:latin typeface="Cambria Math" panose="02040503050406030204" pitchFamily="18" charset="0"/>
+                      </a:rPr>
+                      <m:t>  =</m:t>
+                    </m:r>
+                  </m:oMath>
+                </a14:m>
+                <a:r>
+                  <a:rPr lang="cs-CZ" b="0" i="1" dirty="0">
+                    <a:latin typeface="Cambria Math" panose="02040503050406030204" pitchFamily="18" charset="0"/>
+                  </a:rPr>
+                  <a:t> </a:t>
+                </a:r>
+                <a:r>
+                  <a:rPr lang="cs-CZ" b="0" dirty="0">
+                    <a:latin typeface="Cambria Math" panose="02040503050406030204" pitchFamily="18" charset="0"/>
+                  </a:rPr>
+                  <a:t>00001010000</a:t>
+                </a:r>
+              </a:p>
+              <a:p>
+                <a:pPr lvl="1" algn="just">
+                  <a:buSzPct val="85000"/>
+                </a:pPr>
+                <a14:m>
+                  <m:oMath xmlns:m="http://schemas.openxmlformats.org/officeDocument/2006/math">
+                    <m:sSub>
+                      <m:sSubPr>
+                        <m:ctrlPr>
+                          <a:rPr lang="cs-CZ" b="0" i="1" smtClean="0">
+                            <a:latin typeface="Cambria Math" panose="02040503050406030204" pitchFamily="18" charset="0"/>
+                          </a:rPr>
+                        </m:ctrlPr>
+                      </m:sSubPr>
+                      <m:e>
+                        <m:r>
+                          <a:rPr lang="cs-CZ" b="0" i="1" smtClean="0">
+                            <a:latin typeface="Cambria Math" panose="02040503050406030204" pitchFamily="18" charset="0"/>
+                          </a:rPr>
+                          <m:t>𝑀</m:t>
+                        </m:r>
+                      </m:e>
+                      <m:sub>
+                        <m:r>
+                          <a:rPr lang="cs-CZ" b="0" i="1" smtClean="0">
+                            <a:latin typeface="Cambria Math" panose="02040503050406030204" pitchFamily="18" charset="0"/>
+                          </a:rPr>
+                          <m:t>𝐸</m:t>
+                        </m:r>
+                      </m:sub>
+                    </m:sSub>
+                    <m:d>
+                      <m:dPr>
+                        <m:ctrlPr>
+                          <a:rPr lang="cs-CZ" b="0" i="1" smtClean="0">
+                            <a:latin typeface="Cambria Math" panose="02040503050406030204" pitchFamily="18" charset="0"/>
+                          </a:rPr>
+                        </m:ctrlPr>
+                      </m:dPr>
+                      <m:e>
+                        <m:r>
+                          <a:rPr lang="cs-CZ" b="0" i="1" smtClean="0">
+                            <a:latin typeface="Cambria Math" panose="02040503050406030204" pitchFamily="18" charset="0"/>
+                          </a:rPr>
+                          <m:t>𝑥</m:t>
+                        </m:r>
+                      </m:e>
+                    </m:d>
+                    <m:r>
+                      <a:rPr lang="cs-CZ" b="0" i="1" smtClean="0">
+                        <a:latin typeface="Cambria Math" panose="02040503050406030204" pitchFamily="18" charset="0"/>
+                      </a:rPr>
+                      <m:t>=</m:t>
+                    </m:r>
+                  </m:oMath>
+                </a14:m>
+                <a:r>
+                  <a:rPr lang="cs-CZ" dirty="0"/>
+                  <a:t> </a:t>
+                </a:r>
+                <a:r>
+                  <a:rPr lang="cs-CZ" dirty="0">
+                    <a:latin typeface="Cambria Math" panose="02040503050406030204" pitchFamily="18" charset="0"/>
+                  </a:rPr>
+                  <a:t>000</a:t>
+                </a:r>
+                <a:r>
+                  <a:rPr lang="cs-CZ" u="sng" dirty="0">
+                    <a:latin typeface="Cambria Math" panose="02040503050406030204" pitchFamily="18" charset="0"/>
+                  </a:rPr>
+                  <a:t>10011</a:t>
+                </a:r>
+                <a:r>
+                  <a:rPr lang="cs-CZ" dirty="0">
+                    <a:latin typeface="Cambria Math" panose="02040503050406030204" pitchFamily="18" charset="0"/>
+                  </a:rPr>
+                  <a:t>000</a:t>
+                </a:r>
+              </a:p>
+              <a:p>
+                <a:pPr lvl="1" algn="just">
+                  <a:buSzPct val="85000"/>
+                </a:pPr>
+                <a:endParaRPr lang="cs-CZ" dirty="0"/>
+              </a:p>
+              <a:p>
+                <a:pPr algn="just"/>
+                <a:r>
+                  <a:rPr lang="cs-CZ" dirty="0"/>
+                  <a:t>Pro všechny ireducibilní generující polynomy stupně </a:t>
+                </a:r>
+                <a:r>
+                  <a:rPr lang="cs-CZ" b="1" dirty="0"/>
+                  <a:t>p</a:t>
+                </a:r>
+                <a:r>
+                  <a:rPr lang="cs-CZ" dirty="0"/>
+                  <a:t> platí:</a:t>
+                </a:r>
+              </a:p>
+              <a:p>
+                <a:pPr lvl="1" algn="just"/>
+                <a:r>
+                  <a:rPr lang="cs-CZ" dirty="0"/>
+                  <a:t>Detekuje všechny shluky do délky </a:t>
+                </a:r>
+                <a:r>
+                  <a:rPr lang="cs-CZ" b="1" dirty="0"/>
+                  <a:t>p</a:t>
+                </a:r>
+                <a:r>
+                  <a:rPr lang="cs-CZ" dirty="0"/>
+                  <a:t>.</a:t>
+                </a:r>
+                <a:endParaRPr lang="cs-CZ" b="1" dirty="0"/>
+              </a:p>
+              <a:p>
+                <a:pPr lvl="1" algn="just"/>
+                <a:r>
+                  <a:rPr lang="cs-CZ" dirty="0"/>
+                  <a:t>Detekuje </a:t>
+                </a:r>
+                <a14:m>
+                  <m:oMath xmlns:m="http://schemas.openxmlformats.org/officeDocument/2006/math">
+                    <m:r>
+                      <a:rPr lang="cs-CZ" b="0" i="1" smtClean="0">
+                        <a:latin typeface="Cambria Math" panose="02040503050406030204" pitchFamily="18" charset="0"/>
+                      </a:rPr>
+                      <m:t>1−</m:t>
+                    </m:r>
+                    <m:sSup>
+                      <m:sSupPr>
+                        <m:ctrlPr>
+                          <a:rPr lang="cs-CZ" b="0" i="1" smtClean="0">
+                            <a:latin typeface="Cambria Math" panose="02040503050406030204" pitchFamily="18" charset="0"/>
+                          </a:rPr>
+                        </m:ctrlPr>
+                      </m:sSupPr>
+                      <m:e>
+                        <m:r>
+                          <a:rPr lang="cs-CZ" b="0" i="1" smtClean="0">
+                            <a:latin typeface="Cambria Math" panose="02040503050406030204" pitchFamily="18" charset="0"/>
+                          </a:rPr>
+                          <m:t>0,5</m:t>
+                        </m:r>
+                      </m:e>
+                      <m:sup>
+                        <m:r>
+                          <a:rPr lang="cs-CZ" b="0" i="1" smtClean="0">
+                            <a:latin typeface="Cambria Math" panose="02040503050406030204" pitchFamily="18" charset="0"/>
+                          </a:rPr>
+                          <m:t>𝑝</m:t>
+                        </m:r>
+                      </m:sup>
+                    </m:sSup>
+                    <m:r>
+                      <a:rPr lang="cs-CZ" b="0" i="1" smtClean="0">
+                        <a:latin typeface="Cambria Math" panose="02040503050406030204" pitchFamily="18" charset="0"/>
+                      </a:rPr>
+                      <m:t> </m:t>
+                    </m:r>
+                  </m:oMath>
+                </a14:m>
+                <a:r>
+                  <a:rPr lang="cs-CZ" dirty="0"/>
+                  <a:t>všech shlukových chyb délky více než </a:t>
+                </a:r>
+                <a14:m>
+                  <m:oMath xmlns:m="http://schemas.openxmlformats.org/officeDocument/2006/math">
+                    <m:r>
+                      <a:rPr lang="cs-CZ" b="0" i="1" smtClean="0">
+                        <a:latin typeface="Cambria Math" panose="02040503050406030204" pitchFamily="18" charset="0"/>
+                      </a:rPr>
+                      <m:t>𝑝</m:t>
+                    </m:r>
+                    <m:r>
+                      <a:rPr lang="cs-CZ" b="0" i="1" smtClean="0">
+                        <a:latin typeface="Cambria Math" panose="02040503050406030204" pitchFamily="18" charset="0"/>
+                      </a:rPr>
+                      <m:t>+1</m:t>
+                    </m:r>
+                  </m:oMath>
+                </a14:m>
+                <a:r>
+                  <a:rPr lang="cs-CZ" dirty="0"/>
+                  <a:t>.</a:t>
+                </a:r>
+              </a:p>
+              <a:p>
+                <a:pPr lvl="1" algn="just"/>
+                <a:r>
+                  <a:rPr lang="cs-CZ" dirty="0"/>
+                  <a:t>Pravděpodobnost nedekování shlukové chyby větší délky než </a:t>
+                </a:r>
+                <a14:m>
+                  <m:oMath xmlns:m="http://schemas.openxmlformats.org/officeDocument/2006/math">
+                    <m:r>
+                      <a:rPr lang="cs-CZ" b="0" i="1" smtClean="0">
+                        <a:latin typeface="Cambria Math" panose="02040503050406030204" pitchFamily="18" charset="0"/>
+                      </a:rPr>
+                      <m:t>𝑛</m:t>
+                    </m:r>
+                    <m:r>
+                      <a:rPr lang="cs-CZ" b="0" i="1" smtClean="0">
+                        <a:latin typeface="Cambria Math" panose="02040503050406030204" pitchFamily="18" charset="0"/>
+                      </a:rPr>
+                      <m:t>−</m:t>
+                    </m:r>
+                    <m:r>
+                      <a:rPr lang="cs-CZ" b="0" i="1" smtClean="0">
+                        <a:latin typeface="Cambria Math" panose="02040503050406030204" pitchFamily="18" charset="0"/>
+                      </a:rPr>
+                      <m:t>𝑘</m:t>
+                    </m:r>
+                  </m:oMath>
+                </a14:m>
+                <a:r>
+                  <a:rPr lang="cs-CZ" dirty="0"/>
+                  <a:t> je</a:t>
+                </a:r>
+                <a14:m>
+                  <m:oMath xmlns:m="http://schemas.openxmlformats.org/officeDocument/2006/math">
+                    <m:sSup>
+                      <m:sSupPr>
+                        <m:ctrlPr>
+                          <a:rPr lang="cs-CZ" b="0" i="1" dirty="0" smtClean="0">
+                            <a:latin typeface="Cambria Math" panose="02040503050406030204" pitchFamily="18" charset="0"/>
+                          </a:rPr>
+                        </m:ctrlPr>
+                      </m:sSupPr>
+                      <m:e>
+                        <m:r>
+                          <a:rPr lang="cs-CZ" b="0" i="1" dirty="0" smtClean="0">
+                            <a:latin typeface="Cambria Math" panose="02040503050406030204" pitchFamily="18" charset="0"/>
+                          </a:rPr>
+                          <m:t>2</m:t>
+                        </m:r>
+                      </m:e>
+                      <m:sup>
+                        <m:r>
+                          <a:rPr lang="cs-CZ" b="0" i="1" dirty="0" smtClean="0">
+                            <a:latin typeface="Cambria Math" panose="02040503050406030204" pitchFamily="18" charset="0"/>
+                          </a:rPr>
+                          <m:t>−(</m:t>
+                        </m:r>
+                        <m:r>
+                          <a:rPr lang="cs-CZ" b="0" i="1" dirty="0" smtClean="0">
+                            <a:latin typeface="Cambria Math" panose="02040503050406030204" pitchFamily="18" charset="0"/>
+                          </a:rPr>
+                          <m:t>𝑛</m:t>
+                        </m:r>
+                        <m:r>
+                          <a:rPr lang="cs-CZ" b="0" i="1" dirty="0" smtClean="0">
+                            <a:latin typeface="Cambria Math" panose="02040503050406030204" pitchFamily="18" charset="0"/>
+                          </a:rPr>
+                          <m:t>−</m:t>
+                        </m:r>
+                        <m:r>
+                          <a:rPr lang="cs-CZ" b="0" i="1" dirty="0" smtClean="0">
+                            <a:latin typeface="Cambria Math" panose="02040503050406030204" pitchFamily="18" charset="0"/>
+                          </a:rPr>
+                          <m:t>𝑘</m:t>
+                        </m:r>
+                        <m:r>
+                          <a:rPr lang="cs-CZ" b="0" i="1" dirty="0" smtClean="0">
+                            <a:latin typeface="Cambria Math" panose="02040503050406030204" pitchFamily="18" charset="0"/>
+                          </a:rPr>
+                          <m:t>)</m:t>
+                        </m:r>
+                      </m:sup>
+                    </m:sSup>
+                    <m:r>
+                      <a:rPr lang="cs-CZ" b="0" i="1" dirty="0" smtClean="0">
+                        <a:latin typeface="Cambria Math" panose="02040503050406030204" pitchFamily="18" charset="0"/>
+                      </a:rPr>
+                      <m:t>.</m:t>
+                    </m:r>
+                  </m:oMath>
+                </a14:m>
+                <a:endParaRPr lang="cs-CZ" dirty="0"/>
+              </a:p>
+            </p:txBody>
+          </p:sp>
+        </mc:Choice>
+        <mc:Fallback>
+          <p:sp>
+            <p:nvSpPr>
+              <p:cNvPr id="2" name="Zástupný obsah 1">
+                <a:extLst>
+                  <a:ext uri="{FF2B5EF4-FFF2-40B4-BE49-F238E27FC236}">
+                    <a16:creationId xmlns:a16="http://schemas.microsoft.com/office/drawing/2014/main" id="{45E13882-8DCE-AB19-C19B-39C4C9937CC6}"/>
+                  </a:ext>
+                </a:extLst>
+              </p:cNvPr>
+              <p:cNvSpPr>
+                <a:spLocks noGrp="1" noRot="1" noChangeAspect="1" noMove="1" noResize="1" noEditPoints="1" noAdjustHandles="1" noChangeArrowheads="1" noChangeShapeType="1" noTextEdit="1"/>
+              </p:cNvSpPr>
+              <p:nvPr>
+                <p:ph idx="1"/>
+              </p:nvPr>
+            </p:nvSpPr>
+            <p:spPr>
+              <a:xfrm>
+                <a:off x="431809" y="1585118"/>
+                <a:ext cx="11264892" cy="3687763"/>
+              </a:xfrm>
+              <a:blipFill>
+                <a:blip r:embed="rId2"/>
+                <a:stretch>
+                  <a:fillRect l="-1245" t="-2975" r="-108" b="-11736"/>
+                </a:stretch>
+              </a:blipFill>
+            </p:spPr>
+            <p:txBody>
+              <a:bodyPr/>
+              <a:lstStyle/>
+              <a:p>
+                <a:r>
+                  <a:rPr lang="cs-CZ">
+                    <a:noFill/>
+                  </a:rPr>
+                  <a:t> </a:t>
+                </a:r>
+              </a:p>
+            </p:txBody>
+          </p:sp>
+        </mc:Fallback>
+      </mc:AlternateContent>
+      <p:sp>
+        <p:nvSpPr>
+          <p:cNvPr id="3" name="Zástupný symbol pro zápatí 2">
+            <a:extLst>
+              <a:ext uri="{FF2B5EF4-FFF2-40B4-BE49-F238E27FC236}">
+                <a16:creationId xmlns:a16="http://schemas.microsoft.com/office/drawing/2014/main" id="{589A35E4-1720-D8C7-84FD-577761A1ECC9}"/>
+              </a:ext>
+            </a:extLst>
+          </p:cNvPr>
+          <p:cNvSpPr>
+            <a:spLocks noGrp="1"/>
+          </p:cNvSpPr>
+          <p:nvPr>
+            <p:ph type="ftr" sz="quarter" idx="10"/>
+          </p:nvPr>
+        </p:nvSpPr>
+        <p:spPr/>
+        <p:txBody>
+          <a:bodyPr/>
+          <a:lstStyle/>
+          <a:p>
+            <a:r>
+              <a:rPr lang="cs-CZ" b="1"/>
+              <a:t>Cyclic Redundancy Checks and Error Detection</a:t>
+            </a:r>
+            <a:endParaRPr lang="en-US" altLang="cs-CZ" dirty="0"/>
+          </a:p>
+        </p:txBody>
+      </p:sp>
+      <p:sp>
+        <p:nvSpPr>
+          <p:cNvPr id="4" name="Zástupný symbol pro číslo snímku 3">
+            <a:extLst>
+              <a:ext uri="{FF2B5EF4-FFF2-40B4-BE49-F238E27FC236}">
+                <a16:creationId xmlns:a16="http://schemas.microsoft.com/office/drawing/2014/main" id="{D2411DC8-EB27-7D21-40A0-4C32678373D0}"/>
+              </a:ext>
+            </a:extLst>
+          </p:cNvPr>
+          <p:cNvSpPr>
+            <a:spLocks noGrp="1"/>
+          </p:cNvSpPr>
+          <p:nvPr>
+            <p:ph type="sldNum" sz="quarter" idx="11"/>
+          </p:nvPr>
+        </p:nvSpPr>
+        <p:spPr/>
+        <p:txBody>
+          <a:bodyPr/>
+          <a:lstStyle/>
+          <a:p>
+            <a:fld id="{7C839148-7006-41C4-ABC2-D2A9F4595A63}" type="slidenum">
+              <a:rPr lang="en-US" altLang="cs-CZ" smtClean="0"/>
+              <a:pPr/>
+              <a:t>9</a:t>
+            </a:fld>
+            <a:r>
+              <a:rPr lang="en-US" altLang="cs-CZ" dirty="0"/>
+              <a:t>/</a:t>
+            </a:r>
+            <a:r>
+              <a:rPr lang="cs-CZ" altLang="cs-CZ" dirty="0"/>
+              <a:t>20</a:t>
+            </a:r>
+            <a:endParaRPr lang="en-US" altLang="cs-CZ" dirty="0"/>
+          </a:p>
+        </p:txBody>
+      </p:sp>
+      <p:sp>
+        <p:nvSpPr>
+          <p:cNvPr id="5" name="Nadpis 4">
+            <a:extLst>
+              <a:ext uri="{FF2B5EF4-FFF2-40B4-BE49-F238E27FC236}">
+                <a16:creationId xmlns:a16="http://schemas.microsoft.com/office/drawing/2014/main" id="{23B2FB3A-8F53-003E-C848-5E7905FBFE85}"/>
+              </a:ext>
+            </a:extLst>
+          </p:cNvPr>
+          <p:cNvSpPr>
+            <a:spLocks noGrp="1"/>
+          </p:cNvSpPr>
+          <p:nvPr>
+            <p:ph type="title"/>
+          </p:nvPr>
+        </p:nvSpPr>
+        <p:spPr/>
+        <p:txBody>
+          <a:bodyPr/>
+          <a:lstStyle/>
+          <a:p>
+            <a:r>
+              <a:rPr lang="cs-CZ" dirty="0"/>
+              <a:t>Chyby – Shluková chyba (</a:t>
+            </a:r>
+            <a:r>
+              <a:rPr lang="cs-CZ" dirty="0" err="1"/>
+              <a:t>burst</a:t>
+            </a:r>
+            <a:r>
+              <a:rPr lang="cs-CZ" dirty="0"/>
+              <a:t> </a:t>
+            </a:r>
+            <a:r>
+              <a:rPr lang="cs-CZ" dirty="0" err="1"/>
+              <a:t>error</a:t>
+            </a:r>
+            <a:r>
+              <a:rPr lang="cs-CZ" dirty="0"/>
+              <a:t>)</a:t>
+            </a:r>
+          </a:p>
+        </p:txBody>
+      </p:sp>
+    </p:spTree>
+    <p:extLst>
+      <p:ext uri="{BB962C8B-B14F-4D97-AF65-F5344CB8AC3E}">
+        <p14:creationId xmlns:p14="http://schemas.microsoft.com/office/powerpoint/2010/main" val="2699998431"/>
       </p:ext>
     </p:extLst>
   </p:cSld>

--- a/SPP-prezentace.pptx
+++ b/SPP-prezentace.pptx
@@ -9128,154 +9128,220 @@
           <a:chExt cx="0" cy="0"/>
         </a:xfrm>
       </p:grpSpPr>
-      <p:sp>
-        <p:nvSpPr>
-          <p:cNvPr id="2" name="Zástupný obsah 1">
-            <a:extLst>
-              <a:ext uri="{FF2B5EF4-FFF2-40B4-BE49-F238E27FC236}">
-                <a16:creationId xmlns:a16="http://schemas.microsoft.com/office/drawing/2014/main" id="{49898EB5-A5FD-FDD0-8D95-6A81137C33E6}"/>
-              </a:ext>
-            </a:extLst>
-          </p:cNvPr>
-          <p:cNvSpPr>
-            <a:spLocks noGrp="1"/>
-          </p:cNvSpPr>
-          <p:nvPr>
-            <p:ph idx="1"/>
-          </p:nvPr>
-        </p:nvSpPr>
-        <p:spPr/>
-        <p:txBody>
-          <a:bodyPr/>
-          <a:lstStyle/>
-          <a:p>
-            <a:pPr algn="just"/>
-            <a:r>
-              <a:rPr lang="cs-CZ" sz="2400" dirty="0"/>
-              <a:t>CRC (65552, 65536)</a:t>
-            </a:r>
-          </a:p>
-          <a:p>
-            <a:pPr algn="just"/>
-            <a:r>
-              <a:rPr lang="cs-CZ" sz="2400" dirty="0"/>
-              <a:t>727552 poškozených paketů</a:t>
-            </a:r>
-          </a:p>
-          <a:p>
-            <a:pPr algn="just"/>
-            <a:r>
-              <a:rPr lang="cs-CZ" sz="2400" dirty="0"/>
-              <a:t>27 různých generujících polynomů stupně 16</a:t>
-            </a:r>
-          </a:p>
-          <a:p>
-            <a:pPr lvl="1" algn="just"/>
-            <a:r>
-              <a:rPr lang="cs-CZ" sz="2200" b="1" dirty="0"/>
-              <a:t>Primitive in GF2</a:t>
-            </a:r>
-          </a:p>
-          <a:p>
-            <a:pPr lvl="2" algn="just"/>
-            <a:r>
-              <a:rPr lang="cs-CZ" sz="2000" dirty="0"/>
-              <a:t>5 primitivních polynomů stupně 16 </a:t>
-            </a:r>
-          </a:p>
-          <a:p>
-            <a:pPr lvl="1" algn="just"/>
-            <a:r>
-              <a:rPr lang="cs-CZ" sz="2200" b="1" dirty="0"/>
-              <a:t>Primitive 15 in GF2(x+1)</a:t>
-            </a:r>
-          </a:p>
-          <a:p>
-            <a:pPr lvl="2" algn="just"/>
-            <a:r>
-              <a:rPr lang="cs-CZ" sz="2000" dirty="0"/>
-              <a:t>5 polynomů stupně 15 vynásobených (x+1)</a:t>
-            </a:r>
-          </a:p>
-          <a:p>
-            <a:pPr lvl="1" algn="just"/>
-            <a:r>
-              <a:rPr lang="cs-CZ" sz="2200" b="1" dirty="0" err="1"/>
-              <a:t>Ireducible</a:t>
-            </a:r>
-            <a:r>
-              <a:rPr lang="cs-CZ" sz="2200" b="1" dirty="0"/>
-              <a:t> GF2 </a:t>
-            </a:r>
-            <a:r>
-              <a:rPr lang="cs-CZ" sz="2200" b="1" dirty="0" err="1"/>
-              <a:t>Orbiter</a:t>
-            </a:r>
-            <a:endParaRPr lang="cs-CZ" sz="2200" b="1" dirty="0"/>
-          </a:p>
-          <a:p>
-            <a:pPr lvl="2" algn="just"/>
-            <a:r>
-              <a:rPr lang="cs-CZ" sz="2000" dirty="0"/>
-              <a:t>10 ireducibilních polynomů stupně 16 zvolených nástrojem </a:t>
-            </a:r>
-            <a:r>
-              <a:rPr lang="cs-CZ" sz="2000" dirty="0" err="1"/>
-              <a:t>Orbiter</a:t>
-            </a:r>
-            <a:endParaRPr lang="cs-CZ" sz="2000" dirty="0"/>
-          </a:p>
-          <a:p>
-            <a:pPr lvl="1" algn="just"/>
-            <a:r>
-              <a:rPr lang="cs-CZ" sz="2200" b="1" dirty="0" err="1"/>
-              <a:t>From</a:t>
-            </a:r>
-            <a:r>
-              <a:rPr lang="cs-CZ" sz="2200" b="1" dirty="0"/>
-              <a:t> Program</a:t>
-            </a:r>
-          </a:p>
-          <a:p>
-            <a:pPr lvl="2" algn="just"/>
-            <a:r>
-              <a:rPr lang="cs-CZ" sz="2000" dirty="0"/>
-              <a:t>5 nejlepších polynomů pro detekci dvoubitové chyby</a:t>
-            </a:r>
-          </a:p>
-          <a:p>
-            <a:pPr lvl="2" algn="just"/>
-            <a:r>
-              <a:rPr lang="cs-CZ" sz="2000" dirty="0"/>
-              <a:t>polynom CCITT využívaný v X.25, V:41, Bluetooth, SD</a:t>
-            </a:r>
-          </a:p>
-          <a:p>
-            <a:pPr lvl="2" algn="just"/>
-            <a:r>
-              <a:rPr lang="cs-CZ" sz="2000" dirty="0"/>
-              <a:t>polynom CRC-16 od IBM využívaný v USB, ANSI X3.28, </a:t>
-            </a:r>
-            <a:r>
-              <a:rPr lang="cs-CZ" sz="2000" dirty="0" err="1"/>
-              <a:t>Bisinc</a:t>
-            </a:r>
-            <a:r>
-              <a:rPr lang="cs-CZ" sz="2000" dirty="0"/>
-              <a:t>, </a:t>
-            </a:r>
-            <a:r>
-              <a:rPr lang="cs-CZ" sz="2000" dirty="0" err="1"/>
-              <a:t>Modbus</a:t>
-            </a:r>
-            <a:endParaRPr lang="cs-CZ" sz="2000" dirty="0"/>
-          </a:p>
-          <a:p>
-            <a:pPr lvl="1" algn="just"/>
-            <a:endParaRPr lang="cs-CZ" sz="2200" dirty="0"/>
-          </a:p>
-        </p:txBody>
-      </p:sp>
+      <mc:AlternateContent xmlns:mc="http://schemas.openxmlformats.org/markup-compatibility/2006">
+        <mc:Choice xmlns:a14="http://schemas.microsoft.com/office/drawing/2010/main" Requires="a14">
+          <p:sp>
+            <p:nvSpPr>
+              <p:cNvPr id="2" name="Zástupný obsah 1">
+                <a:extLst>
+                  <a:ext uri="{FF2B5EF4-FFF2-40B4-BE49-F238E27FC236}">
+                    <a16:creationId xmlns:a16="http://schemas.microsoft.com/office/drawing/2014/main" id="{49898EB5-A5FD-FDD0-8D95-6A81137C33E6}"/>
+                  </a:ext>
+                </a:extLst>
+              </p:cNvPr>
+              <p:cNvSpPr>
+                <a:spLocks noGrp="1"/>
+              </p:cNvSpPr>
+              <p:nvPr>
+                <p:ph idx="1"/>
+              </p:nvPr>
+            </p:nvSpPr>
+            <p:spPr/>
+            <p:txBody>
+              <a:bodyPr/>
+              <a:lstStyle/>
+              <a:p>
+                <a:pPr algn="just"/>
+                <a:r>
+                  <a:rPr lang="cs-CZ" sz="2400" dirty="0"/>
+                  <a:t>CRC (65552, 65536)</a:t>
+                </a:r>
+              </a:p>
+              <a:p>
+                <a:pPr algn="just"/>
+                <a:r>
+                  <a:rPr lang="cs-CZ" sz="2400" dirty="0"/>
+                  <a:t>727 552 poškozených paketů</a:t>
+                </a:r>
+              </a:p>
+              <a:p>
+                <a:pPr algn="just"/>
+                <a:r>
+                  <a:rPr lang="cs-CZ" sz="2400" dirty="0"/>
+                  <a:t>27 různých generujících polynomů stupně 16</a:t>
+                </a:r>
+              </a:p>
+              <a:p>
+                <a:pPr lvl="1" algn="just"/>
+                <a:r>
+                  <a:rPr lang="cs-CZ" sz="2200" b="1" dirty="0"/>
+                  <a:t>Primitive in GF2</a:t>
+                </a:r>
+              </a:p>
+              <a:p>
+                <a:pPr lvl="2" algn="just"/>
+                <a:r>
+                  <a:rPr lang="cs-CZ" sz="2000" dirty="0"/>
+                  <a:t>5 primitivních polynomů stupně 16 </a:t>
+                </a:r>
+              </a:p>
+              <a:p>
+                <a:pPr lvl="1" algn="just"/>
+                <a:r>
+                  <a:rPr lang="cs-CZ" sz="2200" b="1" dirty="0"/>
+                  <a:t>Primitive 15 in GF2(x+1)</a:t>
+                </a:r>
+              </a:p>
+              <a:p>
+                <a:pPr lvl="2" algn="just"/>
+                <a:r>
+                  <a:rPr lang="cs-CZ" sz="2000" dirty="0"/>
+                  <a:t>5 polynomů stupně 15 vynásobených </a:t>
+                </a:r>
+                <a14:m>
+                  <m:oMath xmlns:m="http://schemas.openxmlformats.org/officeDocument/2006/math">
+                    <m:r>
+                      <a:rPr lang="cs-CZ" sz="2000" b="0" i="1" smtClean="0">
+                        <a:latin typeface="Cambria Math" panose="02040503050406030204" pitchFamily="18" charset="0"/>
+                      </a:rPr>
+                      <m:t>(</m:t>
+                    </m:r>
+                    <m:r>
+                      <a:rPr lang="cs-CZ" sz="2000" b="0" i="1" smtClean="0">
+                        <a:latin typeface="Cambria Math" panose="02040503050406030204" pitchFamily="18" charset="0"/>
+                      </a:rPr>
+                      <m:t>𝑥</m:t>
+                    </m:r>
+                    <m:r>
+                      <a:rPr lang="cs-CZ" sz="2000" b="0" i="1" smtClean="0">
+                        <a:latin typeface="Cambria Math" panose="02040503050406030204" pitchFamily="18" charset="0"/>
+                      </a:rPr>
+                      <m:t>+1)</m:t>
+                    </m:r>
+                  </m:oMath>
+                </a14:m>
+                <a:endParaRPr lang="cs-CZ" sz="2000" dirty="0"/>
+              </a:p>
+              <a:p>
+                <a:pPr lvl="1" algn="just"/>
+                <a:r>
+                  <a:rPr lang="cs-CZ" sz="2200" b="1" dirty="0" err="1"/>
+                  <a:t>Ireducible</a:t>
+                </a:r>
+                <a:r>
+                  <a:rPr lang="cs-CZ" sz="2200" b="1" dirty="0"/>
+                  <a:t> GF2 </a:t>
+                </a:r>
+                <a:r>
+                  <a:rPr lang="cs-CZ" sz="2200" b="1" dirty="0" err="1"/>
+                  <a:t>Orbiter</a:t>
+                </a:r>
+                <a:endParaRPr lang="cs-CZ" sz="2200" b="1" dirty="0"/>
+              </a:p>
+              <a:p>
+                <a:pPr lvl="2" algn="just"/>
+                <a:r>
+                  <a:rPr lang="cs-CZ" sz="2000" dirty="0"/>
+                  <a:t>10 ireducibilních polynomů stupně 16 zvolených nástrojem </a:t>
+                </a:r>
+                <a:r>
+                  <a:rPr lang="cs-CZ" sz="2000" dirty="0" err="1"/>
+                  <a:t>Orbiter</a:t>
+                </a:r>
+                <a:endParaRPr lang="cs-CZ" sz="2000" dirty="0"/>
+              </a:p>
+              <a:p>
+                <a:pPr lvl="1" algn="just"/>
+                <a:r>
+                  <a:rPr lang="cs-CZ" sz="2200" b="1" dirty="0" err="1"/>
+                  <a:t>From</a:t>
+                </a:r>
+                <a:r>
+                  <a:rPr lang="cs-CZ" sz="2200" b="1" dirty="0"/>
+                  <a:t> Program</a:t>
+                </a:r>
+              </a:p>
+              <a:p>
+                <a:pPr lvl="2" algn="just"/>
+                <a:r>
+                  <a:rPr lang="cs-CZ" sz="2000" dirty="0"/>
+                  <a:t>5 nejlepších polynomů pro detekci dvoubitové chyby</a:t>
+                </a:r>
+              </a:p>
+              <a:p>
+                <a:pPr lvl="2" algn="just"/>
+                <a:r>
+                  <a:rPr lang="cs-CZ" sz="2000" dirty="0"/>
+                  <a:t>polynom CCITT využívaný v X.25, V:41, Bluetooth, SD</a:t>
+                </a:r>
+              </a:p>
+              <a:p>
+                <a:pPr lvl="2" algn="just"/>
+                <a:r>
+                  <a:rPr lang="cs-CZ" sz="2000" dirty="0"/>
+                  <a:t>polynom CRC-16 od IBM využívaný v USB, ANSI X3.28, </a:t>
+                </a:r>
+                <a:r>
+                  <a:rPr lang="cs-CZ" sz="2000" dirty="0" err="1"/>
+                  <a:t>Bisinc</a:t>
+                </a:r>
+                <a:r>
+                  <a:rPr lang="cs-CZ" sz="2000" dirty="0"/>
+                  <a:t>, </a:t>
+                </a:r>
+                <a:r>
+                  <a:rPr lang="cs-CZ" sz="2000" dirty="0" err="1"/>
+                  <a:t>Modbus</a:t>
+                </a:r>
+                <a:endParaRPr lang="cs-CZ" sz="2000" dirty="0"/>
+              </a:p>
+              <a:p>
+                <a:pPr lvl="1" algn="just"/>
+                <a:endParaRPr lang="cs-CZ" sz="2200" dirty="0"/>
+              </a:p>
+            </p:txBody>
+          </p:sp>
+        </mc:Choice>
+        <mc:Fallback>
+          <p:sp>
+            <p:nvSpPr>
+              <p:cNvPr id="2" name="Zástupný obsah 1">
+                <a:extLst>
+                  <a:ext uri="{FF2B5EF4-FFF2-40B4-BE49-F238E27FC236}">
+                    <a16:creationId xmlns:a16="http://schemas.microsoft.com/office/drawing/2014/main" id="{49898EB5-A5FD-FDD0-8D95-6A81137C33E6}"/>
+                  </a:ext>
+                </a:extLst>
+              </p:cNvPr>
+              <p:cNvSpPr>
+                <a:spLocks noGrp="1" noRot="1" noChangeAspect="1" noMove="1" noResize="1" noEditPoints="1" noAdjustHandles="1" noChangeArrowheads="1" noChangeShapeType="1" noTextEdit="1"/>
+              </p:cNvSpPr>
+              <p:nvPr>
+                <p:ph idx="1"/>
+              </p:nvPr>
+            </p:nvSpPr>
+            <p:spPr>
+              <a:blipFill>
+                <a:blip r:embed="rId2"/>
+                <a:stretch>
+                  <a:fillRect l="-1058" t="-1831"/>
+                </a:stretch>
+              </a:blipFill>
+            </p:spPr>
+            <p:txBody>
+              <a:bodyPr/>
+              <a:lstStyle/>
+              <a:p>
+                <a:r>
+                  <a:rPr lang="en-AU">
+                    <a:noFill/>
+                  </a:rPr>
+                  <a:t> </a:t>
+                </a:r>
+              </a:p>
+            </p:txBody>
+          </p:sp>
+        </mc:Fallback>
+      </mc:AlternateContent>
       <p:sp>
         <p:nvSpPr>
           <p:cNvPr id="3" name="Zástupný symbol pro zápatí 2">
@@ -9682,7 +9748,7 @@
             </a:pPr>
             <a:r>
               <a:rPr lang="cs-CZ" dirty="0"/>
-              <a:t>Pouze 4-krát neodhalil chybu.</a:t>
+              <a:t>Pouze 4x neodhalil chybu.</a:t>
             </a:r>
           </a:p>
           <a:p>
@@ -10537,7 +10603,7 @@
                 <a:ea typeface="Calibri" panose="020F0502020204030204" pitchFamily="34" charset="0"/>
                 <a:cs typeface="Calibri" pitchFamily="34" charset="0"/>
               </a:rPr>
-              <a:t> Program“, které jsou současně polynomy nejlépe detekujícími dvoubitové chyby.</a:t>
+              <a:t> Program“, které současně obsahují polynomy nejlépe detekujícími dvoubitové chyby.</a:t>
             </a:r>
           </a:p>
           <a:p>
@@ -11116,7 +11182,7 @@
                 <a:ea typeface="Calibri" panose="020F0502020204030204" pitchFamily="34" charset="0"/>
                 <a:cs typeface="Calibri" pitchFamily="34" charset="0"/>
               </a:rPr>
-              <a:t>Většina nedetekovaných chyb měla HD = 8329,5.</a:t>
+              <a:t>Většina nedetekovaných chyb měla HD &gt; 8329,5.</a:t>
             </a:r>
           </a:p>
         </p:txBody>
@@ -11938,7 +12004,7 @@
             <a:pPr algn="just"/>
             <a:r>
               <a:rPr lang="cs-CZ" dirty="0"/>
-              <a:t>Cílem této práce bylo vyhodnotit úspěšnost detekce chyb na reálných datech pro různě polynomy 16-tého stupně.</a:t>
+              <a:t>Cílem této práce bylo vyhodnotit úspěšnost detekce chyb na reálných datech pro různé polynomy 16. stupně.</a:t>
             </a:r>
           </a:p>
         </p:txBody>
@@ -12144,7 +12210,7 @@
                 <a:pPr lvl="1"/>
                 <a:r>
                   <a:rPr lang="cs-CZ" dirty="0"/>
-                  <a:t>vytvořen polynomem </a:t>
+                  <a:t>vytvořen generujícím polynomem </a:t>
                 </a:r>
                 <a14:m>
                   <m:oMath xmlns:m="http://schemas.openxmlformats.org/officeDocument/2006/math">
@@ -12741,7 +12807,44 @@
                 </a:r>
                 <a:r>
                   <a:rPr lang="cs-CZ" dirty="0"/>
-                  <a:t> – musí být dělitelné bezezbytku (jinak obsahuje chybu)</a:t>
+                  <a:t> – musí být dělitelné bezezbytku polynomem </a:t>
+                </a:r>
+                <a14:m>
+                  <m:oMath xmlns:m="http://schemas.openxmlformats.org/officeDocument/2006/math">
+                    <m:r>
+                      <a:rPr lang="cs-CZ" b="0" i="1" smtClean="0">
+                        <a:latin typeface="Cambria Math" panose="02040503050406030204" pitchFamily="18" charset="0"/>
+                      </a:rPr>
+                      <m:t>𝑔</m:t>
+                    </m:r>
+                    <m:d>
+                      <m:dPr>
+                        <m:ctrlPr>
+                          <a:rPr lang="cs-CZ" b="0" i="1" smtClean="0">
+                            <a:latin typeface="Cambria Math" panose="02040503050406030204" pitchFamily="18" charset="0"/>
+                          </a:rPr>
+                        </m:ctrlPr>
+                      </m:dPr>
+                      <m:e>
+                        <m:r>
+                          <a:rPr lang="cs-CZ" b="0" i="1" smtClean="0">
+                            <a:latin typeface="Cambria Math" panose="02040503050406030204" pitchFamily="18" charset="0"/>
+                          </a:rPr>
+                          <m:t>𝑥</m:t>
+                        </m:r>
+                      </m:e>
+                    </m:d>
+                    <m:r>
+                      <a:rPr lang="cs-CZ" b="0" i="1" smtClean="0">
+                        <a:latin typeface="Cambria Math" panose="02040503050406030204" pitchFamily="18" charset="0"/>
+                      </a:rPr>
+                      <m:t> </m:t>
+                    </m:r>
+                  </m:oMath>
+                </a14:m>
+                <a:r>
+                  <a:rPr lang="cs-CZ" dirty="0"/>
+                  <a:t>(jinak obsahuje chybu)</a:t>
                 </a:r>
                 <a:endParaRPr lang="cs-CZ" b="1" dirty="0"/>
               </a:p>
@@ -12812,7 +12915,7 @@
               <a:lstStyle/>
               <a:p>
                 <a:r>
-                  <a:rPr lang="cs-CZ">
+                  <a:rPr lang="en-AU">
                     <a:noFill/>
                   </a:rPr>
                   <a:t> </a:t>
@@ -13103,7 +13206,7 @@
                 <a:pPr algn="just"/>
                 <a:r>
                   <a:rPr lang="cs-CZ" dirty="0"/>
-                  <a:t>Primitivní generující polynomy, které jsou primitivními dosahují ne-lepších detekčních výsledků.</a:t>
+                  <a:t>Generující polynomy, které jsou primitivními dosahují nejlepších detekčních výsledků.</a:t>
                 </a:r>
               </a:p>
             </p:txBody>
@@ -13143,7 +13246,7 @@
               <a:lstStyle/>
               <a:p>
                 <a:r>
-                  <a:rPr lang="cs-CZ">
+                  <a:rPr lang="en-AU">
                     <a:noFill/>
                   </a:rPr>
                   <a:t> </a:t>
@@ -13420,7 +13523,7 @@
               <a:p>
                 <a:r>
                   <a:rPr lang="cs-CZ" dirty="0"/>
-                  <a:t>Mějme zprávu m = </a:t>
+                  <a:t>Mějme data d = </a:t>
                 </a:r>
                 <a:r>
                   <a:rPr lang="cs-CZ" b="1" dirty="0"/>
@@ -13433,10 +13536,13 @@
                 <a14:m>
                   <m:oMath xmlns:m="http://schemas.openxmlformats.org/officeDocument/2006/math">
                     <m:r>
-                      <a:rPr lang="cs-CZ" b="0" i="1" smtClean="0">
+                      <m:rPr>
+                        <m:sty m:val="p"/>
+                      </m:rPr>
+                      <a:rPr lang="cs-CZ" b="0" i="0" smtClean="0">
                         <a:latin typeface="Cambria Math" panose="02040503050406030204" pitchFamily="18" charset="0"/>
                       </a:rPr>
-                      <m:t>𝑀</m:t>
+                      <m:t>D</m:t>
                     </m:r>
                     <m:r>
                       <a:rPr lang="cs-CZ" b="0" i="1" smtClean="0">
@@ -13622,7 +13728,7 @@
                       <a:rPr lang="cs-CZ" sz="2400" b="0" i="0" smtClean="0">
                         <a:latin typeface="Cambria Math" panose="02040503050406030204" pitchFamily="18" charset="0"/>
                       </a:rPr>
-                      <m:t>M</m:t>
+                      <m:t>D</m:t>
                     </m:r>
                     <m:d>
                       <m:dPr>
@@ -13800,7 +13906,21 @@
               <a:p>
                 <a:r>
                   <a:rPr lang="cs-CZ" dirty="0"/>
-                  <a:t>Výsledné kódové slovo je 100100 001.</a:t>
+                  <a:t>Výsledné zpráva </a:t>
+                </a:r>
+                <a14:m>
+                  <m:oMath xmlns:m="http://schemas.openxmlformats.org/officeDocument/2006/math">
+                    <m:r>
+                      <a:rPr lang="cs-CZ" b="0" i="1" smtClean="0">
+                        <a:latin typeface="Cambria Math" panose="02040503050406030204" pitchFamily="18" charset="0"/>
+                      </a:rPr>
+                      <m:t>𝑀</m:t>
+                    </m:r>
+                  </m:oMath>
+                </a14:m>
+                <a:r>
+                  <a:rPr lang="cs-CZ" dirty="0"/>
+                  <a:t> je 100100 001.</a:t>
                 </a:r>
               </a:p>
             </p:txBody>
@@ -13831,7 +13951,7 @@
               <a:blipFill>
                 <a:blip r:embed="rId2"/>
                 <a:stretch>
-                  <a:fillRect l="-2106" t="-2469" r="-275" b="-2195"/>
+                  <a:fillRect l="-2106" t="-2469" b="-2195"/>
                 </a:stretch>
               </a:blipFill>
             </p:spPr>
@@ -13840,7 +13960,7 @@
               <a:lstStyle/>
               <a:p>
                 <a:r>
-                  <a:rPr lang="cs-CZ">
+                  <a:rPr lang="en-AU">
                     <a:noFill/>
                   </a:rPr>
                   <a:t> </a:t>
@@ -13908,7 +14028,7 @@
                 <a14:m>
                   <m:oMath xmlns:m="http://schemas.openxmlformats.org/officeDocument/2006/math">
                     <m:r>
-                      <a:rPr lang="cs-CZ" sz="2200" b="1" i="1" smtClean="0">
+                      <a:rPr lang="cs-CZ" sz="2200" b="1" i="0" smtClean="0">
                         <a:solidFill>
                           <a:schemeClr val="tx1"/>
                         </a:solidFill>
@@ -13916,7 +14036,7 @@
                         <a:ea typeface="Calibri" panose="020F0502020204030204" pitchFamily="34" charset="0"/>
                         <a:cs typeface="Courier New" panose="02070309020205020404" pitchFamily="49" charset="0"/>
                       </a:rPr>
-                      <m:t>𝒎</m:t>
+                      <m:t>𝐝</m:t>
                     </m:r>
                     <m:r>
                       <a:rPr lang="cs-CZ" sz="2200" b="0" i="1" smtClean="0">
@@ -14219,7 +14339,7 @@
               <a:lstStyle/>
               <a:p>
                 <a:r>
-                  <a:rPr lang="cs-CZ">
+                  <a:rPr lang="en-AU">
                     <a:noFill/>
                   </a:rPr>
                   <a:t> </a:t>
@@ -14290,15 +14410,18 @@
                 <a:pPr algn="just"/>
                 <a:r>
                   <a:rPr lang="cs-CZ" sz="2400" dirty="0"/>
-                  <a:t>Pokud není polynom zprávy </a:t>
+                  <a:t>Pokud není polynom zakódované zprávy </a:t>
                 </a:r>
                 <a14:m>
                   <m:oMath xmlns:m="http://schemas.openxmlformats.org/officeDocument/2006/math">
                     <m:r>
-                      <a:rPr lang="cs-CZ" sz="2400" b="0" i="1" smtClean="0">
+                      <m:rPr>
+                        <m:sty m:val="p"/>
+                      </m:rPr>
+                      <a:rPr lang="cs-CZ" sz="2400" b="0" i="0" smtClean="0">
                         <a:latin typeface="Cambria Math" panose="02040503050406030204" pitchFamily="18" charset="0"/>
                       </a:rPr>
-                      <m:t>𝑀</m:t>
+                      <m:t>M</m:t>
                     </m:r>
                     <m:d>
                       <m:dPr>
@@ -14321,7 +14444,15 @@
                 </a14:m>
                 <a:r>
                   <a:rPr lang="cs-CZ" sz="2400" dirty="0"/>
-                  <a:t> dělitelný generujícím polynomem </a:t>
+                  <a:t> dělitelný generujícím </a:t>
+                </a:r>
+                <a:r>
+                  <a:rPr lang="cs-CZ" sz="2400" dirty="0" err="1"/>
+                  <a:t>poly</a:t>
+                </a:r>
+                <a:r>
+                  <a:rPr lang="cs-CZ" sz="2400" dirty="0"/>
+                  <a:t>-nomem </a:t>
                 </a:r>
                 <a14:m>
                   <m:oMath xmlns:m="http://schemas.openxmlformats.org/officeDocument/2006/math">
@@ -14579,10 +14710,34 @@
                   <a:rPr lang="cs-CZ" sz="2000" dirty="0"/>
                   <a:t>, kde </a:t>
                 </a:r>
-                <a:r>
-                  <a:rPr lang="cs-CZ" sz="2000" i="1" dirty="0"/>
-                  <a:t>g‘(x)</a:t>
-                </a:r>
+                <a14:m>
+                  <m:oMath xmlns:m="http://schemas.openxmlformats.org/officeDocument/2006/math">
+                    <m:r>
+                      <a:rPr lang="cs-CZ" sz="2000" b="0" i="1" smtClean="0">
+                        <a:latin typeface="Cambria Math" panose="02040503050406030204" pitchFamily="18" charset="0"/>
+                      </a:rPr>
+                      <m:t>𝑔</m:t>
+                    </m:r>
+                    <m:r>
+                      <a:rPr lang="cs-CZ" sz="2000" b="0" i="1" smtClean="0">
+                        <a:latin typeface="Cambria Math" panose="02040503050406030204" pitchFamily="18" charset="0"/>
+                      </a:rPr>
+                      <m:t>′(</m:t>
+                    </m:r>
+                    <m:r>
+                      <a:rPr lang="cs-CZ" sz="2000" b="0" i="1" smtClean="0">
+                        <a:latin typeface="Cambria Math" panose="02040503050406030204" pitchFamily="18" charset="0"/>
+                      </a:rPr>
+                      <m:t>𝑥</m:t>
+                    </m:r>
+                    <m:r>
+                      <a:rPr lang="cs-CZ" sz="2000" b="0" i="1" smtClean="0">
+                        <a:latin typeface="Cambria Math" panose="02040503050406030204" pitchFamily="18" charset="0"/>
+                      </a:rPr>
+                      <m:t>)</m:t>
+                    </m:r>
+                  </m:oMath>
+                </a14:m>
                 <a:r>
                   <a:rPr lang="cs-CZ" sz="2000" dirty="0"/>
                   <a:t> je ireducibilní polynom s lichým počtem členů.</a:t>
@@ -14625,7 +14780,7 @@
               <a:lstStyle/>
               <a:p>
                 <a:r>
-                  <a:rPr lang="cs-CZ">
+                  <a:rPr lang="en-AU">
                     <a:noFill/>
                   </a:rPr>
                   <a:t> </a:t>
@@ -14796,13 +14951,13 @@
               <a:p>
                 <a:pPr lvl="1"/>
                 <a:r>
-                  <a:rPr lang="cs-CZ" sz="2200" dirty="0"/>
+                  <a:rPr lang="cs-CZ" sz="2000" dirty="0"/>
                   <a:t>Pro každé </a:t>
                 </a:r>
                 <a14:m>
                   <m:oMath xmlns:m="http://schemas.openxmlformats.org/officeDocument/2006/math">
                     <m:r>
-                      <a:rPr lang="cs-CZ" sz="2200" b="0" i="1" smtClean="0">
+                      <a:rPr lang="cs-CZ" sz="2000" b="0" i="1" smtClean="0">
                         <a:latin typeface="Cambria Math" panose="02040503050406030204" pitchFamily="18" charset="0"/>
                       </a:rPr>
                       <m:t>𝑔</m:t>
@@ -14810,14 +14965,14 @@
                     <m:d>
                       <m:dPr>
                         <m:ctrlPr>
-                          <a:rPr lang="cs-CZ" sz="2200" b="0" i="1" smtClean="0">
+                          <a:rPr lang="cs-CZ" sz="2000" b="0" i="1" smtClean="0">
                             <a:latin typeface="Cambria Math" panose="02040503050406030204" pitchFamily="18" charset="0"/>
                           </a:rPr>
                         </m:ctrlPr>
                       </m:dPr>
                       <m:e>
                         <m:r>
-                          <a:rPr lang="cs-CZ" sz="2200" b="0" i="1" smtClean="0">
+                          <a:rPr lang="cs-CZ" sz="2000" b="0" i="1" smtClean="0">
                             <a:latin typeface="Cambria Math" panose="02040503050406030204" pitchFamily="18" charset="0"/>
                           </a:rPr>
                           <m:t>𝑥</m:t>
@@ -14827,25 +14982,25 @@
                   </m:oMath>
                 </a14:m>
                 <a:r>
-                  <a:rPr lang="cs-CZ" sz="2200" dirty="0"/>
+                  <a:rPr lang="cs-CZ" sz="2000" dirty="0"/>
                   <a:t> existuje </a:t>
                 </a:r>
                 <a14:m>
                   <m:oMath xmlns:m="http://schemas.openxmlformats.org/officeDocument/2006/math">
                     <m:r>
-                      <a:rPr lang="cs-CZ" sz="2200" b="0" i="1" smtClean="0">
+                      <a:rPr lang="cs-CZ" sz="2000" b="0" i="1" smtClean="0">
                         <a:latin typeface="Cambria Math" panose="02040503050406030204" pitchFamily="18" charset="0"/>
                       </a:rPr>
                       <m:t>𝑁</m:t>
                     </m:r>
                     <m:r>
-                      <a:rPr lang="cs-CZ" sz="2200" b="0" i="1" smtClean="0">
+                      <a:rPr lang="cs-CZ" sz="2000" b="0" i="1" smtClean="0">
                         <a:latin typeface="Cambria Math" panose="02040503050406030204" pitchFamily="18" charset="0"/>
                       </a:rPr>
                       <m:t>∈ </m:t>
                     </m:r>
                     <m:r>
-                      <a:rPr lang="cs-CZ" sz="2200" b="0" i="1" smtClean="0">
+                      <a:rPr lang="cs-CZ" sz="2000" b="0" i="1" smtClean="0">
                         <a:latin typeface="Cambria Math" panose="02040503050406030204" pitchFamily="18" charset="0"/>
                         <a:ea typeface="Cambria Math" panose="02040503050406030204" pitchFamily="18" charset="0"/>
                       </a:rPr>
@@ -14854,13 +15009,13 @@
                   </m:oMath>
                 </a14:m>
                 <a:r>
-                  <a:rPr lang="cs-CZ" sz="2200" dirty="0"/>
+                  <a:rPr lang="cs-CZ" sz="2000" dirty="0"/>
                   <a:t> takové, že </a:t>
                 </a:r>
                 <a14:m>
                   <m:oMath xmlns:m="http://schemas.openxmlformats.org/officeDocument/2006/math">
                     <m:r>
-                      <a:rPr lang="cs-CZ" sz="2200" b="0" i="1" smtClean="0">
+                      <a:rPr lang="cs-CZ" sz="2000" b="0" i="1" smtClean="0">
                         <a:latin typeface="Cambria Math" panose="02040503050406030204" pitchFamily="18" charset="0"/>
                       </a:rPr>
                       <m:t>𝑔</m:t>
@@ -14868,14 +15023,14 @@
                     <m:d>
                       <m:dPr>
                         <m:ctrlPr>
-                          <a:rPr lang="cs-CZ" sz="2200" b="0" i="1" smtClean="0">
+                          <a:rPr lang="cs-CZ" sz="2000" b="0" i="1" smtClean="0">
                             <a:latin typeface="Cambria Math" panose="02040503050406030204" pitchFamily="18" charset="0"/>
                           </a:rPr>
                         </m:ctrlPr>
                       </m:dPr>
                       <m:e>
                         <m:r>
-                          <a:rPr lang="cs-CZ" sz="2200" b="0" i="1" smtClean="0">
+                          <a:rPr lang="cs-CZ" sz="2000" b="0" i="1" smtClean="0">
                             <a:latin typeface="Cambria Math" panose="02040503050406030204" pitchFamily="18" charset="0"/>
                           </a:rPr>
                           <m:t>𝑥</m:t>
@@ -14885,13 +15040,13 @@
                   </m:oMath>
                 </a14:m>
                 <a:r>
-                  <a:rPr lang="cs-CZ" sz="2200" dirty="0"/>
+                  <a:rPr lang="cs-CZ" sz="2000" dirty="0"/>
                   <a:t> dělí </a:t>
                 </a:r>
                 <a14:m>
                   <m:oMath xmlns:m="http://schemas.openxmlformats.org/officeDocument/2006/math">
                     <m:r>
-                      <a:rPr lang="cs-CZ" sz="2200" b="0" i="1" smtClean="0">
+                      <a:rPr lang="cs-CZ" sz="2000" b="0" i="1" smtClean="0">
                         <a:latin typeface="Cambria Math" panose="02040503050406030204" pitchFamily="18" charset="0"/>
                       </a:rPr>
                       <m:t>(</m:t>
@@ -14899,14 +15054,14 @@
                     <m:sSup>
                       <m:sSupPr>
                         <m:ctrlPr>
-                          <a:rPr lang="cs-CZ" sz="2200" b="0" i="1" smtClean="0">
+                          <a:rPr lang="cs-CZ" sz="2000" b="0" i="1" smtClean="0">
                             <a:latin typeface="Cambria Math" panose="02040503050406030204" pitchFamily="18" charset="0"/>
                           </a:rPr>
                         </m:ctrlPr>
                       </m:sSupPr>
                       <m:e>
                         <m:r>
-                          <a:rPr lang="cs-CZ" sz="2200" b="0" i="1" smtClean="0">
+                          <a:rPr lang="cs-CZ" sz="2000" b="0" i="1" smtClean="0">
                             <a:latin typeface="Cambria Math" panose="02040503050406030204" pitchFamily="18" charset="0"/>
                           </a:rPr>
                           <m:t>𝑥</m:t>
@@ -14914,7 +15069,7 @@
                       </m:e>
                       <m:sup>
                         <m:r>
-                          <a:rPr lang="cs-CZ" sz="2200" b="0" i="1" smtClean="0">
+                          <a:rPr lang="cs-CZ" sz="2000" b="0" i="1" smtClean="0">
                             <a:latin typeface="Cambria Math" panose="02040503050406030204" pitchFamily="18" charset="0"/>
                           </a:rPr>
                           <m:t>𝑁</m:t>
@@ -14922,7 +15077,7 @@
                       </m:sup>
                     </m:sSup>
                     <m:r>
-                      <a:rPr lang="cs-CZ" sz="2200" b="0" i="1" smtClean="0">
+                      <a:rPr lang="cs-CZ" sz="2000" b="0" i="1" smtClean="0">
                         <a:latin typeface="Cambria Math" panose="02040503050406030204" pitchFamily="18" charset="0"/>
                       </a:rPr>
                       <m:t>+1)</m:t>
@@ -14930,7 +15085,7 @@
                   </m:oMath>
                 </a14:m>
                 <a:r>
-                  <a:rPr lang="cs-CZ" sz="2200" dirty="0"/>
+                  <a:rPr lang="cs-CZ" sz="2000" dirty="0"/>
                   <a:t> bezezbytku.</a:t>
                 </a:r>
               </a:p>
@@ -14948,7 +15103,71 @@
                     <a:effectLst/>
                     <a:latin typeface="Arial" panose="020B0604020202020204" pitchFamily="34" charset="0"/>
                   </a:rPr>
-                  <a:t>Délka zprávy M(x) musí být menší než 2n-k – 1</a:t>
+                  <a:t>Délka zprávy </a:t>
+                </a:r>
+                <a14:m>
+                  <m:oMath xmlns:m="http://schemas.openxmlformats.org/officeDocument/2006/math">
+                    <m:r>
+                      <a:rPr lang="cs-CZ" sz="2000" b="0" i="1" smtClean="0">
+                        <a:effectLst/>
+                        <a:latin typeface="Cambria Math" panose="02040503050406030204" pitchFamily="18" charset="0"/>
+                      </a:rPr>
+                      <m:t>𝑀</m:t>
+                    </m:r>
+                  </m:oMath>
+                </a14:m>
+                <a:r>
+                  <a:rPr lang="cs-CZ" sz="2000" dirty="0">
+                    <a:effectLst/>
+                    <a:latin typeface="Arial" panose="020B0604020202020204" pitchFamily="34" charset="0"/>
+                  </a:rPr>
+                  <a:t> musí být menší než </a:t>
+                </a:r>
+                <a14:m>
+                  <m:oMath xmlns:m="http://schemas.openxmlformats.org/officeDocument/2006/math">
+                    <m:r>
+                      <a:rPr lang="cs-CZ" sz="2000" b="0" i="1" smtClean="0">
+                        <a:effectLst/>
+                        <a:latin typeface="Cambria Math" panose="02040503050406030204" pitchFamily="18" charset="0"/>
+                      </a:rPr>
+                      <m:t>2</m:t>
+                    </m:r>
+                    <m:r>
+                      <a:rPr lang="cs-CZ" sz="2000" b="0" i="1" smtClean="0">
+                        <a:effectLst/>
+                        <a:latin typeface="Cambria Math" panose="02040503050406030204" pitchFamily="18" charset="0"/>
+                      </a:rPr>
+                      <m:t>𝑛</m:t>
+                    </m:r>
+                    <m:r>
+                      <a:rPr lang="cs-CZ" sz="2000" b="0" i="1" smtClean="0">
+                        <a:effectLst/>
+                        <a:latin typeface="Cambria Math" panose="02040503050406030204" pitchFamily="18" charset="0"/>
+                      </a:rPr>
+                      <m:t>−</m:t>
+                    </m:r>
+                    <m:r>
+                      <a:rPr lang="cs-CZ" sz="2000" b="0" i="1" smtClean="0">
+                        <a:effectLst/>
+                        <a:latin typeface="Cambria Math" panose="02040503050406030204" pitchFamily="18" charset="0"/>
+                      </a:rPr>
+                      <m:t>𝑘</m:t>
+                    </m:r>
+                    <m:r>
+                      <a:rPr lang="cs-CZ" sz="2000" b="0" i="1" smtClean="0">
+                        <a:effectLst/>
+                        <a:latin typeface="Cambria Math" panose="02040503050406030204" pitchFamily="18" charset="0"/>
+                      </a:rPr>
+                      <m:t>−1</m:t>
+                    </m:r>
+                  </m:oMath>
+                </a14:m>
+                <a:r>
+                  <a:rPr lang="cs-CZ" sz="2000" dirty="0">
+                    <a:effectLst/>
+                    <a:latin typeface="Arial" panose="020B0604020202020204" pitchFamily="34" charset="0"/>
+                  </a:rPr>
+                  <a:t>.</a:t>
                 </a:r>
               </a:p>
               <a:p>
@@ -15175,7 +15394,7 @@
               <a:blipFill>
                 <a:blip r:embed="rId2"/>
                 <a:stretch>
-                  <a:fillRect l="-1058" t="-4010" b="-2005"/>
+                  <a:fillRect l="-1058" t="-4010" b="-501"/>
                 </a:stretch>
               </a:blipFill>
             </p:spPr>
@@ -15184,7 +15403,7 @@
               <a:lstStyle/>
               <a:p>
                 <a:r>
-                  <a:rPr lang="cs-CZ">
+                  <a:rPr lang="en-AU">
                     <a:noFill/>
                   </a:rPr>
                   <a:t> </a:t>
@@ -15515,7 +15734,7 @@
                 <a:pPr lvl="1" algn="just"/>
                 <a:r>
                   <a:rPr lang="cs-CZ" dirty="0"/>
-                  <a:t>Detekuje všechny shluky do délky </a:t>
+                  <a:t>Detekuje všechny shlukové chyby do délky </a:t>
                 </a:r>
                 <a:r>
                   <a:rPr lang="cs-CZ" b="1" dirty="0"/>
@@ -15646,6 +15865,12 @@
                           <a:rPr lang="cs-CZ" b="0" i="1" dirty="0" smtClean="0">
                             <a:latin typeface="Cambria Math" panose="02040503050406030204" pitchFamily="18" charset="0"/>
                           </a:rPr>
+                          <m:t> </m:t>
+                        </m:r>
+                        <m:r>
+                          <a:rPr lang="cs-CZ" b="0" i="1" dirty="0" smtClean="0">
+                            <a:latin typeface="Cambria Math" panose="02040503050406030204" pitchFamily="18" charset="0"/>
+                          </a:rPr>
                           <m:t>2</m:t>
                         </m:r>
                       </m:e>
@@ -15729,7 +15954,7 @@
               <a:lstStyle/>
               <a:p>
                 <a:r>
-                  <a:rPr lang="cs-CZ">
+                  <a:rPr lang="en-AU">
                     <a:noFill/>
                   </a:rPr>
                   <a:t> </a:t>
@@ -18060,18 +18285,18 @@
 </file>
 
 <file path=customXml/item1.xml><?xml version="1.0" encoding="utf-8"?>
+<p:properties xmlns:p="http://schemas.microsoft.com/office/2006/metadata/properties" xmlns:xsi="http://www.w3.org/2001/XMLSchema-instance" xmlns:pc="http://schemas.microsoft.com/office/infopath/2007/PartnerControls">
+  <documentManagement/>
+</p:properties>
+</file>
+
+<file path=customXml/item2.xml><?xml version="1.0" encoding="utf-8"?>
 <?mso-contentType ?>
 <FormTemplates xmlns="http://schemas.microsoft.com/sharepoint/v3/contenttype/forms">
   <Display>DocumentLibraryForm</Display>
   <Edit>DocumentLibraryForm</Edit>
   <New>DocumentLibraryForm</New>
 </FormTemplates>
-</file>
-
-<file path=customXml/item2.xml><?xml version="1.0" encoding="utf-8"?>
-<p:properties xmlns:p="http://schemas.microsoft.com/office/2006/metadata/properties" xmlns:xsi="http://www.w3.org/2001/XMLSchema-instance" xmlns:pc="http://schemas.microsoft.com/office/infopath/2007/PartnerControls">
-  <documentManagement/>
-</p:properties>
 </file>
 
 <file path=customXml/item3.xml><?xml version="1.0" encoding="utf-8"?>
@@ -18284,14 +18509,6 @@
 </file>
 
 <file path=customXml/itemProps1.xml><?xml version="1.0" encoding="utf-8"?>
-<ds:datastoreItem xmlns:ds="http://schemas.openxmlformats.org/officeDocument/2006/customXml" ds:itemID="{24F972ED-EFCD-40E0-ABFE-07DA576A1763}">
-  <ds:schemaRefs>
-    <ds:schemaRef ds:uri="http://schemas.microsoft.com/sharepoint/v3/contenttype/forms"/>
-  </ds:schemaRefs>
-</ds:datastoreItem>
-</file>
-
-<file path=customXml/itemProps2.xml><?xml version="1.0" encoding="utf-8"?>
 <ds:datastoreItem xmlns:ds="http://schemas.openxmlformats.org/officeDocument/2006/customXml" ds:itemID="{262107AF-50E3-4468-A11D-493DCCBF3C6B}">
   <ds:schemaRefs>
     <ds:schemaRef ds:uri="http://www.w3.org/XML/1998/namespace"/>
@@ -18304,6 +18521,14 @@
     <ds:schemaRef ds:uri="65059cc1-5a9a-4294-ae4c-cb6b96619f6e"/>
     <ds:schemaRef ds:uri="0a831583-ce9c-4037-8f91-15cb6b4a224f"/>
     <ds:schemaRef ds:uri="http://purl.org/dc/terms/"/>
+  </ds:schemaRefs>
+</ds:datastoreItem>
+</file>
+
+<file path=customXml/itemProps2.xml><?xml version="1.0" encoding="utf-8"?>
+<ds:datastoreItem xmlns:ds="http://schemas.openxmlformats.org/officeDocument/2006/customXml" ds:itemID="{24F972ED-EFCD-40E0-ABFE-07DA576A1763}">
+  <ds:schemaRefs>
+    <ds:schemaRef ds:uri="http://schemas.microsoft.com/sharepoint/v3/contenttype/forms"/>
   </ds:schemaRefs>
 </ds:datastoreItem>
 </file>
